--- a/EffectiveJava.pptx
+++ b/EffectiveJava.pptx
@@ -840,7 +840,7 @@
           <a:p>
             <a:fld id="{C4D289AD-1673-4D2E-B426-F4E2335D7916}" type="datetimeFigureOut">
               <a:rPr lang="en-US" smtClean="0"/>
-              <a:t>2/2/2019</a:t>
+              <a:t>2/3/2019</a:t>
             </a:fld>
             <a:endParaRPr lang="en-US"/>
           </a:p>
@@ -1091,7 +1091,7 @@
           <a:p>
             <a:fld id="{C4D289AD-1673-4D2E-B426-F4E2335D7916}" type="datetimeFigureOut">
               <a:rPr lang="en-US" smtClean="0"/>
-              <a:t>2/2/2019</a:t>
+              <a:t>2/3/2019</a:t>
             </a:fld>
             <a:endParaRPr lang="en-US"/>
           </a:p>
@@ -1405,7 +1405,7 @@
           <a:p>
             <a:fld id="{C4D289AD-1673-4D2E-B426-F4E2335D7916}" type="datetimeFigureOut">
               <a:rPr lang="en-US" smtClean="0"/>
-              <a:t>2/2/2019</a:t>
+              <a:t>2/3/2019</a:t>
             </a:fld>
             <a:endParaRPr lang="en-US"/>
           </a:p>
@@ -1746,7 +1746,7 @@
           <a:p>
             <a:fld id="{C4D289AD-1673-4D2E-B426-F4E2335D7916}" type="datetimeFigureOut">
               <a:rPr lang="en-US" smtClean="0"/>
-              <a:t>2/2/2019</a:t>
+              <a:t>2/3/2019</a:t>
             </a:fld>
             <a:endParaRPr lang="en-US"/>
           </a:p>
@@ -2060,7 +2060,7 @@
           <a:p>
             <a:fld id="{C4D289AD-1673-4D2E-B426-F4E2335D7916}" type="datetimeFigureOut">
               <a:rPr lang="en-US" smtClean="0"/>
-              <a:t>2/2/2019</a:t>
+              <a:t>2/3/2019</a:t>
             </a:fld>
             <a:endParaRPr lang="en-US"/>
           </a:p>
@@ -2453,7 +2453,7 @@
           <a:p>
             <a:fld id="{C4D289AD-1673-4D2E-B426-F4E2335D7916}" type="datetimeFigureOut">
               <a:rPr lang="en-US" smtClean="0"/>
-              <a:t>2/2/2019</a:t>
+              <a:t>2/3/2019</a:t>
             </a:fld>
             <a:endParaRPr lang="en-US"/>
           </a:p>
@@ -2623,7 +2623,7 @@
           <a:p>
             <a:fld id="{C4D289AD-1673-4D2E-B426-F4E2335D7916}" type="datetimeFigureOut">
               <a:rPr lang="en-US" smtClean="0"/>
-              <a:t>2/2/2019</a:t>
+              <a:t>2/3/2019</a:t>
             </a:fld>
             <a:endParaRPr lang="en-US"/>
           </a:p>
@@ -2803,7 +2803,7 @@
           <a:p>
             <a:fld id="{C4D289AD-1673-4D2E-B426-F4E2335D7916}" type="datetimeFigureOut">
               <a:rPr lang="en-US" smtClean="0"/>
-              <a:t>2/2/2019</a:t>
+              <a:t>2/3/2019</a:t>
             </a:fld>
             <a:endParaRPr lang="en-US"/>
           </a:p>
@@ -2979,7 +2979,7 @@
           <a:p>
             <a:fld id="{C4D289AD-1673-4D2E-B426-F4E2335D7916}" type="datetimeFigureOut">
               <a:rPr lang="en-US" smtClean="0"/>
-              <a:t>2/2/2019</a:t>
+              <a:t>2/3/2019</a:t>
             </a:fld>
             <a:endParaRPr lang="en-US"/>
           </a:p>
@@ -3226,7 +3226,7 @@
           <a:p>
             <a:fld id="{C4D289AD-1673-4D2E-B426-F4E2335D7916}" type="datetimeFigureOut">
               <a:rPr lang="en-US" smtClean="0"/>
-              <a:t>2/2/2019</a:t>
+              <a:t>2/3/2019</a:t>
             </a:fld>
             <a:endParaRPr lang="en-US"/>
           </a:p>
@@ -3458,7 +3458,7 @@
           <a:p>
             <a:fld id="{C4D289AD-1673-4D2E-B426-F4E2335D7916}" type="datetimeFigureOut">
               <a:rPr lang="en-US" smtClean="0"/>
-              <a:t>2/2/2019</a:t>
+              <a:t>2/3/2019</a:t>
             </a:fld>
             <a:endParaRPr lang="en-US"/>
           </a:p>
@@ -3832,7 +3832,7 @@
           <a:p>
             <a:fld id="{C4D289AD-1673-4D2E-B426-F4E2335D7916}" type="datetimeFigureOut">
               <a:rPr lang="en-US" smtClean="0"/>
-              <a:t>2/2/2019</a:t>
+              <a:t>2/3/2019</a:t>
             </a:fld>
             <a:endParaRPr lang="en-US"/>
           </a:p>
@@ -3955,7 +3955,7 @@
           <a:p>
             <a:fld id="{C4D289AD-1673-4D2E-B426-F4E2335D7916}" type="datetimeFigureOut">
               <a:rPr lang="en-US" smtClean="0"/>
-              <a:t>2/2/2019</a:t>
+              <a:t>2/3/2019</a:t>
             </a:fld>
             <a:endParaRPr lang="en-US"/>
           </a:p>
@@ -4050,7 +4050,7 @@
           <a:p>
             <a:fld id="{C4D289AD-1673-4D2E-B426-F4E2335D7916}" type="datetimeFigureOut">
               <a:rPr lang="en-US" smtClean="0"/>
-              <a:t>2/2/2019</a:t>
+              <a:t>2/3/2019</a:t>
             </a:fld>
             <a:endParaRPr lang="en-US"/>
           </a:p>
@@ -4305,7 +4305,7 @@
           <a:p>
             <a:fld id="{C4D289AD-1673-4D2E-B426-F4E2335D7916}" type="datetimeFigureOut">
               <a:rPr lang="en-US" smtClean="0"/>
-              <a:t>2/2/2019</a:t>
+              <a:t>2/3/2019</a:t>
             </a:fld>
             <a:endParaRPr lang="en-US"/>
           </a:p>
@@ -4568,7 +4568,7 @@
           <a:p>
             <a:fld id="{C4D289AD-1673-4D2E-B426-F4E2335D7916}" type="datetimeFigureOut">
               <a:rPr lang="en-US" smtClean="0"/>
-              <a:t>2/2/2019</a:t>
+              <a:t>2/3/2019</a:t>
             </a:fld>
             <a:endParaRPr lang="en-US"/>
           </a:p>
@@ -5311,7 +5311,7 @@
           <a:p>
             <a:fld id="{C4D289AD-1673-4D2E-B426-F4E2335D7916}" type="datetimeFigureOut">
               <a:rPr lang="en-US" smtClean="0"/>
-              <a:t>2/2/2019</a:t>
+              <a:t>2/3/2019</a:t>
             </a:fld>
             <a:endParaRPr lang="en-US"/>
           </a:p>
@@ -6491,12 +6491,8 @@
           <a:p>
             <a:pPr lvl="3"/>
             <a:r>
-              <a:rPr lang="en-US" sz="4800"/>
-              <a:t>Hard </a:t>
-            </a:r>
-            <a:r>
               <a:rPr lang="en-US" sz="4800" dirty="0"/>
-              <a:t>to read when having more constructor parameters</a:t>
+              <a:t>Hard to read when having more constructor parameters</a:t>
             </a:r>
           </a:p>
           <a:p>
@@ -6792,149 +6788,127 @@
         </p:nvSpPr>
         <p:spPr>
           <a:xfrm>
-            <a:off x="677334" y="2160589"/>
-            <a:ext cx="9146604" cy="4380888"/>
+            <a:off x="677334" y="2344615"/>
+            <a:ext cx="9146604" cy="4419600"/>
           </a:xfrm>
         </p:spPr>
         <p:txBody>
           <a:bodyPr>
-            <a:normAutofit/>
+            <a:normAutofit lnSpcReduction="10000"/>
           </a:bodyPr>
           <a:lstStyle/>
           <a:p>
             <a:r>
               <a:rPr lang="en-US" dirty="0"/>
-              <a:t>There are two common ways to implement singletons.</a:t>
+              <a:t>There are two common ways to implement singletons</a:t>
             </a:r>
           </a:p>
           <a:p>
             <a:pPr lvl="1"/>
             <a:r>
+              <a:rPr lang="en-US" dirty="0"/>
+              <a:t>Singleton with public static final field</a:t>
+            </a:r>
+          </a:p>
+          <a:p>
+            <a:pPr lvl="1"/>
+            <a:r>
+              <a:rPr lang="en-US" dirty="0"/>
+              <a:t>Singleton with static factory method</a:t>
+            </a:r>
+          </a:p>
+          <a:p>
+            <a:pPr lvl="1"/>
+            <a:r>
+              <a:rPr lang="en-US" dirty="0"/>
+              <a:t>Both have disadvantages</a:t>
+            </a:r>
+          </a:p>
+          <a:p>
+            <a:pPr lvl="2"/>
+            <a:r>
+              <a:rPr lang="en-US" dirty="0"/>
+              <a:t>Client can invoke the private constructor reflectively – Reflection Attack</a:t>
+            </a:r>
+          </a:p>
+          <a:p>
+            <a:pPr lvl="2"/>
+            <a:r>
+              <a:rPr lang="en-US" dirty="0"/>
+              <a:t>Serialization Injection</a:t>
+            </a:r>
+          </a:p>
+          <a:p>
+            <a:r>
+              <a:rPr lang="en-US" dirty="0"/>
+              <a:t>Most preferred way is using </a:t>
+            </a:r>
+            <a:r>
+              <a:rPr lang="en-US" dirty="0" err="1"/>
+              <a:t>Enum</a:t>
+            </a:r>
+            <a:r>
+              <a:rPr lang="en-US" dirty="0"/>
+              <a:t>			</a:t>
+            </a:r>
+          </a:p>
+          <a:p>
+            <a:pPr lvl="1"/>
+            <a:r>
+              <a:rPr lang="en-US" sz="1400" dirty="0" err="1"/>
+              <a:t>Enums</a:t>
+            </a:r>
+            <a:r>
+              <a:rPr lang="en-US" sz="1400" dirty="0"/>
+              <a:t> automatically supports serialization hence do not need to implement Serializable interface</a:t>
+            </a:r>
+          </a:p>
+          <a:p>
+            <a:pPr lvl="1"/>
+            <a:r>
+              <a:rPr lang="en-US" sz="1400" dirty="0" err="1"/>
+              <a:t>Enums</a:t>
+            </a:r>
+            <a:r>
+              <a:rPr lang="en-US" sz="1400" dirty="0"/>
+              <a:t> don’t have any constructor so it is not possible to create new instances using Reflection</a:t>
+            </a:r>
+          </a:p>
+          <a:p>
+            <a:pPr lvl="1"/>
+            <a:r>
+              <a:rPr lang="en-US" sz="1400" dirty="0"/>
+              <a:t>JVM handles the creation and invocation of </a:t>
+            </a:r>
+            <a:r>
+              <a:rPr lang="en-US" sz="1400" dirty="0" err="1"/>
+              <a:t>Enum</a:t>
+            </a:r>
+            <a:r>
+              <a:rPr lang="en-US" sz="1400" dirty="0"/>
+              <a:t> constructors internally</a:t>
+            </a:r>
+          </a:p>
+          <a:p>
+            <a:pPr lvl="1"/>
+            <a:r>
+              <a:rPr lang="en-US" sz="1400" dirty="0"/>
+              <a:t>Its even prevent Serialization Injection automatically</a:t>
+            </a:r>
+          </a:p>
+          <a:p>
+            <a:pPr marL="914400" lvl="2" indent="0">
+              <a:buNone/>
+            </a:pPr>
+            <a:endParaRPr lang="en-US" b="1" dirty="0"/>
+          </a:p>
+          <a:p>
+            <a:pPr marL="1371600" lvl="3" indent="0">
+              <a:buNone/>
+            </a:pPr>
+            <a:r>
               <a:rPr lang="en-US" b="1" dirty="0"/>
-              <a:t>Singleton with public static final field</a:t>
-            </a:r>
-          </a:p>
-          <a:p>
-            <a:pPr lvl="2"/>
-            <a:r>
-              <a:rPr lang="en-US" b="1" dirty="0"/>
-              <a:t>Client can invoke the private constructor reflectively</a:t>
-            </a:r>
-          </a:p>
-          <a:p>
-            <a:pPr marL="1371600" lvl="3" indent="0">
-              <a:buNone/>
-            </a:pPr>
-            <a:r>
-              <a:rPr lang="en-US" b="1" dirty="0"/>
-              <a:t>	Constructor&lt;?&gt;[] constructors = </a:t>
-            </a:r>
-            <a:r>
-              <a:rPr lang="en-US" b="1" dirty="0" err="1"/>
-              <a:t>Cat.class.getDeclaredConstructors</a:t>
-            </a:r>
-            <a:r>
-              <a:rPr lang="en-US" b="1" dirty="0"/>
-              <a:t>();</a:t>
-            </a:r>
-          </a:p>
-          <a:p>
-            <a:pPr marL="1371600" lvl="3" indent="0">
-              <a:buNone/>
-            </a:pPr>
-            <a:r>
-              <a:rPr lang="en-US" b="1" dirty="0"/>
-              <a:t>	for (Constructor&lt;?&gt; constructor : constructors) {</a:t>
-            </a:r>
-          </a:p>
-          <a:p>
-            <a:pPr marL="1371600" lvl="3" indent="0">
-              <a:buNone/>
-            </a:pPr>
-            <a:r>
-              <a:rPr lang="en-US" b="1" dirty="0"/>
-              <a:t>		 if (</a:t>
-            </a:r>
-            <a:r>
-              <a:rPr lang="en-US" b="1" dirty="0" err="1"/>
-              <a:t>Modifier.isPrivate</a:t>
-            </a:r>
-            <a:r>
-              <a:rPr lang="en-US" b="1" dirty="0"/>
-              <a:t>(</a:t>
-            </a:r>
-            <a:r>
-              <a:rPr lang="en-US" b="1" dirty="0" err="1"/>
-              <a:t>constructor.getModifiers</a:t>
-            </a:r>
-            <a:r>
-              <a:rPr lang="en-US" b="1" dirty="0"/>
-              <a:t>())) {</a:t>
-            </a:r>
-          </a:p>
-          <a:p>
-            <a:pPr marL="1371600" lvl="3" indent="0">
-              <a:buNone/>
-            </a:pPr>
-            <a:r>
-              <a:rPr lang="en-US" b="1" dirty="0"/>
-              <a:t>			</a:t>
-            </a:r>
-            <a:r>
-              <a:rPr lang="en-US" b="1" dirty="0" err="1"/>
-              <a:t>constructor.setAccessible</a:t>
-            </a:r>
-            <a:r>
-              <a:rPr lang="en-US" b="1" dirty="0"/>
-              <a:t>(true);</a:t>
-            </a:r>
-          </a:p>
-          <a:p>
-            <a:pPr marL="1371600" lvl="3" indent="0">
-              <a:buNone/>
-            </a:pPr>
-            <a:r>
-              <a:rPr lang="en-US" b="1" dirty="0"/>
-              <a:t>			Object </a:t>
-            </a:r>
-            <a:r>
-              <a:rPr lang="en-US" b="1" dirty="0" err="1"/>
-              <a:t>ob</a:t>
-            </a:r>
-            <a:r>
-              <a:rPr lang="en-US" b="1" dirty="0"/>
-              <a:t> = </a:t>
-            </a:r>
-            <a:r>
-              <a:rPr lang="en-US" b="1" dirty="0" err="1"/>
-              <a:t>constructor.newInstance</a:t>
-            </a:r>
-            <a:r>
-              <a:rPr lang="en-US" b="1" dirty="0"/>
-              <a:t>();				</a:t>
-            </a:r>
-          </a:p>
-          <a:p>
-            <a:pPr marL="1371600" lvl="3" indent="0">
-              <a:buNone/>
-            </a:pPr>
-            <a:r>
-              <a:rPr lang="en-US" b="1" dirty="0"/>
-              <a:t>		}</a:t>
-            </a:r>
-          </a:p>
-          <a:p>
-            <a:pPr lvl="3"/>
-            <a:r>
-              <a:rPr lang="en-US" b="1" dirty="0"/>
-              <a:t>To prevent additional objects creation we can throw an Error inside constructor when additional objects going to be created.</a:t>
-            </a:r>
-          </a:p>
-          <a:p>
-            <a:pPr lvl="2"/>
-            <a:r>
-              <a:rPr lang="en-US" b="1" dirty="0"/>
-              <a:t>Singleton with static factory method</a:t>
+              <a:t>	</a:t>
             </a:r>
             <a:endParaRPr lang="en-US" dirty="0"/>
           </a:p>

--- a/EffectiveJava.pptx
+++ b/EffectiveJava.pptx
@@ -12,6 +12,9 @@
     <p:sldId id="260" r:id="rId6"/>
     <p:sldId id="262" r:id="rId7"/>
     <p:sldId id="261" r:id="rId8"/>
+    <p:sldId id="263" r:id="rId9"/>
+    <p:sldId id="265" r:id="rId10"/>
+    <p:sldId id="264" r:id="rId11"/>
   </p:sldIdLst>
   <p:sldSz cx="12192000" cy="6858000"/>
   <p:notesSz cx="6858000" cy="9144000"/>
@@ -840,7 +843,7 @@
           <a:p>
             <a:fld id="{C4D289AD-1673-4D2E-B426-F4E2335D7916}" type="datetimeFigureOut">
               <a:rPr lang="en-US" smtClean="0"/>
-              <a:t>2/3/2019</a:t>
+              <a:t>2/5/2019</a:t>
             </a:fld>
             <a:endParaRPr lang="en-US"/>
           </a:p>
@@ -1091,7 +1094,7 @@
           <a:p>
             <a:fld id="{C4D289AD-1673-4D2E-B426-F4E2335D7916}" type="datetimeFigureOut">
               <a:rPr lang="en-US" smtClean="0"/>
-              <a:t>2/3/2019</a:t>
+              <a:t>2/5/2019</a:t>
             </a:fld>
             <a:endParaRPr lang="en-US"/>
           </a:p>
@@ -1405,7 +1408,7 @@
           <a:p>
             <a:fld id="{C4D289AD-1673-4D2E-B426-F4E2335D7916}" type="datetimeFigureOut">
               <a:rPr lang="en-US" smtClean="0"/>
-              <a:t>2/3/2019</a:t>
+              <a:t>2/5/2019</a:t>
             </a:fld>
             <a:endParaRPr lang="en-US"/>
           </a:p>
@@ -1746,7 +1749,7 @@
           <a:p>
             <a:fld id="{C4D289AD-1673-4D2E-B426-F4E2335D7916}" type="datetimeFigureOut">
               <a:rPr lang="en-US" smtClean="0"/>
-              <a:t>2/3/2019</a:t>
+              <a:t>2/5/2019</a:t>
             </a:fld>
             <a:endParaRPr lang="en-US"/>
           </a:p>
@@ -2060,7 +2063,7 @@
           <a:p>
             <a:fld id="{C4D289AD-1673-4D2E-B426-F4E2335D7916}" type="datetimeFigureOut">
               <a:rPr lang="en-US" smtClean="0"/>
-              <a:t>2/3/2019</a:t>
+              <a:t>2/5/2019</a:t>
             </a:fld>
             <a:endParaRPr lang="en-US"/>
           </a:p>
@@ -2453,7 +2456,7 @@
           <a:p>
             <a:fld id="{C4D289AD-1673-4D2E-B426-F4E2335D7916}" type="datetimeFigureOut">
               <a:rPr lang="en-US" smtClean="0"/>
-              <a:t>2/3/2019</a:t>
+              <a:t>2/5/2019</a:t>
             </a:fld>
             <a:endParaRPr lang="en-US"/>
           </a:p>
@@ -2623,7 +2626,7 @@
           <a:p>
             <a:fld id="{C4D289AD-1673-4D2E-B426-F4E2335D7916}" type="datetimeFigureOut">
               <a:rPr lang="en-US" smtClean="0"/>
-              <a:t>2/3/2019</a:t>
+              <a:t>2/5/2019</a:t>
             </a:fld>
             <a:endParaRPr lang="en-US"/>
           </a:p>
@@ -2803,7 +2806,7 @@
           <a:p>
             <a:fld id="{C4D289AD-1673-4D2E-B426-F4E2335D7916}" type="datetimeFigureOut">
               <a:rPr lang="en-US" smtClean="0"/>
-              <a:t>2/3/2019</a:t>
+              <a:t>2/5/2019</a:t>
             </a:fld>
             <a:endParaRPr lang="en-US"/>
           </a:p>
@@ -2979,7 +2982,7 @@
           <a:p>
             <a:fld id="{C4D289AD-1673-4D2E-B426-F4E2335D7916}" type="datetimeFigureOut">
               <a:rPr lang="en-US" smtClean="0"/>
-              <a:t>2/3/2019</a:t>
+              <a:t>2/5/2019</a:t>
             </a:fld>
             <a:endParaRPr lang="en-US"/>
           </a:p>
@@ -3226,7 +3229,7 @@
           <a:p>
             <a:fld id="{C4D289AD-1673-4D2E-B426-F4E2335D7916}" type="datetimeFigureOut">
               <a:rPr lang="en-US" smtClean="0"/>
-              <a:t>2/3/2019</a:t>
+              <a:t>2/5/2019</a:t>
             </a:fld>
             <a:endParaRPr lang="en-US"/>
           </a:p>
@@ -3458,7 +3461,7 @@
           <a:p>
             <a:fld id="{C4D289AD-1673-4D2E-B426-F4E2335D7916}" type="datetimeFigureOut">
               <a:rPr lang="en-US" smtClean="0"/>
-              <a:t>2/3/2019</a:t>
+              <a:t>2/5/2019</a:t>
             </a:fld>
             <a:endParaRPr lang="en-US"/>
           </a:p>
@@ -3832,7 +3835,7 @@
           <a:p>
             <a:fld id="{C4D289AD-1673-4D2E-B426-F4E2335D7916}" type="datetimeFigureOut">
               <a:rPr lang="en-US" smtClean="0"/>
-              <a:t>2/3/2019</a:t>
+              <a:t>2/5/2019</a:t>
             </a:fld>
             <a:endParaRPr lang="en-US"/>
           </a:p>
@@ -3955,7 +3958,7 @@
           <a:p>
             <a:fld id="{C4D289AD-1673-4D2E-B426-F4E2335D7916}" type="datetimeFigureOut">
               <a:rPr lang="en-US" smtClean="0"/>
-              <a:t>2/3/2019</a:t>
+              <a:t>2/5/2019</a:t>
             </a:fld>
             <a:endParaRPr lang="en-US"/>
           </a:p>
@@ -4050,7 +4053,7 @@
           <a:p>
             <a:fld id="{C4D289AD-1673-4D2E-B426-F4E2335D7916}" type="datetimeFigureOut">
               <a:rPr lang="en-US" smtClean="0"/>
-              <a:t>2/3/2019</a:t>
+              <a:t>2/5/2019</a:t>
             </a:fld>
             <a:endParaRPr lang="en-US"/>
           </a:p>
@@ -4305,7 +4308,7 @@
           <a:p>
             <a:fld id="{C4D289AD-1673-4D2E-B426-F4E2335D7916}" type="datetimeFigureOut">
               <a:rPr lang="en-US" smtClean="0"/>
-              <a:t>2/3/2019</a:t>
+              <a:t>2/5/2019</a:t>
             </a:fld>
             <a:endParaRPr lang="en-US"/>
           </a:p>
@@ -4568,7 +4571,7 @@
           <a:p>
             <a:fld id="{C4D289AD-1673-4D2E-B426-F4E2335D7916}" type="datetimeFigureOut">
               <a:rPr lang="en-US" smtClean="0"/>
-              <a:t>2/3/2019</a:t>
+              <a:t>2/5/2019</a:t>
             </a:fld>
             <a:endParaRPr lang="en-US"/>
           </a:p>
@@ -5311,7 +5314,7 @@
           <a:p>
             <a:fld id="{C4D289AD-1673-4D2E-B426-F4E2335D7916}" type="datetimeFigureOut">
               <a:rPr lang="en-US" smtClean="0"/>
-              <a:t>2/3/2019</a:t>
+              <a:t>2/5/2019</a:t>
             </a:fld>
             <a:endParaRPr lang="en-US"/>
           </a:p>
@@ -5905,6 +5908,161 @@
 </p:sld>
 </file>
 
+<file path=ppt/slides/slide10.xml><?xml version="1.0" encoding="utf-8"?>
+<p:sld xmlns:a="http://schemas.openxmlformats.org/drawingml/2006/main" xmlns:r="http://schemas.openxmlformats.org/officeDocument/2006/relationships" xmlns:p="http://schemas.openxmlformats.org/presentationml/2006/main">
+  <p:cSld>
+    <p:spTree>
+      <p:nvGrpSpPr>
+        <p:cNvPr id="1" name=""/>
+        <p:cNvGrpSpPr/>
+        <p:nvPr/>
+      </p:nvGrpSpPr>
+      <p:grpSpPr>
+        <a:xfrm>
+          <a:off x="0" y="0"/>
+          <a:ext cx="0" cy="0"/>
+          <a:chOff x="0" y="0"/>
+          <a:chExt cx="0" cy="0"/>
+        </a:xfrm>
+      </p:grpSpPr>
+      <p:sp>
+        <p:nvSpPr>
+          <p:cNvPr id="2" name="Title 1">
+            <a:extLst>
+              <a:ext uri="{FF2B5EF4-FFF2-40B4-BE49-F238E27FC236}">
+                <a16:creationId xmlns:a16="http://schemas.microsoft.com/office/drawing/2014/main" id="{0646184F-7A07-47A9-BD4C-FDCE8C235FA6}"/>
+              </a:ext>
+            </a:extLst>
+          </p:cNvPr>
+          <p:cNvSpPr>
+            <a:spLocks noGrp="1"/>
+          </p:cNvSpPr>
+          <p:nvPr>
+            <p:ph type="title"/>
+          </p:nvPr>
+        </p:nvSpPr>
+        <p:spPr>
+          <a:xfrm>
+            <a:off x="677334" y="609600"/>
+            <a:ext cx="8596668" cy="914400"/>
+          </a:xfrm>
+        </p:spPr>
+        <p:txBody>
+          <a:bodyPr/>
+          <a:lstStyle/>
+          <a:p>
+            <a:pPr algn="ctr"/>
+            <a:r>
+              <a:rPr lang="en-US" dirty="0"/>
+              <a:t>Static Control Flaw</a:t>
+            </a:r>
+          </a:p>
+        </p:txBody>
+      </p:sp>
+      <p:sp>
+        <p:nvSpPr>
+          <p:cNvPr id="3" name="Content Placeholder 2">
+            <a:extLst>
+              <a:ext uri="{FF2B5EF4-FFF2-40B4-BE49-F238E27FC236}">
+                <a16:creationId xmlns:a16="http://schemas.microsoft.com/office/drawing/2014/main" id="{362D6937-047D-4566-9507-2E4E73A709B3}"/>
+              </a:ext>
+            </a:extLst>
+          </p:cNvPr>
+          <p:cNvSpPr>
+            <a:spLocks noGrp="1"/>
+          </p:cNvSpPr>
+          <p:nvPr>
+            <p:ph idx="1"/>
+          </p:nvPr>
+        </p:nvSpPr>
+        <p:spPr>
+          <a:xfrm>
+            <a:off x="677334" y="2160589"/>
+            <a:ext cx="8596668" cy="3880773"/>
+          </a:xfrm>
+        </p:spPr>
+        <p:txBody>
+          <a:bodyPr/>
+          <a:lstStyle/>
+          <a:p>
+            <a:r>
+              <a:rPr lang="en-US" dirty="0"/>
+              <a:t>Whenever an execution of a java class the following sequence of steps will be executed at part of static control flaw</a:t>
+            </a:r>
+          </a:p>
+          <a:p>
+            <a:pPr lvl="1"/>
+            <a:r>
+              <a:rPr lang="en-US" dirty="0"/>
+              <a:t>Identification of static members starting from to bottom of </a:t>
+            </a:r>
+            <a:r>
+              <a:rPr lang="en-US"/>
+              <a:t>the class</a:t>
+            </a:r>
+            <a:endParaRPr lang="en-US" dirty="0"/>
+          </a:p>
+          <a:p>
+            <a:pPr lvl="1"/>
+            <a:r>
+              <a:rPr lang="en-US" dirty="0"/>
+              <a:t>Execution of static variable assignment and static blocks from top to bottom</a:t>
+            </a:r>
+          </a:p>
+          <a:p>
+            <a:pPr lvl="1"/>
+            <a:r>
+              <a:rPr lang="en-US" dirty="0"/>
+              <a:t>Execution of main method</a:t>
+            </a:r>
+          </a:p>
+          <a:p>
+            <a:r>
+              <a:rPr lang="en-US" dirty="0"/>
+              <a:t>Read Indirectly and Write Only</a:t>
+            </a:r>
+          </a:p>
+          <a:p>
+            <a:pPr lvl="1"/>
+            <a:r>
+              <a:rPr lang="en-US" dirty="0"/>
+              <a:t>Inside a static block if are trying to read a variable that read operation is called Direct read</a:t>
+            </a:r>
+          </a:p>
+          <a:p>
+            <a:pPr lvl="1"/>
+            <a:r>
+              <a:rPr lang="en-US" dirty="0"/>
+              <a:t>If we are calling a method and within that method if we are trying to read a variable that read operation is called Indirect read</a:t>
+            </a:r>
+          </a:p>
+          <a:p>
+            <a:pPr marL="0" indent="0">
+              <a:buNone/>
+            </a:pPr>
+            <a:r>
+              <a:rPr lang="en-US" dirty="0"/>
+              <a:t>	</a:t>
+            </a:r>
+          </a:p>
+          <a:p>
+            <a:endParaRPr lang="en-US" dirty="0"/>
+          </a:p>
+        </p:txBody>
+      </p:sp>
+    </p:spTree>
+    <p:extLst>
+      <p:ext uri="{BB962C8B-B14F-4D97-AF65-F5344CB8AC3E}">
+        <p14:creationId xmlns:p14="http://schemas.microsoft.com/office/powerpoint/2010/main" val="820092095"/>
+      </p:ext>
+    </p:extLst>
+  </p:cSld>
+  <p:clrMapOvr>
+    <a:masterClrMapping/>
+  </p:clrMapOvr>
+</p:sld>
+</file>
+
 <file path=ppt/slides/slide2.xml><?xml version="1.0" encoding="utf-8"?>
 <p:sld xmlns:a="http://schemas.openxmlformats.org/drawingml/2006/main" xmlns:r="http://schemas.openxmlformats.org/officeDocument/2006/relationships" xmlns:p="http://schemas.openxmlformats.org/presentationml/2006/main">
   <p:cSld>
@@ -6006,8 +6164,13 @@
           <a:p>
             <a:r>
               <a:rPr lang="en-US" dirty="0"/>
-              <a:t>The book is not for beginners but for experienced with Design patterns, Collections, Reflections, OOP…</a:t>
-            </a:r>
+              <a:t>The book is not for beginners but for experienced with Design patterns, Collections, Reflections, OOP </a:t>
+            </a:r>
+            <a:r>
+              <a:rPr lang="en-US"/>
+              <a:t>etc…</a:t>
+            </a:r>
+            <a:endParaRPr lang="en-US" dirty="0"/>
           </a:p>
         </p:txBody>
       </p:sp>
@@ -6184,7 +6347,7 @@
         <p:spPr/>
         <p:txBody>
           <a:bodyPr>
-            <a:normAutofit/>
+            <a:normAutofit fontScale="90000"/>
           </a:bodyPr>
           <a:lstStyle/>
           <a:p>
@@ -6201,7 +6364,7 @@
             </a:r>
             <a:r>
               <a:rPr lang="en-US" sz="2800" dirty="0"/>
-              <a:t>Static factory method over constructors</a:t>
+              <a:t>Static factory method instead of constructors</a:t>
             </a:r>
           </a:p>
         </p:txBody>
@@ -6222,7 +6385,12 @@
             <p:ph idx="1"/>
           </p:nvPr>
         </p:nvSpPr>
-        <p:spPr/>
+        <p:spPr>
+          <a:xfrm>
+            <a:off x="677333" y="1735015"/>
+            <a:ext cx="9064543" cy="4970585"/>
+          </a:xfrm>
+        </p:spPr>
         <p:txBody>
           <a:bodyPr>
             <a:normAutofit lnSpcReduction="10000"/>
@@ -6231,14 +6399,19 @@
           <a:p>
             <a:r>
               <a:rPr lang="en-US" dirty="0"/>
-              <a:t>Providing a public constructor is the traditional way to create instance of a class.</a:t>
+              <a:t>Providing a public constructor is the traditional way to create instance of a class</a:t>
             </a:r>
           </a:p>
           <a:p>
             <a:r>
               <a:rPr lang="en-US" dirty="0"/>
-              <a:t>Constructors do not describe the object going to be returned.</a:t>
-            </a:r>
+              <a:t>Constructors do not describe the object going to be returned. But the factory methods having meaningful names to describe the </a:t>
+            </a:r>
+            <a:r>
+              <a:rPr lang="en-US"/>
+              <a:t>object returned.</a:t>
+            </a:r>
+            <a:endParaRPr lang="en-US" dirty="0"/>
           </a:p>
           <a:p>
             <a:pPr lvl="1"/>
@@ -6252,7 +6425,22 @@
             </a:r>
             <a:r>
               <a:rPr lang="en-US" dirty="0"/>
-              <a:t>(3); new </a:t>
+              <a:t>(int) -&gt; </a:t>
+            </a:r>
+            <a:r>
+              <a:rPr lang="en-US" dirty="0" err="1"/>
+              <a:t>ArrayList.withSize</a:t>
+            </a:r>
+            <a:r>
+              <a:rPr lang="en-US" dirty="0"/>
+              <a:t>(int)</a:t>
+            </a:r>
+          </a:p>
+          <a:p>
+            <a:pPr lvl="1"/>
+            <a:r>
+              <a:rPr lang="en-US" dirty="0"/>
+              <a:t>new </a:t>
             </a:r>
             <a:r>
               <a:rPr lang="en-US" dirty="0" err="1"/>
@@ -6260,27 +6448,80 @@
             </a:r>
             <a:r>
               <a:rPr lang="en-US" dirty="0"/>
-              <a:t>(int, Random);</a:t>
-            </a:r>
-          </a:p>
-          <a:p>
+              <a:t>(int, Random) -&gt; </a:t>
+            </a:r>
+            <a:r>
+              <a:rPr lang="en-US" dirty="0" err="1"/>
+              <a:t>BigInteger.prime</a:t>
+            </a:r>
             <a:r>
               <a:rPr lang="en-US" dirty="0"/>
-              <a:t>Constructor creates a new object each time its invoked.</a:t>
+              <a:t>(int, Random)</a:t>
             </a:r>
           </a:p>
           <a:p>
             <a:pPr lvl="1"/>
             <a:r>
               <a:rPr lang="en-US" dirty="0"/>
-              <a:t>Objects Caching – Boolean Cache, Singleton</a:t>
+              <a:t>new </a:t>
+            </a:r>
+            <a:r>
+              <a:rPr lang="en-US" dirty="0" err="1"/>
+              <a:t>Boolen</a:t>
+            </a:r>
+            <a:r>
+              <a:rPr lang="en-US" dirty="0"/>
+              <a:t>(</a:t>
+            </a:r>
+            <a:r>
+              <a:rPr lang="en-US" dirty="0" err="1"/>
+              <a:t>boolean</a:t>
+            </a:r>
+            <a:r>
+              <a:rPr lang="en-US" dirty="0"/>
+              <a:t>) -&gt; </a:t>
+            </a:r>
+            <a:r>
+              <a:rPr lang="en-US" dirty="0" err="1"/>
+              <a:t>Boolen.valueOf</a:t>
+            </a:r>
+            <a:r>
+              <a:rPr lang="en-US" dirty="0"/>
+              <a:t>(</a:t>
+            </a:r>
+            <a:r>
+              <a:rPr lang="en-US" dirty="0" err="1"/>
+              <a:t>boolean</a:t>
+            </a:r>
+            <a:r>
+              <a:rPr lang="en-US" dirty="0"/>
+              <a:t>)</a:t>
+            </a:r>
+          </a:p>
+          <a:p>
+            <a:r>
+              <a:rPr lang="en-US" dirty="0"/>
+              <a:t>Constructor creates a new object each time its invoked</a:t>
             </a:r>
           </a:p>
           <a:p>
             <a:pPr lvl="1"/>
             <a:r>
               <a:rPr lang="en-US" dirty="0"/>
-              <a:t>Static Control Flaw</a:t>
+              <a:t>What happens when “new” key word is used - Memory allocations in JVM</a:t>
+            </a:r>
+          </a:p>
+          <a:p>
+            <a:pPr lvl="1"/>
+            <a:r>
+              <a:rPr lang="en-US" dirty="0"/>
+              <a:t>Objects Caching – Boolean Cache, Integer Cache</a:t>
+            </a:r>
+          </a:p>
+          <a:p>
+            <a:r>
+              <a:rPr lang="en-US" dirty="0"/>
+              <a:t>Constructors can’t return any sub type its return type</a:t>
             </a:r>
           </a:p>
           <a:p>
@@ -6292,11 +6533,8 @@
           <a:p>
             <a:r>
               <a:rPr lang="en-US" dirty="0"/>
-              <a:t>We can’t provide several implantation using same parameter sequence to different constructors.</a:t>
-            </a:r>
-          </a:p>
-          <a:p>
-            <a:endParaRPr lang="en-US" dirty="0"/>
+              <a:t>We can’t provide several implantation using same parameter sequence to different constructors</a:t>
+            </a:r>
           </a:p>
           <a:p>
             <a:endParaRPr lang="en-US" dirty="0"/>
@@ -6357,8 +6595,8 @@
         </p:nvSpPr>
         <p:spPr>
           <a:xfrm>
-            <a:off x="771119" y="609600"/>
-            <a:ext cx="8596668" cy="1320800"/>
+            <a:off x="771119" y="586154"/>
+            <a:ext cx="8408050" cy="1344246"/>
           </a:xfrm>
         </p:spPr>
         <p:txBody>
@@ -6499,7 +6737,7 @@
             <a:pPr lvl="1"/>
             <a:r>
               <a:rPr lang="en-US" sz="6400" dirty="0"/>
-              <a:t>2. Java bean pattern</a:t>
+              <a:t>2. JavaBeans pattern</a:t>
             </a:r>
           </a:p>
           <a:p>
@@ -6594,7 +6832,7 @@
           <a:lstStyle/>
           <a:p>
             <a:r>
-              <a:rPr lang="en-US" sz="5400" dirty="0"/>
+              <a:rPr lang="en-US" sz="4000" dirty="0"/>
               <a:t>Chapter 1 Contd.</a:t>
             </a:r>
             <a:br>
@@ -6606,7 +6844,15 @@
             </a:r>
             <a:r>
               <a:rPr lang="en-US" sz="4400" dirty="0"/>
-              <a:t> Contd.</a:t>
+              <a:t> </a:t>
+            </a:r>
+            <a:r>
+              <a:rPr lang="en-US" dirty="0"/>
+              <a:t>Contd</a:t>
+            </a:r>
+            <a:r>
+              <a:rPr lang="en-US" sz="4400" dirty="0"/>
+              <a:t>.</a:t>
             </a:r>
             <a:endParaRPr lang="en-US" dirty="0"/>
           </a:p>
@@ -6628,7 +6874,12 @@
             <p:ph idx="1"/>
           </p:nvPr>
         </p:nvSpPr>
-        <p:spPr/>
+        <p:spPr>
+          <a:xfrm>
+            <a:off x="677334" y="2160589"/>
+            <a:ext cx="9158328" cy="3880773"/>
+          </a:xfrm>
+        </p:spPr>
         <p:txBody>
           <a:bodyPr/>
           <a:lstStyle/>
@@ -6642,7 +6893,7 @@
             <a:pPr lvl="1"/>
             <a:r>
               <a:rPr lang="en-US" dirty="0"/>
-              <a:t>3. Builder Pattern</a:t>
+              <a:t>3. Most preferred way is using Builder Pattern</a:t>
             </a:r>
           </a:p>
           <a:p>
@@ -6722,8 +6973,8 @@
         </p:nvSpPr>
         <p:spPr>
           <a:xfrm>
-            <a:off x="677334" y="609599"/>
-            <a:ext cx="8596668" cy="1550989"/>
+            <a:off x="677333" y="609599"/>
+            <a:ext cx="9017651" cy="1550989"/>
           </a:xfrm>
         </p:spPr>
         <p:txBody>
@@ -6749,14 +7000,7 @@
             </a:r>
             <a:r>
               <a:rPr lang="en-US" sz="2200" b="1" dirty="0"/>
-              <a:t>Enforce the singleton property with a private</a:t>
-            </a:r>
-            <a:br>
-              <a:rPr lang="en-US" sz="2200" b="1" dirty="0"/>
-            </a:br>
-            <a:r>
-              <a:rPr lang="en-US" sz="2200" b="1" dirty="0"/>
-              <a:t>constructor or an </a:t>
+              <a:t>Enforce the singleton property with a private constructor or an </a:t>
             </a:r>
             <a:r>
               <a:rPr lang="en-US" sz="2200" b="1" dirty="0" err="1"/>
@@ -6789,7 +7033,7 @@
         <p:spPr>
           <a:xfrm>
             <a:off x="677334" y="2344615"/>
-            <a:ext cx="9146604" cy="4419600"/>
+            <a:ext cx="9662420" cy="4419600"/>
           </a:xfrm>
         </p:spPr>
         <p:txBody>
@@ -6845,7 +7089,7 @@
             </a:r>
             <a:r>
               <a:rPr lang="en-US" dirty="0" err="1"/>
-              <a:t>Enum</a:t>
+              <a:t>Enums</a:t>
             </a:r>
             <a:r>
               <a:rPr lang="en-US" dirty="0"/>
@@ -6871,7 +7115,15 @@
             </a:r>
             <a:r>
               <a:rPr lang="en-US" sz="1400" dirty="0"/>
-              <a:t> don’t have any constructor so it is not possible to create new instances using Reflection</a:t>
+              <a:t> can’t call </a:t>
+            </a:r>
+            <a:r>
+              <a:rPr lang="en-US" sz="1400" dirty="0" err="1"/>
+              <a:t>Enum’s</a:t>
+            </a:r>
+            <a:r>
+              <a:rPr lang="en-US" sz="1400" dirty="0"/>
+              <a:t> constructors explicitly so it is not possible to create new instances using Reflection</a:t>
             </a:r>
           </a:p>
           <a:p>
@@ -6918,6 +7170,260 @@
     <p:extLst>
       <p:ext uri="{BB962C8B-B14F-4D97-AF65-F5344CB8AC3E}">
         <p14:creationId xmlns:p14="http://schemas.microsoft.com/office/powerpoint/2010/main" val="1887128875"/>
+      </p:ext>
+    </p:extLst>
+  </p:cSld>
+  <p:clrMapOvr>
+    <a:masterClrMapping/>
+  </p:clrMapOvr>
+</p:sld>
+</file>
+
+<file path=ppt/slides/slide8.xml><?xml version="1.0" encoding="utf-8"?>
+<p:sld xmlns:a="http://schemas.openxmlformats.org/drawingml/2006/main" xmlns:r="http://schemas.openxmlformats.org/officeDocument/2006/relationships" xmlns:p="http://schemas.openxmlformats.org/presentationml/2006/main">
+  <p:cSld>
+    <p:spTree>
+      <p:nvGrpSpPr>
+        <p:cNvPr id="1" name=""/>
+        <p:cNvGrpSpPr/>
+        <p:nvPr/>
+      </p:nvGrpSpPr>
+      <p:grpSpPr>
+        <a:xfrm>
+          <a:off x="0" y="0"/>
+          <a:ext cx="0" cy="0"/>
+          <a:chOff x="0" y="0"/>
+          <a:chExt cx="0" cy="0"/>
+        </a:xfrm>
+      </p:grpSpPr>
+      <p:sp>
+        <p:nvSpPr>
+          <p:cNvPr id="2" name="Title 1">
+            <a:extLst>
+              <a:ext uri="{FF2B5EF4-FFF2-40B4-BE49-F238E27FC236}">
+                <a16:creationId xmlns:a16="http://schemas.microsoft.com/office/drawing/2014/main" id="{AD95BDFB-BF6C-41C0-A81F-96C0C85819F3}"/>
+              </a:ext>
+            </a:extLst>
+          </p:cNvPr>
+          <p:cNvSpPr>
+            <a:spLocks noGrp="1"/>
+          </p:cNvSpPr>
+          <p:nvPr>
+            <p:ph type="title"/>
+          </p:nvPr>
+        </p:nvSpPr>
+        <p:spPr/>
+        <p:txBody>
+          <a:bodyPr>
+            <a:normAutofit fontScale="90000"/>
+          </a:bodyPr>
+          <a:lstStyle/>
+          <a:p>
+            <a:r>
+              <a:rPr lang="en-US" dirty="0"/>
+              <a:t>Chapter 1 Contd.</a:t>
+            </a:r>
+            <a:br>
+              <a:rPr lang="en-US" sz="6600" dirty="0"/>
+            </a:br>
+            <a:r>
+              <a:rPr lang="en-US" dirty="0"/>
+              <a:t>Item 4: </a:t>
+            </a:r>
+            <a:r>
+              <a:rPr lang="en-US" sz="2700" b="1" dirty="0"/>
+              <a:t>Enforce </a:t>
+            </a:r>
+            <a:r>
+              <a:rPr lang="en-US" sz="2700" b="1" dirty="0" err="1"/>
+              <a:t>noninstantiability</a:t>
+            </a:r>
+            <a:r>
+              <a:rPr lang="en-US" sz="2700" b="1" dirty="0"/>
+              <a:t> with a private</a:t>
+            </a:r>
+            <a:br>
+              <a:rPr lang="en-US" sz="2700" b="1" dirty="0"/>
+            </a:br>
+            <a:r>
+              <a:rPr lang="en-US" sz="2700" b="1" dirty="0"/>
+              <a:t>constructor</a:t>
+            </a:r>
+            <a:endParaRPr lang="en-US" sz="2700" dirty="0"/>
+          </a:p>
+        </p:txBody>
+      </p:sp>
+      <p:sp>
+        <p:nvSpPr>
+          <p:cNvPr id="3" name="Content Placeholder 2">
+            <a:extLst>
+              <a:ext uri="{FF2B5EF4-FFF2-40B4-BE49-F238E27FC236}">
+                <a16:creationId xmlns:a16="http://schemas.microsoft.com/office/drawing/2014/main" id="{0B7FF726-ED51-42FE-B859-A3906629D4F8}"/>
+              </a:ext>
+            </a:extLst>
+          </p:cNvPr>
+          <p:cNvSpPr>
+            <a:spLocks noGrp="1"/>
+          </p:cNvSpPr>
+          <p:nvPr>
+            <p:ph idx="1"/>
+          </p:nvPr>
+        </p:nvSpPr>
+        <p:spPr>
+          <a:xfrm>
+            <a:off x="677334" y="2160589"/>
+            <a:ext cx="9181774" cy="3501657"/>
+          </a:xfrm>
+        </p:spPr>
+        <p:txBody>
+          <a:bodyPr/>
+          <a:lstStyle/>
+          <a:p>
+            <a:r>
+              <a:rPr lang="en-US" dirty="0"/>
+              <a:t>You may want to create a class which is having only static fields and static methods </a:t>
+            </a:r>
+          </a:p>
+          <a:p>
+            <a:r>
+              <a:rPr lang="en-US" dirty="0"/>
+              <a:t>Such classes are known as utility classes and were not designed to be instantiated</a:t>
+            </a:r>
+          </a:p>
+          <a:p>
+            <a:r>
+              <a:rPr lang="en-US" dirty="0"/>
+              <a:t>However even if you are not providing explicit constructors for above utility classes, the compiler provides a public parameter less default</a:t>
+            </a:r>
+            <a:r>
+              <a:rPr lang="en-US" i="1" dirty="0"/>
+              <a:t> </a:t>
+            </a:r>
+            <a:r>
+              <a:rPr lang="en-US" dirty="0"/>
+              <a:t>constructor. And its leading to creates objects</a:t>
+            </a:r>
+          </a:p>
+          <a:p>
+            <a:r>
+              <a:rPr lang="en-US" dirty="0"/>
+              <a:t>Making a class abstract does not work for </a:t>
+            </a:r>
+            <a:r>
+              <a:rPr lang="en-US" dirty="0" err="1"/>
+              <a:t>noninstantiability</a:t>
+            </a:r>
+            <a:r>
+              <a:rPr lang="en-US" dirty="0"/>
+              <a:t> since the class can be sub classed and the sub class instantiated</a:t>
+            </a:r>
+          </a:p>
+          <a:p>
+            <a:r>
+              <a:rPr lang="en-US" dirty="0"/>
+              <a:t>So, providing private explicit constructor is very good solution </a:t>
+            </a:r>
+            <a:r>
+              <a:rPr lang="en-US" dirty="0" err="1"/>
+              <a:t>noninstantiability</a:t>
+            </a:r>
+            <a:r>
+              <a:rPr lang="en-US" dirty="0"/>
+              <a:t> for particular class</a:t>
+            </a:r>
+          </a:p>
+        </p:txBody>
+      </p:sp>
+    </p:spTree>
+    <p:extLst>
+      <p:ext uri="{BB962C8B-B14F-4D97-AF65-F5344CB8AC3E}">
+        <p14:creationId xmlns:p14="http://schemas.microsoft.com/office/powerpoint/2010/main" val="443235725"/>
+      </p:ext>
+    </p:extLst>
+  </p:cSld>
+  <p:clrMapOvr>
+    <a:masterClrMapping/>
+  </p:clrMapOvr>
+</p:sld>
+</file>
+
+<file path=ppt/slides/slide9.xml><?xml version="1.0" encoding="utf-8"?>
+<p:sld xmlns:a="http://schemas.openxmlformats.org/drawingml/2006/main" xmlns:r="http://schemas.openxmlformats.org/officeDocument/2006/relationships" xmlns:p="http://schemas.openxmlformats.org/presentationml/2006/main">
+  <p:cSld>
+    <p:spTree>
+      <p:nvGrpSpPr>
+        <p:cNvPr id="1" name=""/>
+        <p:cNvGrpSpPr/>
+        <p:nvPr/>
+      </p:nvGrpSpPr>
+      <p:grpSpPr>
+        <a:xfrm>
+          <a:off x="0" y="0"/>
+          <a:ext cx="0" cy="0"/>
+          <a:chOff x="0" y="0"/>
+          <a:chExt cx="0" cy="0"/>
+        </a:xfrm>
+      </p:grpSpPr>
+      <p:sp>
+        <p:nvSpPr>
+          <p:cNvPr id="2" name="Title 1">
+            <a:extLst>
+              <a:ext uri="{FF2B5EF4-FFF2-40B4-BE49-F238E27FC236}">
+                <a16:creationId xmlns:a16="http://schemas.microsoft.com/office/drawing/2014/main" id="{09EC704D-54E9-4544-9564-C04EAAD75BEE}"/>
+              </a:ext>
+            </a:extLst>
+          </p:cNvPr>
+          <p:cNvSpPr>
+            <a:spLocks noGrp="1"/>
+          </p:cNvSpPr>
+          <p:nvPr>
+            <p:ph type="title"/>
+          </p:nvPr>
+        </p:nvSpPr>
+        <p:spPr>
+          <a:xfrm>
+            <a:off x="677334" y="609600"/>
+            <a:ext cx="8596668" cy="4067908"/>
+          </a:xfrm>
+        </p:spPr>
+        <p:txBody>
+          <a:bodyPr>
+            <a:normAutofit/>
+          </a:bodyPr>
+          <a:lstStyle/>
+          <a:p>
+            <a:pPr algn="ctr"/>
+            <a:r>
+              <a:rPr lang="en-US" dirty="0"/>
+              <a:t>     </a:t>
+            </a:r>
+            <a:br>
+              <a:rPr lang="en-US" dirty="0"/>
+            </a:br>
+            <a:br>
+              <a:rPr lang="en-US" dirty="0"/>
+            </a:br>
+            <a:br>
+              <a:rPr lang="en-US" dirty="0"/>
+            </a:br>
+            <a:br>
+              <a:rPr lang="en-US" dirty="0"/>
+            </a:br>
+            <a:r>
+              <a:rPr lang="en-US" dirty="0"/>
+              <a:t>			</a:t>
+            </a:r>
+            <a:r>
+              <a:rPr lang="en-US" sz="6000" dirty="0"/>
+              <a:t>THANK YOU</a:t>
+            </a:r>
+          </a:p>
+        </p:txBody>
+      </p:sp>
+    </p:spTree>
+    <p:extLst>
+      <p:ext uri="{BB962C8B-B14F-4D97-AF65-F5344CB8AC3E}">
+        <p14:creationId xmlns:p14="http://schemas.microsoft.com/office/powerpoint/2010/main" val="2434218665"/>
       </p:ext>
     </p:extLst>
   </p:cSld>

--- a/EffectiveJava.pptx
+++ b/EffectiveJava.pptx
@@ -3,18 +3,31 @@
 <p:presentation xmlns:a="http://schemas.openxmlformats.org/drawingml/2006/main" xmlns:r="http://schemas.openxmlformats.org/officeDocument/2006/relationships" xmlns:p="http://schemas.openxmlformats.org/presentationml/2006/main" saveSubsetFonts="1">
   <p:sldMasterIdLst>
     <p:sldMasterId id="2147483660" r:id="rId1"/>
+    <p:sldMasterId id="2147483677" r:id="rId2"/>
   </p:sldMasterIdLst>
   <p:sldIdLst>
-    <p:sldId id="256" r:id="rId2"/>
-    <p:sldId id="257" r:id="rId3"/>
-    <p:sldId id="258" r:id="rId4"/>
-    <p:sldId id="259" r:id="rId5"/>
-    <p:sldId id="260" r:id="rId6"/>
-    <p:sldId id="262" r:id="rId7"/>
-    <p:sldId id="261" r:id="rId8"/>
-    <p:sldId id="263" r:id="rId9"/>
-    <p:sldId id="265" r:id="rId10"/>
+    <p:sldId id="256" r:id="rId3"/>
+    <p:sldId id="257" r:id="rId4"/>
+    <p:sldId id="258" r:id="rId5"/>
+    <p:sldId id="259" r:id="rId6"/>
+    <p:sldId id="260" r:id="rId7"/>
+    <p:sldId id="262" r:id="rId8"/>
+    <p:sldId id="261" r:id="rId9"/>
+    <p:sldId id="263" r:id="rId10"/>
     <p:sldId id="264" r:id="rId11"/>
+    <p:sldId id="265" r:id="rId12"/>
+    <p:sldId id="266" r:id="rId13"/>
+    <p:sldId id="267" r:id="rId14"/>
+    <p:sldId id="268" r:id="rId15"/>
+    <p:sldId id="269" r:id="rId16"/>
+    <p:sldId id="270" r:id="rId17"/>
+    <p:sldId id="271" r:id="rId18"/>
+    <p:sldId id="272" r:id="rId19"/>
+    <p:sldId id="273" r:id="rId20"/>
+    <p:sldId id="274" r:id="rId21"/>
+    <p:sldId id="275" r:id="rId22"/>
+    <p:sldId id="276" r:id="rId23"/>
+    <p:sldId id="277" r:id="rId24"/>
   </p:sldIdLst>
   <p:sldSz cx="12192000" cy="6858000"/>
   <p:notesSz cx="6858000" cy="9144000"/>
@@ -2867,6 +2880,1277 @@
 </p:sldLayout>
 </file>
 
+<file path=ppt/slideLayouts/slideLayout17.xml><?xml version="1.0" encoding="utf-8"?>
+<p:sldLayout xmlns:a="http://schemas.openxmlformats.org/drawingml/2006/main" xmlns:r="http://schemas.openxmlformats.org/officeDocument/2006/relationships" xmlns:p="http://schemas.openxmlformats.org/presentationml/2006/main" showMasterSp="0" type="title">
+  <p:cSld name="Title Slide">
+    <p:spTree>
+      <p:nvGrpSpPr>
+        <p:cNvPr id="1" name=""/>
+        <p:cNvGrpSpPr/>
+        <p:nvPr/>
+      </p:nvGrpSpPr>
+      <p:grpSpPr>
+        <a:xfrm>
+          <a:off x="0" y="0"/>
+          <a:ext cx="0" cy="0"/>
+          <a:chOff x="0" y="0"/>
+          <a:chExt cx="0" cy="0"/>
+        </a:xfrm>
+      </p:grpSpPr>
+      <p:grpSp>
+        <p:nvGrpSpPr>
+          <p:cNvPr id="7" name="Group 6"/>
+          <p:cNvGrpSpPr/>
+          <p:nvPr/>
+        </p:nvGrpSpPr>
+        <p:grpSpPr>
+          <a:xfrm>
+            <a:off x="0" y="-8467"/>
+            <a:ext cx="12192000" cy="6866467"/>
+            <a:chOff x="0" y="-8467"/>
+            <a:chExt cx="12192000" cy="6866467"/>
+          </a:xfrm>
+        </p:grpSpPr>
+        <p:cxnSp>
+          <p:nvCxnSpPr>
+            <p:cNvPr id="32" name="Straight Connector 31"/>
+            <p:cNvCxnSpPr/>
+            <p:nvPr/>
+          </p:nvCxnSpPr>
+          <p:spPr>
+            <a:xfrm>
+              <a:off x="9371012" y="0"/>
+              <a:ext cx="1219200" cy="6858000"/>
+            </a:xfrm>
+            <a:prstGeom prst="line">
+              <a:avLst/>
+            </a:prstGeom>
+            <a:ln w="9525">
+              <a:solidFill>
+                <a:schemeClr val="bg1">
+                  <a:lumMod val="75000"/>
+                </a:schemeClr>
+              </a:solidFill>
+            </a:ln>
+          </p:spPr>
+          <p:style>
+            <a:lnRef idx="2">
+              <a:schemeClr val="accent1"/>
+            </a:lnRef>
+            <a:fillRef idx="0">
+              <a:schemeClr val="accent1"/>
+            </a:fillRef>
+            <a:effectRef idx="1">
+              <a:schemeClr val="accent1"/>
+            </a:effectRef>
+            <a:fontRef idx="minor">
+              <a:schemeClr val="tx1"/>
+            </a:fontRef>
+          </p:style>
+        </p:cxnSp>
+        <p:cxnSp>
+          <p:nvCxnSpPr>
+            <p:cNvPr id="21" name="Straight Connector 20"/>
+            <p:cNvCxnSpPr/>
+            <p:nvPr/>
+          </p:nvCxnSpPr>
+          <p:spPr>
+            <a:xfrm flipH="1">
+              <a:off x="7425267" y="3681413"/>
+              <a:ext cx="4763558" cy="3176587"/>
+            </a:xfrm>
+            <a:prstGeom prst="line">
+              <a:avLst/>
+            </a:prstGeom>
+            <a:ln w="9525">
+              <a:solidFill>
+                <a:schemeClr val="bg1">
+                  <a:lumMod val="85000"/>
+                </a:schemeClr>
+              </a:solidFill>
+            </a:ln>
+          </p:spPr>
+          <p:style>
+            <a:lnRef idx="2">
+              <a:schemeClr val="accent1"/>
+            </a:lnRef>
+            <a:fillRef idx="0">
+              <a:schemeClr val="accent1"/>
+            </a:fillRef>
+            <a:effectRef idx="1">
+              <a:schemeClr val="accent1"/>
+            </a:effectRef>
+            <a:fontRef idx="minor">
+              <a:schemeClr val="tx1"/>
+            </a:fontRef>
+          </p:style>
+        </p:cxnSp>
+        <p:sp>
+          <p:nvSpPr>
+            <p:cNvPr id="24" name="Rectangle 23"/>
+            <p:cNvSpPr/>
+            <p:nvPr/>
+          </p:nvSpPr>
+          <p:spPr>
+            <a:xfrm>
+              <a:off x="9181476" y="-8467"/>
+              <a:ext cx="3007349" cy="6866467"/>
+            </a:xfrm>
+            <a:custGeom>
+              <a:avLst/>
+              <a:gdLst/>
+              <a:ahLst/>
+              <a:cxnLst/>
+              <a:rect l="l" t="t" r="r" b="b"/>
+              <a:pathLst>
+                <a:path w="3007349" h="6866467">
+                  <a:moveTo>
+                    <a:pt x="2045532" y="0"/>
+                  </a:moveTo>
+                  <a:lnTo>
+                    <a:pt x="3007349" y="0"/>
+                  </a:lnTo>
+                  <a:lnTo>
+                    <a:pt x="3007349" y="6866467"/>
+                  </a:lnTo>
+                  <a:lnTo>
+                    <a:pt x="0" y="6866467"/>
+                  </a:lnTo>
+                  <a:lnTo>
+                    <a:pt x="2045532" y="0"/>
+                  </a:lnTo>
+                  <a:close/>
+                </a:path>
+              </a:pathLst>
+            </a:custGeom>
+            <a:solidFill>
+              <a:schemeClr val="accent1">
+                <a:alpha val="30000"/>
+              </a:schemeClr>
+            </a:solidFill>
+            <a:ln>
+              <a:noFill/>
+            </a:ln>
+            <a:effectLst/>
+          </p:spPr>
+          <p:style>
+            <a:lnRef idx="1">
+              <a:schemeClr val="accent1"/>
+            </a:lnRef>
+            <a:fillRef idx="3">
+              <a:schemeClr val="accent1"/>
+            </a:fillRef>
+            <a:effectRef idx="2">
+              <a:schemeClr val="accent1"/>
+            </a:effectRef>
+            <a:fontRef idx="minor">
+              <a:schemeClr val="lt1"/>
+            </a:fontRef>
+          </p:style>
+        </p:sp>
+        <p:sp>
+          <p:nvSpPr>
+            <p:cNvPr id="26" name="Rectangle 25"/>
+            <p:cNvSpPr/>
+            <p:nvPr/>
+          </p:nvSpPr>
+          <p:spPr>
+            <a:xfrm>
+              <a:off x="9603442" y="-8467"/>
+              <a:ext cx="2588558" cy="6866467"/>
+            </a:xfrm>
+            <a:custGeom>
+              <a:avLst/>
+              <a:gdLst/>
+              <a:ahLst/>
+              <a:cxnLst/>
+              <a:rect l="l" t="t" r="r" b="b"/>
+              <a:pathLst>
+                <a:path w="2573311" h="6866467">
+                  <a:moveTo>
+                    <a:pt x="0" y="0"/>
+                  </a:moveTo>
+                  <a:lnTo>
+                    <a:pt x="2573311" y="0"/>
+                  </a:lnTo>
+                  <a:lnTo>
+                    <a:pt x="2573311" y="6866467"/>
+                  </a:lnTo>
+                  <a:lnTo>
+                    <a:pt x="1202336" y="6866467"/>
+                  </a:lnTo>
+                  <a:lnTo>
+                    <a:pt x="0" y="0"/>
+                  </a:lnTo>
+                  <a:close/>
+                </a:path>
+              </a:pathLst>
+            </a:custGeom>
+            <a:solidFill>
+              <a:schemeClr val="accent1">
+                <a:alpha val="20000"/>
+              </a:schemeClr>
+            </a:solidFill>
+            <a:ln>
+              <a:noFill/>
+            </a:ln>
+            <a:effectLst/>
+          </p:spPr>
+          <p:style>
+            <a:lnRef idx="1">
+              <a:schemeClr val="accent1"/>
+            </a:lnRef>
+            <a:fillRef idx="3">
+              <a:schemeClr val="accent1"/>
+            </a:fillRef>
+            <a:effectRef idx="2">
+              <a:schemeClr val="accent1"/>
+            </a:effectRef>
+            <a:fontRef idx="minor">
+              <a:schemeClr val="lt1"/>
+            </a:fontRef>
+          </p:style>
+        </p:sp>
+        <p:sp>
+          <p:nvSpPr>
+            <p:cNvPr id="27" name="Isosceles Triangle 26"/>
+            <p:cNvSpPr/>
+            <p:nvPr/>
+          </p:nvSpPr>
+          <p:spPr>
+            <a:xfrm>
+              <a:off x="8932333" y="3048000"/>
+              <a:ext cx="3259667" cy="3810000"/>
+            </a:xfrm>
+            <a:prstGeom prst="triangle">
+              <a:avLst>
+                <a:gd name="adj" fmla="val 100000"/>
+              </a:avLst>
+            </a:prstGeom>
+            <a:solidFill>
+              <a:schemeClr val="accent2">
+                <a:alpha val="72000"/>
+              </a:schemeClr>
+            </a:solidFill>
+            <a:ln>
+              <a:noFill/>
+            </a:ln>
+            <a:effectLst/>
+          </p:spPr>
+          <p:style>
+            <a:lnRef idx="1">
+              <a:schemeClr val="accent1"/>
+            </a:lnRef>
+            <a:fillRef idx="3">
+              <a:schemeClr val="accent1"/>
+            </a:fillRef>
+            <a:effectRef idx="2">
+              <a:schemeClr val="accent1"/>
+            </a:effectRef>
+            <a:fontRef idx="minor">
+              <a:schemeClr val="lt1"/>
+            </a:fontRef>
+          </p:style>
+        </p:sp>
+        <p:sp>
+          <p:nvSpPr>
+            <p:cNvPr id="28" name="Rectangle 27"/>
+            <p:cNvSpPr/>
+            <p:nvPr/>
+          </p:nvSpPr>
+          <p:spPr>
+            <a:xfrm>
+              <a:off x="9334500" y="-8467"/>
+              <a:ext cx="2854326" cy="6866467"/>
+            </a:xfrm>
+            <a:custGeom>
+              <a:avLst/>
+              <a:gdLst/>
+              <a:ahLst/>
+              <a:cxnLst/>
+              <a:rect l="l" t="t" r="r" b="b"/>
+              <a:pathLst>
+                <a:path w="2858013" h="6866467">
+                  <a:moveTo>
+                    <a:pt x="0" y="0"/>
+                  </a:moveTo>
+                  <a:lnTo>
+                    <a:pt x="2858013" y="0"/>
+                  </a:lnTo>
+                  <a:lnTo>
+                    <a:pt x="2858013" y="6866467"/>
+                  </a:lnTo>
+                  <a:lnTo>
+                    <a:pt x="2473942" y="6866467"/>
+                  </a:lnTo>
+                  <a:lnTo>
+                    <a:pt x="0" y="0"/>
+                  </a:lnTo>
+                  <a:close/>
+                </a:path>
+              </a:pathLst>
+            </a:custGeom>
+            <a:solidFill>
+              <a:schemeClr val="accent2">
+                <a:lumMod val="75000"/>
+                <a:alpha val="70000"/>
+              </a:schemeClr>
+            </a:solidFill>
+            <a:ln>
+              <a:noFill/>
+            </a:ln>
+            <a:effectLst/>
+          </p:spPr>
+          <p:style>
+            <a:lnRef idx="1">
+              <a:schemeClr val="accent1"/>
+            </a:lnRef>
+            <a:fillRef idx="3">
+              <a:schemeClr val="accent1"/>
+            </a:fillRef>
+            <a:effectRef idx="2">
+              <a:schemeClr val="accent1"/>
+            </a:effectRef>
+            <a:fontRef idx="minor">
+              <a:schemeClr val="lt1"/>
+            </a:fontRef>
+          </p:style>
+        </p:sp>
+        <p:sp>
+          <p:nvSpPr>
+            <p:cNvPr id="29" name="Rectangle 28"/>
+            <p:cNvSpPr/>
+            <p:nvPr/>
+          </p:nvSpPr>
+          <p:spPr>
+            <a:xfrm>
+              <a:off x="10898730" y="-8467"/>
+              <a:ext cx="1290094" cy="6866467"/>
+            </a:xfrm>
+            <a:custGeom>
+              <a:avLst/>
+              <a:gdLst/>
+              <a:ahLst/>
+              <a:cxnLst/>
+              <a:rect l="l" t="t" r="r" b="b"/>
+              <a:pathLst>
+                <a:path w="1290094" h="6858000">
+                  <a:moveTo>
+                    <a:pt x="1019735" y="0"/>
+                  </a:moveTo>
+                  <a:lnTo>
+                    <a:pt x="1290094" y="0"/>
+                  </a:lnTo>
+                  <a:lnTo>
+                    <a:pt x="1290094" y="6858000"/>
+                  </a:lnTo>
+                  <a:lnTo>
+                    <a:pt x="0" y="6858000"/>
+                  </a:lnTo>
+                  <a:lnTo>
+                    <a:pt x="1019735" y="0"/>
+                  </a:lnTo>
+                  <a:close/>
+                </a:path>
+              </a:pathLst>
+            </a:custGeom>
+            <a:solidFill>
+              <a:schemeClr val="accent1">
+                <a:lumMod val="60000"/>
+                <a:lumOff val="40000"/>
+                <a:alpha val="70000"/>
+              </a:schemeClr>
+            </a:solidFill>
+            <a:ln>
+              <a:noFill/>
+            </a:ln>
+            <a:effectLst/>
+          </p:spPr>
+          <p:style>
+            <a:lnRef idx="1">
+              <a:schemeClr val="accent1"/>
+            </a:lnRef>
+            <a:fillRef idx="3">
+              <a:schemeClr val="accent1"/>
+            </a:fillRef>
+            <a:effectRef idx="2">
+              <a:schemeClr val="accent1"/>
+            </a:effectRef>
+            <a:fontRef idx="minor">
+              <a:schemeClr val="lt1"/>
+            </a:fontRef>
+          </p:style>
+        </p:sp>
+        <p:sp>
+          <p:nvSpPr>
+            <p:cNvPr id="30" name="Rectangle 29"/>
+            <p:cNvSpPr/>
+            <p:nvPr/>
+          </p:nvSpPr>
+          <p:spPr>
+            <a:xfrm>
+              <a:off x="10938999" y="-8467"/>
+              <a:ext cx="1249825" cy="6866467"/>
+            </a:xfrm>
+            <a:custGeom>
+              <a:avLst/>
+              <a:gdLst/>
+              <a:ahLst/>
+              <a:cxnLst/>
+              <a:rect l="l" t="t" r="r" b="b"/>
+              <a:pathLst>
+                <a:path w="1249825" h="6858000">
+                  <a:moveTo>
+                    <a:pt x="0" y="0"/>
+                  </a:moveTo>
+                  <a:lnTo>
+                    <a:pt x="1249825" y="0"/>
+                  </a:lnTo>
+                  <a:lnTo>
+                    <a:pt x="1249825" y="6858000"/>
+                  </a:lnTo>
+                  <a:lnTo>
+                    <a:pt x="1109382" y="6858000"/>
+                  </a:lnTo>
+                  <a:lnTo>
+                    <a:pt x="0" y="0"/>
+                  </a:lnTo>
+                  <a:close/>
+                </a:path>
+              </a:pathLst>
+            </a:custGeom>
+            <a:solidFill>
+              <a:schemeClr val="accent1">
+                <a:alpha val="65000"/>
+              </a:schemeClr>
+            </a:solidFill>
+            <a:ln>
+              <a:noFill/>
+            </a:ln>
+            <a:effectLst/>
+          </p:spPr>
+          <p:style>
+            <a:lnRef idx="1">
+              <a:schemeClr val="accent1"/>
+            </a:lnRef>
+            <a:fillRef idx="3">
+              <a:schemeClr val="accent1"/>
+            </a:fillRef>
+            <a:effectRef idx="2">
+              <a:schemeClr val="accent1"/>
+            </a:effectRef>
+            <a:fontRef idx="minor">
+              <a:schemeClr val="lt1"/>
+            </a:fontRef>
+          </p:style>
+        </p:sp>
+        <p:sp>
+          <p:nvSpPr>
+            <p:cNvPr id="31" name="Isosceles Triangle 30"/>
+            <p:cNvSpPr/>
+            <p:nvPr/>
+          </p:nvSpPr>
+          <p:spPr>
+            <a:xfrm>
+              <a:off x="10371666" y="3589867"/>
+              <a:ext cx="1817159" cy="3268133"/>
+            </a:xfrm>
+            <a:prstGeom prst="triangle">
+              <a:avLst>
+                <a:gd name="adj" fmla="val 100000"/>
+              </a:avLst>
+            </a:prstGeom>
+            <a:solidFill>
+              <a:schemeClr val="accent1">
+                <a:alpha val="80000"/>
+              </a:schemeClr>
+            </a:solidFill>
+            <a:ln>
+              <a:noFill/>
+            </a:ln>
+            <a:effectLst/>
+          </p:spPr>
+          <p:style>
+            <a:lnRef idx="1">
+              <a:schemeClr val="accent1"/>
+            </a:lnRef>
+            <a:fillRef idx="3">
+              <a:schemeClr val="accent1"/>
+            </a:fillRef>
+            <a:effectRef idx="2">
+              <a:schemeClr val="accent1"/>
+            </a:effectRef>
+            <a:fontRef idx="minor">
+              <a:schemeClr val="lt1"/>
+            </a:fontRef>
+          </p:style>
+        </p:sp>
+        <p:sp>
+          <p:nvSpPr>
+            <p:cNvPr id="19" name="Isosceles Triangle 18"/>
+            <p:cNvSpPr/>
+            <p:nvPr/>
+          </p:nvSpPr>
+          <p:spPr>
+            <a:xfrm rot="10800000">
+              <a:off x="0" y="0"/>
+              <a:ext cx="842596" cy="5666154"/>
+            </a:xfrm>
+            <a:prstGeom prst="triangle">
+              <a:avLst>
+                <a:gd name="adj" fmla="val 100000"/>
+              </a:avLst>
+            </a:prstGeom>
+            <a:solidFill>
+              <a:schemeClr val="accent1">
+                <a:alpha val="85000"/>
+              </a:schemeClr>
+            </a:solidFill>
+            <a:ln>
+              <a:noFill/>
+            </a:ln>
+            <a:effectLst/>
+          </p:spPr>
+          <p:style>
+            <a:lnRef idx="1">
+              <a:schemeClr val="accent1"/>
+            </a:lnRef>
+            <a:fillRef idx="3">
+              <a:schemeClr val="accent1"/>
+            </a:fillRef>
+            <a:effectRef idx="2">
+              <a:schemeClr val="accent1"/>
+            </a:effectRef>
+            <a:fontRef idx="minor">
+              <a:schemeClr val="lt1"/>
+            </a:fontRef>
+          </p:style>
+        </p:sp>
+      </p:grpSp>
+      <p:sp>
+        <p:nvSpPr>
+          <p:cNvPr id="2" name="Title 1"/>
+          <p:cNvSpPr>
+            <a:spLocks noGrp="1"/>
+          </p:cNvSpPr>
+          <p:nvPr>
+            <p:ph type="ctrTitle"/>
+          </p:nvPr>
+        </p:nvSpPr>
+        <p:spPr>
+          <a:xfrm>
+            <a:off x="1507067" y="2404534"/>
+            <a:ext cx="7766936" cy="1646302"/>
+          </a:xfrm>
+        </p:spPr>
+        <p:txBody>
+          <a:bodyPr anchor="b">
+            <a:noAutofit/>
+          </a:bodyPr>
+          <a:lstStyle>
+            <a:lvl1pPr algn="r">
+              <a:defRPr sz="5400">
+                <a:solidFill>
+                  <a:schemeClr val="accent1"/>
+                </a:solidFill>
+              </a:defRPr>
+            </a:lvl1pPr>
+          </a:lstStyle>
+          <a:p>
+            <a:r>
+              <a:rPr lang="en-US"/>
+              <a:t>Click to edit Master title style</a:t>
+            </a:r>
+            <a:endParaRPr lang="en-US" dirty="0"/>
+          </a:p>
+        </p:txBody>
+      </p:sp>
+      <p:sp>
+        <p:nvSpPr>
+          <p:cNvPr id="3" name="Subtitle 2"/>
+          <p:cNvSpPr>
+            <a:spLocks noGrp="1"/>
+          </p:cNvSpPr>
+          <p:nvPr>
+            <p:ph type="subTitle" idx="1"/>
+          </p:nvPr>
+        </p:nvSpPr>
+        <p:spPr>
+          <a:xfrm>
+            <a:off x="1507067" y="4050833"/>
+            <a:ext cx="7766936" cy="1096899"/>
+          </a:xfrm>
+        </p:spPr>
+        <p:txBody>
+          <a:bodyPr anchor="t"/>
+          <a:lstStyle>
+            <a:lvl1pPr marL="0" indent="0" algn="r">
+              <a:buNone/>
+              <a:defRPr>
+                <a:solidFill>
+                  <a:schemeClr val="tx1">
+                    <a:lumMod val="50000"/>
+                    <a:lumOff val="50000"/>
+                  </a:schemeClr>
+                </a:solidFill>
+              </a:defRPr>
+            </a:lvl1pPr>
+            <a:lvl2pPr marL="457200" indent="0" algn="ctr">
+              <a:buNone/>
+              <a:defRPr>
+                <a:solidFill>
+                  <a:schemeClr val="tx1">
+                    <a:tint val="75000"/>
+                  </a:schemeClr>
+                </a:solidFill>
+              </a:defRPr>
+            </a:lvl2pPr>
+            <a:lvl3pPr marL="914400" indent="0" algn="ctr">
+              <a:buNone/>
+              <a:defRPr>
+                <a:solidFill>
+                  <a:schemeClr val="tx1">
+                    <a:tint val="75000"/>
+                  </a:schemeClr>
+                </a:solidFill>
+              </a:defRPr>
+            </a:lvl3pPr>
+            <a:lvl4pPr marL="1371600" indent="0" algn="ctr">
+              <a:buNone/>
+              <a:defRPr>
+                <a:solidFill>
+                  <a:schemeClr val="tx1">
+                    <a:tint val="75000"/>
+                  </a:schemeClr>
+                </a:solidFill>
+              </a:defRPr>
+            </a:lvl4pPr>
+            <a:lvl5pPr marL="1828800" indent="0" algn="ctr">
+              <a:buNone/>
+              <a:defRPr>
+                <a:solidFill>
+                  <a:schemeClr val="tx1">
+                    <a:tint val="75000"/>
+                  </a:schemeClr>
+                </a:solidFill>
+              </a:defRPr>
+            </a:lvl5pPr>
+            <a:lvl6pPr marL="2286000" indent="0" algn="ctr">
+              <a:buNone/>
+              <a:defRPr>
+                <a:solidFill>
+                  <a:schemeClr val="tx1">
+                    <a:tint val="75000"/>
+                  </a:schemeClr>
+                </a:solidFill>
+              </a:defRPr>
+            </a:lvl6pPr>
+            <a:lvl7pPr marL="2743200" indent="0" algn="ctr">
+              <a:buNone/>
+              <a:defRPr>
+                <a:solidFill>
+                  <a:schemeClr val="tx1">
+                    <a:tint val="75000"/>
+                  </a:schemeClr>
+                </a:solidFill>
+              </a:defRPr>
+            </a:lvl7pPr>
+            <a:lvl8pPr marL="3200400" indent="0" algn="ctr">
+              <a:buNone/>
+              <a:defRPr>
+                <a:solidFill>
+                  <a:schemeClr val="tx1">
+                    <a:tint val="75000"/>
+                  </a:schemeClr>
+                </a:solidFill>
+              </a:defRPr>
+            </a:lvl8pPr>
+            <a:lvl9pPr marL="3657600" indent="0" algn="ctr">
+              <a:buNone/>
+              <a:defRPr>
+                <a:solidFill>
+                  <a:schemeClr val="tx1">
+                    <a:tint val="75000"/>
+                  </a:schemeClr>
+                </a:solidFill>
+              </a:defRPr>
+            </a:lvl9pPr>
+          </a:lstStyle>
+          <a:p>
+            <a:r>
+              <a:rPr lang="en-US"/>
+              <a:t>Click to edit Master subtitle style</a:t>
+            </a:r>
+            <a:endParaRPr lang="en-US" dirty="0"/>
+          </a:p>
+        </p:txBody>
+      </p:sp>
+      <p:sp>
+        <p:nvSpPr>
+          <p:cNvPr id="4" name="Date Placeholder 3"/>
+          <p:cNvSpPr>
+            <a:spLocks noGrp="1"/>
+          </p:cNvSpPr>
+          <p:nvPr>
+            <p:ph type="dt" sz="half" idx="10"/>
+          </p:nvPr>
+        </p:nvSpPr>
+        <p:spPr/>
+        <p:txBody>
+          <a:bodyPr/>
+          <a:lstStyle/>
+          <a:p>
+            <a:pPr marL="0" marR="0" lvl="0" indent="0" algn="r" defTabSz="457200" rtl="0" eaLnBrk="1" fontAlgn="auto" latinLnBrk="0" hangingPunct="1">
+              <a:lnSpc>
+                <a:spcPct val="100000"/>
+              </a:lnSpc>
+              <a:spcBef>
+                <a:spcPts val="0"/>
+              </a:spcBef>
+              <a:spcAft>
+                <a:spcPts val="0"/>
+              </a:spcAft>
+              <a:buClrTx/>
+              <a:buSzTx/>
+              <a:buFontTx/>
+              <a:buNone/>
+              <a:tabLst/>
+              <a:defRPr/>
+            </a:pPr>
+            <a:fld id="{B61BEF0D-F0BB-DE4B-95CE-6DB70DBA9567}" type="datetimeFigureOut">
+              <a:rPr kumimoji="0" lang="en-US" sz="900" b="0" i="0" u="none" strike="noStrike" kern="1200" cap="none" spc="0" normalizeH="0" baseline="0" noProof="0" dirty="0">
+                <a:ln>
+                  <a:noFill/>
+                </a:ln>
+                <a:solidFill>
+                  <a:prstClr val="black">
+                    <a:tint val="75000"/>
+                  </a:prstClr>
+                </a:solidFill>
+                <a:effectLst/>
+                <a:uLnTx/>
+                <a:uFillTx/>
+                <a:latin typeface="Trebuchet MS" panose="020B0603020202020204"/>
+                <a:ea typeface="+mn-ea"/>
+                <a:cs typeface="+mn-cs"/>
+              </a:rPr>
+              <a:pPr marL="0" marR="0" lvl="0" indent="0" algn="r" defTabSz="457200" rtl="0" eaLnBrk="1" fontAlgn="auto" latinLnBrk="0" hangingPunct="1">
+                <a:lnSpc>
+                  <a:spcPct val="100000"/>
+                </a:lnSpc>
+                <a:spcBef>
+                  <a:spcPts val="0"/>
+                </a:spcBef>
+                <a:spcAft>
+                  <a:spcPts val="0"/>
+                </a:spcAft>
+                <a:buClrTx/>
+                <a:buSzTx/>
+                <a:buFontTx/>
+                <a:buNone/>
+                <a:tabLst/>
+                <a:defRPr/>
+              </a:pPr>
+              <a:t>2/5/2019</a:t>
+            </a:fld>
+            <a:endParaRPr kumimoji="0" lang="en-US" sz="900" b="0" i="0" u="none" strike="noStrike" kern="1200" cap="none" spc="0" normalizeH="0" baseline="0" noProof="0" dirty="0">
+              <a:ln>
+                <a:noFill/>
+              </a:ln>
+              <a:solidFill>
+                <a:prstClr val="black">
+                  <a:tint val="75000"/>
+                </a:prstClr>
+              </a:solidFill>
+              <a:effectLst/>
+              <a:uLnTx/>
+              <a:uFillTx/>
+              <a:latin typeface="Trebuchet MS" panose="020B0603020202020204"/>
+              <a:ea typeface="+mn-ea"/>
+              <a:cs typeface="+mn-cs"/>
+            </a:endParaRPr>
+          </a:p>
+        </p:txBody>
+      </p:sp>
+      <p:sp>
+        <p:nvSpPr>
+          <p:cNvPr id="5" name="Footer Placeholder 4"/>
+          <p:cNvSpPr>
+            <a:spLocks noGrp="1"/>
+          </p:cNvSpPr>
+          <p:nvPr>
+            <p:ph type="ftr" sz="quarter" idx="11"/>
+          </p:nvPr>
+        </p:nvSpPr>
+        <p:spPr/>
+        <p:txBody>
+          <a:bodyPr/>
+          <a:lstStyle/>
+          <a:p>
+            <a:pPr marL="0" marR="0" lvl="0" indent="0" algn="l" defTabSz="457200" rtl="0" eaLnBrk="1" fontAlgn="auto" latinLnBrk="0" hangingPunct="1">
+              <a:lnSpc>
+                <a:spcPct val="100000"/>
+              </a:lnSpc>
+              <a:spcBef>
+                <a:spcPts val="0"/>
+              </a:spcBef>
+              <a:spcAft>
+                <a:spcPts val="0"/>
+              </a:spcAft>
+              <a:buClrTx/>
+              <a:buSzTx/>
+              <a:buFontTx/>
+              <a:buNone/>
+              <a:tabLst/>
+              <a:defRPr/>
+            </a:pPr>
+            <a:endParaRPr kumimoji="0" lang="en-US" sz="900" b="0" i="0" u="none" strike="noStrike" kern="1200" cap="none" spc="0" normalizeH="0" baseline="0" noProof="0" dirty="0">
+              <a:ln>
+                <a:noFill/>
+              </a:ln>
+              <a:solidFill>
+                <a:prstClr val="black">
+                  <a:tint val="75000"/>
+                </a:prstClr>
+              </a:solidFill>
+              <a:effectLst/>
+              <a:uLnTx/>
+              <a:uFillTx/>
+              <a:latin typeface="Trebuchet MS" panose="020B0603020202020204"/>
+              <a:ea typeface="+mn-ea"/>
+              <a:cs typeface="+mn-cs"/>
+            </a:endParaRPr>
+          </a:p>
+        </p:txBody>
+      </p:sp>
+      <p:sp>
+        <p:nvSpPr>
+          <p:cNvPr id="6" name="Slide Number Placeholder 5"/>
+          <p:cNvSpPr>
+            <a:spLocks noGrp="1"/>
+          </p:cNvSpPr>
+          <p:nvPr>
+            <p:ph type="sldNum" sz="quarter" idx="12"/>
+          </p:nvPr>
+        </p:nvSpPr>
+        <p:spPr/>
+        <p:txBody>
+          <a:bodyPr/>
+          <a:lstStyle/>
+          <a:p>
+            <a:pPr marL="0" marR="0" lvl="0" indent="0" algn="r" defTabSz="457200" rtl="0" eaLnBrk="1" fontAlgn="auto" latinLnBrk="0" hangingPunct="1">
+              <a:lnSpc>
+                <a:spcPct val="100000"/>
+              </a:lnSpc>
+              <a:spcBef>
+                <a:spcPts val="0"/>
+              </a:spcBef>
+              <a:spcAft>
+                <a:spcPts val="0"/>
+              </a:spcAft>
+              <a:buClrTx/>
+              <a:buSzTx/>
+              <a:buFontTx/>
+              <a:buNone/>
+              <a:tabLst/>
+              <a:defRPr/>
+            </a:pPr>
+            <a:fld id="{D57F1E4F-1CFF-5643-939E-217C01CDF565}" type="slidenum">
+              <a:rPr kumimoji="0" lang="en-US" sz="900" b="0" i="0" u="none" strike="noStrike" kern="1200" cap="none" spc="0" normalizeH="0" baseline="0" noProof="0" dirty="0">
+                <a:ln>
+                  <a:noFill/>
+                </a:ln>
+                <a:solidFill>
+                  <a:srgbClr val="90C226"/>
+                </a:solidFill>
+                <a:effectLst/>
+                <a:uLnTx/>
+                <a:uFillTx/>
+                <a:latin typeface="Trebuchet MS" panose="020B0603020202020204"/>
+                <a:ea typeface="+mn-ea"/>
+                <a:cs typeface="+mn-cs"/>
+              </a:rPr>
+              <a:pPr marL="0" marR="0" lvl="0" indent="0" algn="r" defTabSz="457200" rtl="0" eaLnBrk="1" fontAlgn="auto" latinLnBrk="0" hangingPunct="1">
+                <a:lnSpc>
+                  <a:spcPct val="100000"/>
+                </a:lnSpc>
+                <a:spcBef>
+                  <a:spcPts val="0"/>
+                </a:spcBef>
+                <a:spcAft>
+                  <a:spcPts val="0"/>
+                </a:spcAft>
+                <a:buClrTx/>
+                <a:buSzTx/>
+                <a:buFontTx/>
+                <a:buNone/>
+                <a:tabLst/>
+                <a:defRPr/>
+              </a:pPr>
+              <a:t>‹#›</a:t>
+            </a:fld>
+            <a:endParaRPr kumimoji="0" lang="en-US" sz="900" b="0" i="0" u="none" strike="noStrike" kern="1200" cap="none" spc="0" normalizeH="0" baseline="0" noProof="0" dirty="0">
+              <a:ln>
+                <a:noFill/>
+              </a:ln>
+              <a:solidFill>
+                <a:srgbClr val="90C226"/>
+              </a:solidFill>
+              <a:effectLst/>
+              <a:uLnTx/>
+              <a:uFillTx/>
+              <a:latin typeface="Trebuchet MS" panose="020B0603020202020204"/>
+              <a:ea typeface="+mn-ea"/>
+              <a:cs typeface="+mn-cs"/>
+            </a:endParaRPr>
+          </a:p>
+        </p:txBody>
+      </p:sp>
+    </p:spTree>
+    <p:extLst>
+      <p:ext uri="{BB962C8B-B14F-4D97-AF65-F5344CB8AC3E}">
+        <p14:creationId xmlns:p14="http://schemas.microsoft.com/office/powerpoint/2010/main" val="3867801774"/>
+      </p:ext>
+    </p:extLst>
+  </p:cSld>
+  <p:clrMapOvr>
+    <a:masterClrMapping/>
+  </p:clrMapOvr>
+</p:sldLayout>
+</file>
+
+<file path=ppt/slideLayouts/slideLayout18.xml><?xml version="1.0" encoding="utf-8"?>
+<p:sldLayout xmlns:a="http://schemas.openxmlformats.org/drawingml/2006/main" xmlns:r="http://schemas.openxmlformats.org/officeDocument/2006/relationships" xmlns:p="http://schemas.openxmlformats.org/presentationml/2006/main" type="obj">
+  <p:cSld name="Title and Content">
+    <p:spTree>
+      <p:nvGrpSpPr>
+        <p:cNvPr id="1" name=""/>
+        <p:cNvGrpSpPr/>
+        <p:nvPr/>
+      </p:nvGrpSpPr>
+      <p:grpSpPr>
+        <a:xfrm>
+          <a:off x="0" y="0"/>
+          <a:ext cx="0" cy="0"/>
+          <a:chOff x="0" y="0"/>
+          <a:chExt cx="0" cy="0"/>
+        </a:xfrm>
+      </p:grpSpPr>
+      <p:sp>
+        <p:nvSpPr>
+          <p:cNvPr id="2" name="Title 1"/>
+          <p:cNvSpPr>
+            <a:spLocks noGrp="1"/>
+          </p:cNvSpPr>
+          <p:nvPr>
+            <p:ph type="title"/>
+          </p:nvPr>
+        </p:nvSpPr>
+        <p:spPr/>
+        <p:txBody>
+          <a:bodyPr>
+            <a:normAutofit/>
+          </a:bodyPr>
+          <a:lstStyle>
+            <a:lvl1pPr>
+              <a:defRPr sz="3600"/>
+            </a:lvl1pPr>
+          </a:lstStyle>
+          <a:p>
+            <a:r>
+              <a:rPr lang="en-US"/>
+              <a:t>Click to edit Master title style</a:t>
+            </a:r>
+            <a:endParaRPr lang="en-US" dirty="0"/>
+          </a:p>
+        </p:txBody>
+      </p:sp>
+      <p:sp>
+        <p:nvSpPr>
+          <p:cNvPr id="3" name="Content Placeholder 2"/>
+          <p:cNvSpPr>
+            <a:spLocks noGrp="1"/>
+          </p:cNvSpPr>
+          <p:nvPr>
+            <p:ph idx="1"/>
+          </p:nvPr>
+        </p:nvSpPr>
+        <p:spPr/>
+        <p:txBody>
+          <a:bodyPr/>
+          <a:lstStyle/>
+          <a:p>
+            <a:pPr lvl="0"/>
+            <a:r>
+              <a:rPr lang="en-US"/>
+              <a:t>Click to edit Master text styles</a:t>
+            </a:r>
+          </a:p>
+          <a:p>
+            <a:pPr lvl="1"/>
+            <a:r>
+              <a:rPr lang="en-US"/>
+              <a:t>Second level</a:t>
+            </a:r>
+          </a:p>
+          <a:p>
+            <a:pPr lvl="2"/>
+            <a:r>
+              <a:rPr lang="en-US"/>
+              <a:t>Third level</a:t>
+            </a:r>
+          </a:p>
+          <a:p>
+            <a:pPr lvl="3"/>
+            <a:r>
+              <a:rPr lang="en-US"/>
+              <a:t>Fourth level</a:t>
+            </a:r>
+          </a:p>
+          <a:p>
+            <a:pPr lvl="4"/>
+            <a:r>
+              <a:rPr lang="en-US"/>
+              <a:t>Fifth level</a:t>
+            </a:r>
+            <a:endParaRPr lang="en-US" dirty="0"/>
+          </a:p>
+        </p:txBody>
+      </p:sp>
+      <p:sp>
+        <p:nvSpPr>
+          <p:cNvPr id="4" name="Date Placeholder 3"/>
+          <p:cNvSpPr>
+            <a:spLocks noGrp="1"/>
+          </p:cNvSpPr>
+          <p:nvPr>
+            <p:ph type="dt" sz="half" idx="10"/>
+          </p:nvPr>
+        </p:nvSpPr>
+        <p:spPr/>
+        <p:txBody>
+          <a:bodyPr/>
+          <a:lstStyle/>
+          <a:p>
+            <a:pPr marL="0" marR="0" lvl="0" indent="0" algn="r" defTabSz="457200" rtl="0" eaLnBrk="1" fontAlgn="auto" latinLnBrk="0" hangingPunct="1">
+              <a:lnSpc>
+                <a:spcPct val="100000"/>
+              </a:lnSpc>
+              <a:spcBef>
+                <a:spcPts val="0"/>
+              </a:spcBef>
+              <a:spcAft>
+                <a:spcPts val="0"/>
+              </a:spcAft>
+              <a:buClrTx/>
+              <a:buSzTx/>
+              <a:buFontTx/>
+              <a:buNone/>
+              <a:tabLst/>
+              <a:defRPr/>
+            </a:pPr>
+            <a:fld id="{B61BEF0D-F0BB-DE4B-95CE-6DB70DBA9567}" type="datetimeFigureOut">
+              <a:rPr kumimoji="0" lang="en-US" sz="900" b="0" i="0" u="none" strike="noStrike" kern="1200" cap="none" spc="0" normalizeH="0" baseline="0" noProof="0" dirty="0">
+                <a:ln>
+                  <a:noFill/>
+                </a:ln>
+                <a:solidFill>
+                  <a:prstClr val="black">
+                    <a:tint val="75000"/>
+                  </a:prstClr>
+                </a:solidFill>
+                <a:effectLst/>
+                <a:uLnTx/>
+                <a:uFillTx/>
+                <a:latin typeface="Trebuchet MS" panose="020B0603020202020204"/>
+                <a:ea typeface="+mn-ea"/>
+                <a:cs typeface="+mn-cs"/>
+              </a:rPr>
+              <a:pPr marL="0" marR="0" lvl="0" indent="0" algn="r" defTabSz="457200" rtl="0" eaLnBrk="1" fontAlgn="auto" latinLnBrk="0" hangingPunct="1">
+                <a:lnSpc>
+                  <a:spcPct val="100000"/>
+                </a:lnSpc>
+                <a:spcBef>
+                  <a:spcPts val="0"/>
+                </a:spcBef>
+                <a:spcAft>
+                  <a:spcPts val="0"/>
+                </a:spcAft>
+                <a:buClrTx/>
+                <a:buSzTx/>
+                <a:buFontTx/>
+                <a:buNone/>
+                <a:tabLst/>
+                <a:defRPr/>
+              </a:pPr>
+              <a:t>2/5/2019</a:t>
+            </a:fld>
+            <a:endParaRPr kumimoji="0" lang="en-US" sz="900" b="0" i="0" u="none" strike="noStrike" kern="1200" cap="none" spc="0" normalizeH="0" baseline="0" noProof="0" dirty="0">
+              <a:ln>
+                <a:noFill/>
+              </a:ln>
+              <a:solidFill>
+                <a:prstClr val="black">
+                  <a:tint val="75000"/>
+                </a:prstClr>
+              </a:solidFill>
+              <a:effectLst/>
+              <a:uLnTx/>
+              <a:uFillTx/>
+              <a:latin typeface="Trebuchet MS" panose="020B0603020202020204"/>
+              <a:ea typeface="+mn-ea"/>
+              <a:cs typeface="+mn-cs"/>
+            </a:endParaRPr>
+          </a:p>
+        </p:txBody>
+      </p:sp>
+      <p:sp>
+        <p:nvSpPr>
+          <p:cNvPr id="5" name="Footer Placeholder 4"/>
+          <p:cNvSpPr>
+            <a:spLocks noGrp="1"/>
+          </p:cNvSpPr>
+          <p:nvPr>
+            <p:ph type="ftr" sz="quarter" idx="11"/>
+          </p:nvPr>
+        </p:nvSpPr>
+        <p:spPr/>
+        <p:txBody>
+          <a:bodyPr/>
+          <a:lstStyle/>
+          <a:p>
+            <a:pPr marL="0" marR="0" lvl="0" indent="0" algn="l" defTabSz="457200" rtl="0" eaLnBrk="1" fontAlgn="auto" latinLnBrk="0" hangingPunct="1">
+              <a:lnSpc>
+                <a:spcPct val="100000"/>
+              </a:lnSpc>
+              <a:spcBef>
+                <a:spcPts val="0"/>
+              </a:spcBef>
+              <a:spcAft>
+                <a:spcPts val="0"/>
+              </a:spcAft>
+              <a:buClrTx/>
+              <a:buSzTx/>
+              <a:buFontTx/>
+              <a:buNone/>
+              <a:tabLst/>
+              <a:defRPr/>
+            </a:pPr>
+            <a:endParaRPr kumimoji="0" lang="en-US" sz="900" b="0" i="0" u="none" strike="noStrike" kern="1200" cap="none" spc="0" normalizeH="0" baseline="0" noProof="0" dirty="0">
+              <a:ln>
+                <a:noFill/>
+              </a:ln>
+              <a:solidFill>
+                <a:prstClr val="black">
+                  <a:tint val="75000"/>
+                </a:prstClr>
+              </a:solidFill>
+              <a:effectLst/>
+              <a:uLnTx/>
+              <a:uFillTx/>
+              <a:latin typeface="Trebuchet MS" panose="020B0603020202020204"/>
+              <a:ea typeface="+mn-ea"/>
+              <a:cs typeface="+mn-cs"/>
+            </a:endParaRPr>
+          </a:p>
+        </p:txBody>
+      </p:sp>
+      <p:sp>
+        <p:nvSpPr>
+          <p:cNvPr id="6" name="Slide Number Placeholder 5"/>
+          <p:cNvSpPr>
+            <a:spLocks noGrp="1"/>
+          </p:cNvSpPr>
+          <p:nvPr>
+            <p:ph type="sldNum" sz="quarter" idx="12"/>
+          </p:nvPr>
+        </p:nvSpPr>
+        <p:spPr/>
+        <p:txBody>
+          <a:bodyPr/>
+          <a:lstStyle/>
+          <a:p>
+            <a:pPr marL="0" marR="0" lvl="0" indent="0" algn="r" defTabSz="457200" rtl="0" eaLnBrk="1" fontAlgn="auto" latinLnBrk="0" hangingPunct="1">
+              <a:lnSpc>
+                <a:spcPct val="100000"/>
+              </a:lnSpc>
+              <a:spcBef>
+                <a:spcPts val="0"/>
+              </a:spcBef>
+              <a:spcAft>
+                <a:spcPts val="0"/>
+              </a:spcAft>
+              <a:buClrTx/>
+              <a:buSzTx/>
+              <a:buFontTx/>
+              <a:buNone/>
+              <a:tabLst/>
+              <a:defRPr/>
+            </a:pPr>
+            <a:fld id="{D57F1E4F-1CFF-5643-939E-217C01CDF565}" type="slidenum">
+              <a:rPr kumimoji="0" lang="en-US" sz="900" b="0" i="0" u="none" strike="noStrike" kern="1200" cap="none" spc="0" normalizeH="0" baseline="0" noProof="0" dirty="0">
+                <a:ln>
+                  <a:noFill/>
+                </a:ln>
+                <a:solidFill>
+                  <a:srgbClr val="90C226"/>
+                </a:solidFill>
+                <a:effectLst/>
+                <a:uLnTx/>
+                <a:uFillTx/>
+                <a:latin typeface="Trebuchet MS" panose="020B0603020202020204"/>
+                <a:ea typeface="+mn-ea"/>
+                <a:cs typeface="+mn-cs"/>
+              </a:rPr>
+              <a:pPr marL="0" marR="0" lvl="0" indent="0" algn="r" defTabSz="457200" rtl="0" eaLnBrk="1" fontAlgn="auto" latinLnBrk="0" hangingPunct="1">
+                <a:lnSpc>
+                  <a:spcPct val="100000"/>
+                </a:lnSpc>
+                <a:spcBef>
+                  <a:spcPts val="0"/>
+                </a:spcBef>
+                <a:spcAft>
+                  <a:spcPts val="0"/>
+                </a:spcAft>
+                <a:buClrTx/>
+                <a:buSzTx/>
+                <a:buFontTx/>
+                <a:buNone/>
+                <a:tabLst/>
+                <a:defRPr/>
+              </a:pPr>
+              <a:t>‹#›</a:t>
+            </a:fld>
+            <a:endParaRPr kumimoji="0" lang="en-US" sz="900" b="0" i="0" u="none" strike="noStrike" kern="1200" cap="none" spc="0" normalizeH="0" baseline="0" noProof="0" dirty="0">
+              <a:ln>
+                <a:noFill/>
+              </a:ln>
+              <a:solidFill>
+                <a:srgbClr val="90C226"/>
+              </a:solidFill>
+              <a:effectLst/>
+              <a:uLnTx/>
+              <a:uFillTx/>
+              <a:latin typeface="Trebuchet MS" panose="020B0603020202020204"/>
+              <a:ea typeface="+mn-ea"/>
+              <a:cs typeface="+mn-cs"/>
+            </a:endParaRPr>
+          </a:p>
+        </p:txBody>
+      </p:sp>
+    </p:spTree>
+    <p:extLst>
+      <p:ext uri="{BB962C8B-B14F-4D97-AF65-F5344CB8AC3E}">
+        <p14:creationId xmlns:p14="http://schemas.microsoft.com/office/powerpoint/2010/main" val="3765072143"/>
+      </p:ext>
+    </p:extLst>
+  </p:cSld>
+  <p:clrMapOvr>
+    <a:masterClrMapping/>
+  </p:clrMapOvr>
+</p:sldLayout>
+</file>
+
 <file path=ppt/slideLayouts/slideLayout2.xml><?xml version="1.0" encoding="utf-8"?>
 <p:sldLayout xmlns:a="http://schemas.openxmlformats.org/drawingml/2006/main" xmlns:r="http://schemas.openxmlformats.org/officeDocument/2006/relationships" xmlns:p="http://schemas.openxmlformats.org/presentationml/2006/main" type="obj" preserve="1">
   <p:cSld name="Title and Content">
@@ -5821,6 +7105,1183 @@
 </p:sldMaster>
 </file>
 
+<file path=ppt/slideMasters/slideMaster2.xml><?xml version="1.0" encoding="utf-8"?>
+<p:sldMaster xmlns:a="http://schemas.openxmlformats.org/drawingml/2006/main" xmlns:r="http://schemas.openxmlformats.org/officeDocument/2006/relationships" xmlns:p="http://schemas.openxmlformats.org/presentationml/2006/main">
+  <p:cSld>
+    <p:bg>
+      <p:bgRef idx="1001">
+        <a:schemeClr val="bg1"/>
+      </p:bgRef>
+    </p:bg>
+    <p:spTree>
+      <p:nvGrpSpPr>
+        <p:cNvPr id="1" name=""/>
+        <p:cNvGrpSpPr/>
+        <p:nvPr/>
+      </p:nvGrpSpPr>
+      <p:grpSpPr>
+        <a:xfrm>
+          <a:off x="0" y="0"/>
+          <a:ext cx="0" cy="0"/>
+          <a:chOff x="0" y="0"/>
+          <a:chExt cx="0" cy="0"/>
+        </a:xfrm>
+      </p:grpSpPr>
+      <p:grpSp>
+        <p:nvGrpSpPr>
+          <p:cNvPr id="7" name="Group 6"/>
+          <p:cNvGrpSpPr/>
+          <p:nvPr/>
+        </p:nvGrpSpPr>
+        <p:grpSpPr>
+          <a:xfrm>
+            <a:off x="0" y="-8467"/>
+            <a:ext cx="12192000" cy="6866467"/>
+            <a:chOff x="0" y="-8467"/>
+            <a:chExt cx="12192000" cy="6866467"/>
+          </a:xfrm>
+        </p:grpSpPr>
+        <p:cxnSp>
+          <p:nvCxnSpPr>
+            <p:cNvPr id="20" name="Straight Connector 19"/>
+            <p:cNvCxnSpPr/>
+            <p:nvPr/>
+          </p:nvCxnSpPr>
+          <p:spPr>
+            <a:xfrm>
+              <a:off x="9371012" y="0"/>
+              <a:ext cx="1219200" cy="6858000"/>
+            </a:xfrm>
+            <a:prstGeom prst="line">
+              <a:avLst/>
+            </a:prstGeom>
+            <a:ln w="9525">
+              <a:solidFill>
+                <a:schemeClr val="bg1">
+                  <a:lumMod val="75000"/>
+                </a:schemeClr>
+              </a:solidFill>
+            </a:ln>
+          </p:spPr>
+          <p:style>
+            <a:lnRef idx="2">
+              <a:schemeClr val="accent1"/>
+            </a:lnRef>
+            <a:fillRef idx="0">
+              <a:schemeClr val="accent1"/>
+            </a:fillRef>
+            <a:effectRef idx="1">
+              <a:schemeClr val="accent1"/>
+            </a:effectRef>
+            <a:fontRef idx="minor">
+              <a:schemeClr val="tx1"/>
+            </a:fontRef>
+          </p:style>
+        </p:cxnSp>
+        <p:cxnSp>
+          <p:nvCxnSpPr>
+            <p:cNvPr id="21" name="Straight Connector 20"/>
+            <p:cNvCxnSpPr/>
+            <p:nvPr/>
+          </p:nvCxnSpPr>
+          <p:spPr>
+            <a:xfrm flipH="1">
+              <a:off x="7425267" y="3681413"/>
+              <a:ext cx="4763558" cy="3176587"/>
+            </a:xfrm>
+            <a:prstGeom prst="line">
+              <a:avLst/>
+            </a:prstGeom>
+            <a:ln w="9525">
+              <a:solidFill>
+                <a:schemeClr val="bg1">
+                  <a:lumMod val="85000"/>
+                </a:schemeClr>
+              </a:solidFill>
+            </a:ln>
+          </p:spPr>
+          <p:style>
+            <a:lnRef idx="2">
+              <a:schemeClr val="accent1"/>
+            </a:lnRef>
+            <a:fillRef idx="0">
+              <a:schemeClr val="accent1"/>
+            </a:fillRef>
+            <a:effectRef idx="1">
+              <a:schemeClr val="accent1"/>
+            </a:effectRef>
+            <a:fontRef idx="minor">
+              <a:schemeClr val="tx1"/>
+            </a:fontRef>
+          </p:style>
+        </p:cxnSp>
+        <p:sp>
+          <p:nvSpPr>
+            <p:cNvPr id="22" name="Rectangle 23"/>
+            <p:cNvSpPr/>
+            <p:nvPr/>
+          </p:nvSpPr>
+          <p:spPr>
+            <a:xfrm>
+              <a:off x="9181476" y="-8467"/>
+              <a:ext cx="3007349" cy="6866467"/>
+            </a:xfrm>
+            <a:custGeom>
+              <a:avLst/>
+              <a:gdLst/>
+              <a:ahLst/>
+              <a:cxnLst/>
+              <a:rect l="l" t="t" r="r" b="b"/>
+              <a:pathLst>
+                <a:path w="3007349" h="6866467">
+                  <a:moveTo>
+                    <a:pt x="2045532" y="0"/>
+                  </a:moveTo>
+                  <a:lnTo>
+                    <a:pt x="3007349" y="0"/>
+                  </a:lnTo>
+                  <a:lnTo>
+                    <a:pt x="3007349" y="6866467"/>
+                  </a:lnTo>
+                  <a:lnTo>
+                    <a:pt x="0" y="6866467"/>
+                  </a:lnTo>
+                  <a:lnTo>
+                    <a:pt x="2045532" y="0"/>
+                  </a:lnTo>
+                  <a:close/>
+                </a:path>
+              </a:pathLst>
+            </a:custGeom>
+            <a:solidFill>
+              <a:schemeClr val="accent1">
+                <a:alpha val="30000"/>
+              </a:schemeClr>
+            </a:solidFill>
+            <a:ln>
+              <a:noFill/>
+            </a:ln>
+            <a:effectLst/>
+          </p:spPr>
+          <p:style>
+            <a:lnRef idx="1">
+              <a:schemeClr val="accent1"/>
+            </a:lnRef>
+            <a:fillRef idx="3">
+              <a:schemeClr val="accent1"/>
+            </a:fillRef>
+            <a:effectRef idx="2">
+              <a:schemeClr val="accent1"/>
+            </a:effectRef>
+            <a:fontRef idx="minor">
+              <a:schemeClr val="lt1"/>
+            </a:fontRef>
+          </p:style>
+        </p:sp>
+        <p:sp>
+          <p:nvSpPr>
+            <p:cNvPr id="23" name="Rectangle 25"/>
+            <p:cNvSpPr/>
+            <p:nvPr/>
+          </p:nvSpPr>
+          <p:spPr>
+            <a:xfrm>
+              <a:off x="9603442" y="-8467"/>
+              <a:ext cx="2588558" cy="6866467"/>
+            </a:xfrm>
+            <a:custGeom>
+              <a:avLst/>
+              <a:gdLst/>
+              <a:ahLst/>
+              <a:cxnLst/>
+              <a:rect l="l" t="t" r="r" b="b"/>
+              <a:pathLst>
+                <a:path w="2573311" h="6866467">
+                  <a:moveTo>
+                    <a:pt x="0" y="0"/>
+                  </a:moveTo>
+                  <a:lnTo>
+                    <a:pt x="2573311" y="0"/>
+                  </a:lnTo>
+                  <a:lnTo>
+                    <a:pt x="2573311" y="6866467"/>
+                  </a:lnTo>
+                  <a:lnTo>
+                    <a:pt x="1202336" y="6866467"/>
+                  </a:lnTo>
+                  <a:lnTo>
+                    <a:pt x="0" y="0"/>
+                  </a:lnTo>
+                  <a:close/>
+                </a:path>
+              </a:pathLst>
+            </a:custGeom>
+            <a:solidFill>
+              <a:schemeClr val="accent1">
+                <a:alpha val="20000"/>
+              </a:schemeClr>
+            </a:solidFill>
+            <a:ln>
+              <a:noFill/>
+            </a:ln>
+            <a:effectLst/>
+          </p:spPr>
+          <p:style>
+            <a:lnRef idx="1">
+              <a:schemeClr val="accent1"/>
+            </a:lnRef>
+            <a:fillRef idx="3">
+              <a:schemeClr val="accent1"/>
+            </a:fillRef>
+            <a:effectRef idx="2">
+              <a:schemeClr val="accent1"/>
+            </a:effectRef>
+            <a:fontRef idx="minor">
+              <a:schemeClr val="lt1"/>
+            </a:fontRef>
+          </p:style>
+        </p:sp>
+        <p:sp>
+          <p:nvSpPr>
+            <p:cNvPr id="24" name="Isosceles Triangle 23"/>
+            <p:cNvSpPr/>
+            <p:nvPr/>
+          </p:nvSpPr>
+          <p:spPr>
+            <a:xfrm>
+              <a:off x="8932333" y="3048000"/>
+              <a:ext cx="3259667" cy="3810000"/>
+            </a:xfrm>
+            <a:prstGeom prst="triangle">
+              <a:avLst>
+                <a:gd name="adj" fmla="val 100000"/>
+              </a:avLst>
+            </a:prstGeom>
+            <a:solidFill>
+              <a:schemeClr val="accent2">
+                <a:alpha val="72000"/>
+              </a:schemeClr>
+            </a:solidFill>
+            <a:ln>
+              <a:noFill/>
+            </a:ln>
+            <a:effectLst/>
+          </p:spPr>
+          <p:style>
+            <a:lnRef idx="1">
+              <a:schemeClr val="accent1"/>
+            </a:lnRef>
+            <a:fillRef idx="3">
+              <a:schemeClr val="accent1"/>
+            </a:fillRef>
+            <a:effectRef idx="2">
+              <a:schemeClr val="accent1"/>
+            </a:effectRef>
+            <a:fontRef idx="minor">
+              <a:schemeClr val="lt1"/>
+            </a:fontRef>
+          </p:style>
+        </p:sp>
+        <p:sp>
+          <p:nvSpPr>
+            <p:cNvPr id="25" name="Rectangle 27"/>
+            <p:cNvSpPr/>
+            <p:nvPr/>
+          </p:nvSpPr>
+          <p:spPr>
+            <a:xfrm>
+              <a:off x="9334500" y="-8467"/>
+              <a:ext cx="2854326" cy="6866467"/>
+            </a:xfrm>
+            <a:custGeom>
+              <a:avLst/>
+              <a:gdLst/>
+              <a:ahLst/>
+              <a:cxnLst/>
+              <a:rect l="l" t="t" r="r" b="b"/>
+              <a:pathLst>
+                <a:path w="2858013" h="6866467">
+                  <a:moveTo>
+                    <a:pt x="0" y="0"/>
+                  </a:moveTo>
+                  <a:lnTo>
+                    <a:pt x="2858013" y="0"/>
+                  </a:lnTo>
+                  <a:lnTo>
+                    <a:pt x="2858013" y="6866467"/>
+                  </a:lnTo>
+                  <a:lnTo>
+                    <a:pt x="2473942" y="6866467"/>
+                  </a:lnTo>
+                  <a:lnTo>
+                    <a:pt x="0" y="0"/>
+                  </a:lnTo>
+                  <a:close/>
+                </a:path>
+              </a:pathLst>
+            </a:custGeom>
+            <a:solidFill>
+              <a:schemeClr val="accent2">
+                <a:lumMod val="75000"/>
+                <a:alpha val="70000"/>
+              </a:schemeClr>
+            </a:solidFill>
+            <a:ln>
+              <a:noFill/>
+            </a:ln>
+            <a:effectLst/>
+          </p:spPr>
+          <p:style>
+            <a:lnRef idx="1">
+              <a:schemeClr val="accent1"/>
+            </a:lnRef>
+            <a:fillRef idx="3">
+              <a:schemeClr val="accent1"/>
+            </a:fillRef>
+            <a:effectRef idx="2">
+              <a:schemeClr val="accent1"/>
+            </a:effectRef>
+            <a:fontRef idx="minor">
+              <a:schemeClr val="lt1"/>
+            </a:fontRef>
+          </p:style>
+        </p:sp>
+        <p:sp>
+          <p:nvSpPr>
+            <p:cNvPr id="26" name="Rectangle 28"/>
+            <p:cNvSpPr/>
+            <p:nvPr/>
+          </p:nvSpPr>
+          <p:spPr>
+            <a:xfrm>
+              <a:off x="10898730" y="-8467"/>
+              <a:ext cx="1290094" cy="6866467"/>
+            </a:xfrm>
+            <a:custGeom>
+              <a:avLst/>
+              <a:gdLst/>
+              <a:ahLst/>
+              <a:cxnLst/>
+              <a:rect l="l" t="t" r="r" b="b"/>
+              <a:pathLst>
+                <a:path w="1290094" h="6858000">
+                  <a:moveTo>
+                    <a:pt x="1019735" y="0"/>
+                  </a:moveTo>
+                  <a:lnTo>
+                    <a:pt x="1290094" y="0"/>
+                  </a:lnTo>
+                  <a:lnTo>
+                    <a:pt x="1290094" y="6858000"/>
+                  </a:lnTo>
+                  <a:lnTo>
+                    <a:pt x="0" y="6858000"/>
+                  </a:lnTo>
+                  <a:lnTo>
+                    <a:pt x="1019735" y="0"/>
+                  </a:lnTo>
+                  <a:close/>
+                </a:path>
+              </a:pathLst>
+            </a:custGeom>
+            <a:solidFill>
+              <a:schemeClr val="accent1">
+                <a:lumMod val="60000"/>
+                <a:lumOff val="40000"/>
+                <a:alpha val="70000"/>
+              </a:schemeClr>
+            </a:solidFill>
+            <a:ln>
+              <a:noFill/>
+            </a:ln>
+            <a:effectLst/>
+          </p:spPr>
+          <p:style>
+            <a:lnRef idx="1">
+              <a:schemeClr val="accent1"/>
+            </a:lnRef>
+            <a:fillRef idx="3">
+              <a:schemeClr val="accent1"/>
+            </a:fillRef>
+            <a:effectRef idx="2">
+              <a:schemeClr val="accent1"/>
+            </a:effectRef>
+            <a:fontRef idx="minor">
+              <a:schemeClr val="lt1"/>
+            </a:fontRef>
+          </p:style>
+        </p:sp>
+        <p:sp>
+          <p:nvSpPr>
+            <p:cNvPr id="27" name="Rectangle 29"/>
+            <p:cNvSpPr/>
+            <p:nvPr/>
+          </p:nvSpPr>
+          <p:spPr>
+            <a:xfrm>
+              <a:off x="10938999" y="-8467"/>
+              <a:ext cx="1249825" cy="6866467"/>
+            </a:xfrm>
+            <a:custGeom>
+              <a:avLst/>
+              <a:gdLst/>
+              <a:ahLst/>
+              <a:cxnLst/>
+              <a:rect l="l" t="t" r="r" b="b"/>
+              <a:pathLst>
+                <a:path w="1249825" h="6858000">
+                  <a:moveTo>
+                    <a:pt x="0" y="0"/>
+                  </a:moveTo>
+                  <a:lnTo>
+                    <a:pt x="1249825" y="0"/>
+                  </a:lnTo>
+                  <a:lnTo>
+                    <a:pt x="1249825" y="6858000"/>
+                  </a:lnTo>
+                  <a:lnTo>
+                    <a:pt x="1109382" y="6858000"/>
+                  </a:lnTo>
+                  <a:lnTo>
+                    <a:pt x="0" y="0"/>
+                  </a:lnTo>
+                  <a:close/>
+                </a:path>
+              </a:pathLst>
+            </a:custGeom>
+            <a:solidFill>
+              <a:schemeClr val="accent1">
+                <a:alpha val="65000"/>
+              </a:schemeClr>
+            </a:solidFill>
+            <a:ln>
+              <a:noFill/>
+            </a:ln>
+            <a:effectLst/>
+          </p:spPr>
+          <p:style>
+            <a:lnRef idx="1">
+              <a:schemeClr val="accent1"/>
+            </a:lnRef>
+            <a:fillRef idx="3">
+              <a:schemeClr val="accent1"/>
+            </a:fillRef>
+            <a:effectRef idx="2">
+              <a:schemeClr val="accent1"/>
+            </a:effectRef>
+            <a:fontRef idx="minor">
+              <a:schemeClr val="lt1"/>
+            </a:fontRef>
+          </p:style>
+        </p:sp>
+        <p:sp>
+          <p:nvSpPr>
+            <p:cNvPr id="28" name="Isosceles Triangle 27"/>
+            <p:cNvSpPr/>
+            <p:nvPr/>
+          </p:nvSpPr>
+          <p:spPr>
+            <a:xfrm>
+              <a:off x="10371666" y="3589867"/>
+              <a:ext cx="1817159" cy="3268133"/>
+            </a:xfrm>
+            <a:prstGeom prst="triangle">
+              <a:avLst>
+                <a:gd name="adj" fmla="val 100000"/>
+              </a:avLst>
+            </a:prstGeom>
+            <a:solidFill>
+              <a:schemeClr val="accent1">
+                <a:alpha val="80000"/>
+              </a:schemeClr>
+            </a:solidFill>
+            <a:ln>
+              <a:noFill/>
+            </a:ln>
+            <a:effectLst/>
+          </p:spPr>
+          <p:style>
+            <a:lnRef idx="1">
+              <a:schemeClr val="accent1"/>
+            </a:lnRef>
+            <a:fillRef idx="3">
+              <a:schemeClr val="accent1"/>
+            </a:fillRef>
+            <a:effectRef idx="2">
+              <a:schemeClr val="accent1"/>
+            </a:effectRef>
+            <a:fontRef idx="minor">
+              <a:schemeClr val="lt1"/>
+            </a:fontRef>
+          </p:style>
+        </p:sp>
+        <p:sp>
+          <p:nvSpPr>
+            <p:cNvPr id="29" name="Isosceles Triangle 28"/>
+            <p:cNvSpPr/>
+            <p:nvPr/>
+          </p:nvSpPr>
+          <p:spPr>
+            <a:xfrm>
+              <a:off x="0" y="4013200"/>
+              <a:ext cx="448733" cy="2844800"/>
+            </a:xfrm>
+            <a:prstGeom prst="triangle">
+              <a:avLst>
+                <a:gd name="adj" fmla="val 0"/>
+              </a:avLst>
+            </a:prstGeom>
+            <a:solidFill>
+              <a:schemeClr val="accent1">
+                <a:alpha val="85000"/>
+              </a:schemeClr>
+            </a:solidFill>
+            <a:ln>
+              <a:noFill/>
+            </a:ln>
+            <a:effectLst/>
+          </p:spPr>
+          <p:style>
+            <a:lnRef idx="1">
+              <a:schemeClr val="accent1"/>
+            </a:lnRef>
+            <a:fillRef idx="3">
+              <a:schemeClr val="accent1"/>
+            </a:fillRef>
+            <a:effectRef idx="2">
+              <a:schemeClr val="accent1"/>
+            </a:effectRef>
+            <a:fontRef idx="minor">
+              <a:schemeClr val="lt1"/>
+            </a:fontRef>
+          </p:style>
+        </p:sp>
+      </p:grpSp>
+      <p:sp>
+        <p:nvSpPr>
+          <p:cNvPr id="2" name="Title Placeholder 1"/>
+          <p:cNvSpPr>
+            <a:spLocks noGrp="1"/>
+          </p:cNvSpPr>
+          <p:nvPr>
+            <p:ph type="title"/>
+          </p:nvPr>
+        </p:nvSpPr>
+        <p:spPr>
+          <a:xfrm>
+            <a:off x="677334" y="609600"/>
+            <a:ext cx="8596668" cy="1320800"/>
+          </a:xfrm>
+          <a:prstGeom prst="rect">
+            <a:avLst/>
+          </a:prstGeom>
+        </p:spPr>
+        <p:txBody>
+          <a:bodyPr vert="horz" lIns="91440" tIns="45720" rIns="91440" bIns="45720" rtlCol="0" anchor="t">
+            <a:normAutofit/>
+          </a:bodyPr>
+          <a:lstStyle/>
+          <a:p>
+            <a:r>
+              <a:rPr lang="en-US"/>
+              <a:t>Click to edit Master title style</a:t>
+            </a:r>
+            <a:endParaRPr lang="en-US" dirty="0"/>
+          </a:p>
+        </p:txBody>
+      </p:sp>
+      <p:sp>
+        <p:nvSpPr>
+          <p:cNvPr id="3" name="Text Placeholder 2"/>
+          <p:cNvSpPr>
+            <a:spLocks noGrp="1"/>
+          </p:cNvSpPr>
+          <p:nvPr>
+            <p:ph type="body" idx="1"/>
+          </p:nvPr>
+        </p:nvSpPr>
+        <p:spPr>
+          <a:xfrm>
+            <a:off x="677334" y="2160589"/>
+            <a:ext cx="8596668" cy="3880773"/>
+          </a:xfrm>
+          <a:prstGeom prst="rect">
+            <a:avLst/>
+          </a:prstGeom>
+        </p:spPr>
+        <p:txBody>
+          <a:bodyPr vert="horz" lIns="91440" tIns="45720" rIns="91440" bIns="45720" rtlCol="0">
+            <a:normAutofit/>
+          </a:bodyPr>
+          <a:lstStyle/>
+          <a:p>
+            <a:pPr lvl="0"/>
+            <a:r>
+              <a:rPr lang="en-US"/>
+              <a:t>Click to edit Master text styles</a:t>
+            </a:r>
+          </a:p>
+          <a:p>
+            <a:pPr lvl="1"/>
+            <a:r>
+              <a:rPr lang="en-US"/>
+              <a:t>Second level</a:t>
+            </a:r>
+          </a:p>
+          <a:p>
+            <a:pPr lvl="2"/>
+            <a:r>
+              <a:rPr lang="en-US"/>
+              <a:t>Third level</a:t>
+            </a:r>
+          </a:p>
+          <a:p>
+            <a:pPr lvl="3"/>
+            <a:r>
+              <a:rPr lang="en-US"/>
+              <a:t>Fourth level</a:t>
+            </a:r>
+          </a:p>
+          <a:p>
+            <a:pPr lvl="4"/>
+            <a:r>
+              <a:rPr lang="en-US"/>
+              <a:t>Fifth level</a:t>
+            </a:r>
+            <a:endParaRPr lang="en-US" dirty="0"/>
+          </a:p>
+        </p:txBody>
+      </p:sp>
+      <p:sp>
+        <p:nvSpPr>
+          <p:cNvPr id="4" name="Date Placeholder 3"/>
+          <p:cNvSpPr>
+            <a:spLocks noGrp="1"/>
+          </p:cNvSpPr>
+          <p:nvPr>
+            <p:ph type="dt" sz="half" idx="2"/>
+          </p:nvPr>
+        </p:nvSpPr>
+        <p:spPr>
+          <a:xfrm>
+            <a:off x="7205133" y="6041362"/>
+            <a:ext cx="911939" cy="365125"/>
+          </a:xfrm>
+          <a:prstGeom prst="rect">
+            <a:avLst/>
+          </a:prstGeom>
+        </p:spPr>
+        <p:txBody>
+          <a:bodyPr vert="horz" lIns="91440" tIns="45720" rIns="91440" bIns="45720" rtlCol="0" anchor="ctr"/>
+          <a:lstStyle>
+            <a:lvl1pPr algn="r">
+              <a:defRPr sz="900">
+                <a:solidFill>
+                  <a:schemeClr val="tx1">
+                    <a:tint val="75000"/>
+                  </a:schemeClr>
+                </a:solidFill>
+              </a:defRPr>
+            </a:lvl1pPr>
+          </a:lstStyle>
+          <a:p>
+            <a:fld id="{B61BEF0D-F0BB-DE4B-95CE-6DB70DBA9567}" type="datetimeFigureOut">
+              <a:rPr lang="en-US" dirty="0"/>
+              <a:pPr/>
+              <a:t>2/5/2019</a:t>
+            </a:fld>
+            <a:endParaRPr lang="en-US" dirty="0"/>
+          </a:p>
+        </p:txBody>
+      </p:sp>
+      <p:sp>
+        <p:nvSpPr>
+          <p:cNvPr id="5" name="Footer Placeholder 4"/>
+          <p:cNvSpPr>
+            <a:spLocks noGrp="1"/>
+          </p:cNvSpPr>
+          <p:nvPr>
+            <p:ph type="ftr" sz="quarter" idx="3"/>
+          </p:nvPr>
+        </p:nvSpPr>
+        <p:spPr>
+          <a:xfrm>
+            <a:off x="677334" y="6041362"/>
+            <a:ext cx="6297612" cy="365125"/>
+          </a:xfrm>
+          <a:prstGeom prst="rect">
+            <a:avLst/>
+          </a:prstGeom>
+        </p:spPr>
+        <p:txBody>
+          <a:bodyPr vert="horz" lIns="91440" tIns="45720" rIns="91440" bIns="45720" rtlCol="0" anchor="ctr"/>
+          <a:lstStyle>
+            <a:lvl1pPr algn="l">
+              <a:defRPr sz="900">
+                <a:solidFill>
+                  <a:schemeClr val="tx1">
+                    <a:tint val="75000"/>
+                  </a:schemeClr>
+                </a:solidFill>
+              </a:defRPr>
+            </a:lvl1pPr>
+          </a:lstStyle>
+          <a:p>
+            <a:endParaRPr lang="en-US" dirty="0"/>
+          </a:p>
+        </p:txBody>
+      </p:sp>
+      <p:sp>
+        <p:nvSpPr>
+          <p:cNvPr id="6" name="Slide Number Placeholder 5"/>
+          <p:cNvSpPr>
+            <a:spLocks noGrp="1"/>
+          </p:cNvSpPr>
+          <p:nvPr>
+            <p:ph type="sldNum" sz="quarter" idx="4"/>
+          </p:nvPr>
+        </p:nvSpPr>
+        <p:spPr>
+          <a:xfrm>
+            <a:off x="8590663" y="6041362"/>
+            <a:ext cx="683339" cy="365125"/>
+          </a:xfrm>
+          <a:prstGeom prst="rect">
+            <a:avLst/>
+          </a:prstGeom>
+        </p:spPr>
+        <p:txBody>
+          <a:bodyPr vert="horz" lIns="91440" tIns="45720" rIns="91440" bIns="45720" rtlCol="0" anchor="ctr"/>
+          <a:lstStyle>
+            <a:lvl1pPr algn="r">
+              <a:defRPr sz="900">
+                <a:solidFill>
+                  <a:schemeClr val="accent1"/>
+                </a:solidFill>
+              </a:defRPr>
+            </a:lvl1pPr>
+          </a:lstStyle>
+          <a:p>
+            <a:fld id="{D57F1E4F-1CFF-5643-939E-217C01CDF565}" type="slidenum">
+              <a:rPr lang="en-US" dirty="0"/>
+              <a:pPr/>
+              <a:t>‹#›</a:t>
+            </a:fld>
+            <a:endParaRPr lang="en-US" dirty="0"/>
+          </a:p>
+        </p:txBody>
+      </p:sp>
+    </p:spTree>
+    <p:extLst>
+      <p:ext uri="{BB962C8B-B14F-4D97-AF65-F5344CB8AC3E}">
+        <p14:creationId xmlns:p14="http://schemas.microsoft.com/office/powerpoint/2010/main" val="3837223305"/>
+      </p:ext>
+    </p:extLst>
+  </p:cSld>
+  <p:clrMap bg1="lt1" tx1="dk1" bg2="lt2" tx2="dk2" accent1="accent1" accent2="accent2" accent3="accent3" accent4="accent4" accent5="accent5" accent6="accent6" hlink="hlink" folHlink="folHlink"/>
+  <p:sldLayoutIdLst>
+    <p:sldLayoutId id="2147483678" r:id="rId1"/>
+    <p:sldLayoutId id="2147483679" r:id="rId2"/>
+  </p:sldLayoutIdLst>
+  <p:txStyles>
+    <p:titleStyle>
+      <a:lvl1pPr algn="l" defTabSz="457200" rtl="0" eaLnBrk="1" latinLnBrk="0" hangingPunct="1">
+        <a:spcBef>
+          <a:spcPct val="0"/>
+        </a:spcBef>
+        <a:buNone/>
+        <a:defRPr sz="3600" kern="1200">
+          <a:solidFill>
+            <a:schemeClr val="accent1"/>
+          </a:solidFill>
+          <a:latin typeface="+mj-lt"/>
+          <a:ea typeface="+mj-ea"/>
+          <a:cs typeface="+mj-cs"/>
+        </a:defRPr>
+      </a:lvl1pPr>
+      <a:lvl2pPr eaLnBrk="1" hangingPunct="1">
+        <a:defRPr>
+          <a:solidFill>
+            <a:schemeClr val="tx2"/>
+          </a:solidFill>
+        </a:defRPr>
+      </a:lvl2pPr>
+      <a:lvl3pPr eaLnBrk="1" hangingPunct="1">
+        <a:defRPr>
+          <a:solidFill>
+            <a:schemeClr val="tx2"/>
+          </a:solidFill>
+        </a:defRPr>
+      </a:lvl3pPr>
+      <a:lvl4pPr eaLnBrk="1" hangingPunct="1">
+        <a:defRPr>
+          <a:solidFill>
+            <a:schemeClr val="tx2"/>
+          </a:solidFill>
+        </a:defRPr>
+      </a:lvl4pPr>
+      <a:lvl5pPr eaLnBrk="1" hangingPunct="1">
+        <a:defRPr>
+          <a:solidFill>
+            <a:schemeClr val="tx2"/>
+          </a:solidFill>
+        </a:defRPr>
+      </a:lvl5pPr>
+      <a:lvl6pPr eaLnBrk="1" hangingPunct="1">
+        <a:defRPr>
+          <a:solidFill>
+            <a:schemeClr val="tx2"/>
+          </a:solidFill>
+        </a:defRPr>
+      </a:lvl6pPr>
+      <a:lvl7pPr eaLnBrk="1" hangingPunct="1">
+        <a:defRPr>
+          <a:solidFill>
+            <a:schemeClr val="tx2"/>
+          </a:solidFill>
+        </a:defRPr>
+      </a:lvl7pPr>
+      <a:lvl8pPr eaLnBrk="1" hangingPunct="1">
+        <a:defRPr>
+          <a:solidFill>
+            <a:schemeClr val="tx2"/>
+          </a:solidFill>
+        </a:defRPr>
+      </a:lvl8pPr>
+      <a:lvl9pPr eaLnBrk="1" hangingPunct="1">
+        <a:defRPr>
+          <a:solidFill>
+            <a:schemeClr val="tx2"/>
+          </a:solidFill>
+        </a:defRPr>
+      </a:lvl9pPr>
+    </p:titleStyle>
+    <p:bodyStyle>
+      <a:lvl1pPr marL="342900" indent="-342900" algn="l" defTabSz="457200" rtl="0" eaLnBrk="1" latinLnBrk="0" hangingPunct="1">
+        <a:spcBef>
+          <a:spcPts val="1000"/>
+        </a:spcBef>
+        <a:spcAft>
+          <a:spcPts val="0"/>
+        </a:spcAft>
+        <a:buClr>
+          <a:schemeClr val="accent1"/>
+        </a:buClr>
+        <a:buSzPct val="80000"/>
+        <a:buFont typeface="Wingdings 3" charset="2"/>
+        <a:buChar char=""/>
+        <a:defRPr sz="1800" kern="1200">
+          <a:solidFill>
+            <a:schemeClr val="tx1">
+              <a:lumMod val="75000"/>
+              <a:lumOff val="25000"/>
+            </a:schemeClr>
+          </a:solidFill>
+          <a:latin typeface="+mn-lt"/>
+          <a:ea typeface="+mn-ea"/>
+          <a:cs typeface="+mn-cs"/>
+        </a:defRPr>
+      </a:lvl1pPr>
+      <a:lvl2pPr marL="742950" indent="-285750" algn="l" defTabSz="457200" rtl="0" eaLnBrk="1" latinLnBrk="0" hangingPunct="1">
+        <a:spcBef>
+          <a:spcPts val="1000"/>
+        </a:spcBef>
+        <a:spcAft>
+          <a:spcPts val="0"/>
+        </a:spcAft>
+        <a:buClr>
+          <a:schemeClr val="accent1"/>
+        </a:buClr>
+        <a:buSzPct val="80000"/>
+        <a:buFont typeface="Wingdings 3" charset="2"/>
+        <a:buChar char=""/>
+        <a:defRPr sz="1600" kern="1200">
+          <a:solidFill>
+            <a:schemeClr val="tx1">
+              <a:lumMod val="75000"/>
+              <a:lumOff val="25000"/>
+            </a:schemeClr>
+          </a:solidFill>
+          <a:latin typeface="+mn-lt"/>
+          <a:ea typeface="+mn-ea"/>
+          <a:cs typeface="+mn-cs"/>
+        </a:defRPr>
+      </a:lvl2pPr>
+      <a:lvl3pPr marL="1143000" indent="-228600" algn="l" defTabSz="457200" rtl="0" eaLnBrk="1" latinLnBrk="0" hangingPunct="1">
+        <a:spcBef>
+          <a:spcPts val="1000"/>
+        </a:spcBef>
+        <a:spcAft>
+          <a:spcPts val="0"/>
+        </a:spcAft>
+        <a:buClr>
+          <a:schemeClr val="accent1"/>
+        </a:buClr>
+        <a:buSzPct val="80000"/>
+        <a:buFont typeface="Wingdings 3" charset="2"/>
+        <a:buChar char=""/>
+        <a:defRPr sz="1400" kern="1200">
+          <a:solidFill>
+            <a:schemeClr val="tx1">
+              <a:lumMod val="75000"/>
+              <a:lumOff val="25000"/>
+            </a:schemeClr>
+          </a:solidFill>
+          <a:latin typeface="+mn-lt"/>
+          <a:ea typeface="+mn-ea"/>
+          <a:cs typeface="+mn-cs"/>
+        </a:defRPr>
+      </a:lvl3pPr>
+      <a:lvl4pPr marL="1600200" indent="-228600" algn="l" defTabSz="457200" rtl="0" eaLnBrk="1" latinLnBrk="0" hangingPunct="1">
+        <a:spcBef>
+          <a:spcPts val="1000"/>
+        </a:spcBef>
+        <a:spcAft>
+          <a:spcPts val="0"/>
+        </a:spcAft>
+        <a:buClr>
+          <a:schemeClr val="accent1"/>
+        </a:buClr>
+        <a:buSzPct val="80000"/>
+        <a:buFont typeface="Wingdings 3" charset="2"/>
+        <a:buChar char=""/>
+        <a:defRPr sz="1200" kern="1200">
+          <a:solidFill>
+            <a:schemeClr val="tx1">
+              <a:lumMod val="75000"/>
+              <a:lumOff val="25000"/>
+            </a:schemeClr>
+          </a:solidFill>
+          <a:latin typeface="+mn-lt"/>
+          <a:ea typeface="+mn-ea"/>
+          <a:cs typeface="+mn-cs"/>
+        </a:defRPr>
+      </a:lvl4pPr>
+      <a:lvl5pPr marL="2057400" indent="-228600" algn="l" defTabSz="457200" rtl="0" eaLnBrk="1" latinLnBrk="0" hangingPunct="1">
+        <a:spcBef>
+          <a:spcPts val="1000"/>
+        </a:spcBef>
+        <a:spcAft>
+          <a:spcPts val="0"/>
+        </a:spcAft>
+        <a:buClr>
+          <a:schemeClr val="accent1"/>
+        </a:buClr>
+        <a:buSzPct val="80000"/>
+        <a:buFont typeface="Wingdings 3" charset="2"/>
+        <a:buChar char=""/>
+        <a:defRPr sz="1200" kern="1200">
+          <a:solidFill>
+            <a:schemeClr val="tx1">
+              <a:lumMod val="75000"/>
+              <a:lumOff val="25000"/>
+            </a:schemeClr>
+          </a:solidFill>
+          <a:latin typeface="+mn-lt"/>
+          <a:ea typeface="+mn-ea"/>
+          <a:cs typeface="+mn-cs"/>
+        </a:defRPr>
+      </a:lvl5pPr>
+      <a:lvl6pPr marL="2514600" indent="-228600" algn="l" defTabSz="457200" rtl="0" eaLnBrk="1" latinLnBrk="0" hangingPunct="1">
+        <a:spcBef>
+          <a:spcPts val="1000"/>
+        </a:spcBef>
+        <a:spcAft>
+          <a:spcPts val="0"/>
+        </a:spcAft>
+        <a:buClr>
+          <a:schemeClr val="accent1"/>
+        </a:buClr>
+        <a:buSzPct val="80000"/>
+        <a:buFont typeface="Wingdings 3" charset="2"/>
+        <a:buChar char=""/>
+        <a:defRPr sz="1200" kern="1200">
+          <a:solidFill>
+            <a:schemeClr val="tx1">
+              <a:lumMod val="75000"/>
+              <a:lumOff val="25000"/>
+            </a:schemeClr>
+          </a:solidFill>
+          <a:latin typeface="+mn-lt"/>
+          <a:ea typeface="+mn-ea"/>
+          <a:cs typeface="+mn-cs"/>
+        </a:defRPr>
+      </a:lvl6pPr>
+      <a:lvl7pPr marL="2971800" indent="-228600" algn="l" defTabSz="457200" rtl="0" eaLnBrk="1" latinLnBrk="0" hangingPunct="1">
+        <a:spcBef>
+          <a:spcPts val="1000"/>
+        </a:spcBef>
+        <a:spcAft>
+          <a:spcPts val="0"/>
+        </a:spcAft>
+        <a:buClr>
+          <a:schemeClr val="accent1"/>
+        </a:buClr>
+        <a:buSzPct val="80000"/>
+        <a:buFont typeface="Wingdings 3" charset="2"/>
+        <a:buChar char=""/>
+        <a:defRPr sz="1200" kern="1200">
+          <a:solidFill>
+            <a:schemeClr val="tx1">
+              <a:lumMod val="75000"/>
+              <a:lumOff val="25000"/>
+            </a:schemeClr>
+          </a:solidFill>
+          <a:latin typeface="+mn-lt"/>
+          <a:ea typeface="+mn-ea"/>
+          <a:cs typeface="+mn-cs"/>
+        </a:defRPr>
+      </a:lvl7pPr>
+      <a:lvl8pPr marL="3429000" indent="-228600" algn="l" defTabSz="457200" rtl="0" eaLnBrk="1" latinLnBrk="0" hangingPunct="1">
+        <a:spcBef>
+          <a:spcPts val="1000"/>
+        </a:spcBef>
+        <a:spcAft>
+          <a:spcPts val="0"/>
+        </a:spcAft>
+        <a:buClr>
+          <a:schemeClr val="accent1"/>
+        </a:buClr>
+        <a:buSzPct val="80000"/>
+        <a:buFont typeface="Wingdings 3" charset="2"/>
+        <a:buChar char=""/>
+        <a:defRPr sz="1200" kern="1200">
+          <a:solidFill>
+            <a:schemeClr val="tx1">
+              <a:lumMod val="75000"/>
+              <a:lumOff val="25000"/>
+            </a:schemeClr>
+          </a:solidFill>
+          <a:latin typeface="+mn-lt"/>
+          <a:ea typeface="+mn-ea"/>
+          <a:cs typeface="+mn-cs"/>
+        </a:defRPr>
+      </a:lvl8pPr>
+      <a:lvl9pPr marL="3886200" indent="-228600" algn="l" defTabSz="457200" rtl="0" eaLnBrk="1" latinLnBrk="0" hangingPunct="1">
+        <a:spcBef>
+          <a:spcPts val="1000"/>
+        </a:spcBef>
+        <a:spcAft>
+          <a:spcPts val="0"/>
+        </a:spcAft>
+        <a:buClr>
+          <a:schemeClr val="accent1"/>
+        </a:buClr>
+        <a:buSzPct val="80000"/>
+        <a:buFont typeface="Wingdings 3" charset="2"/>
+        <a:buChar char=""/>
+        <a:defRPr sz="1200" kern="1200">
+          <a:solidFill>
+            <a:schemeClr val="tx1">
+              <a:lumMod val="75000"/>
+              <a:lumOff val="25000"/>
+            </a:schemeClr>
+          </a:solidFill>
+          <a:latin typeface="+mn-lt"/>
+          <a:ea typeface="+mn-ea"/>
+          <a:cs typeface="+mn-cs"/>
+        </a:defRPr>
+      </a:lvl9pPr>
+    </p:bodyStyle>
+    <p:otherStyle>
+      <a:defPPr>
+        <a:defRPr lang="en-US"/>
+      </a:defPPr>
+      <a:lvl1pPr marL="0" algn="l" defTabSz="457200" rtl="0" eaLnBrk="1" latinLnBrk="0" hangingPunct="1">
+        <a:defRPr sz="1800" kern="1200">
+          <a:solidFill>
+            <a:schemeClr val="tx1"/>
+          </a:solidFill>
+          <a:latin typeface="+mn-lt"/>
+          <a:ea typeface="+mn-ea"/>
+          <a:cs typeface="+mn-cs"/>
+        </a:defRPr>
+      </a:lvl1pPr>
+      <a:lvl2pPr marL="457200" algn="l" defTabSz="457200" rtl="0" eaLnBrk="1" latinLnBrk="0" hangingPunct="1">
+        <a:defRPr sz="1800" kern="1200">
+          <a:solidFill>
+            <a:schemeClr val="tx1"/>
+          </a:solidFill>
+          <a:latin typeface="+mn-lt"/>
+          <a:ea typeface="+mn-ea"/>
+          <a:cs typeface="+mn-cs"/>
+        </a:defRPr>
+      </a:lvl2pPr>
+      <a:lvl3pPr marL="914400" algn="l" defTabSz="457200" rtl="0" eaLnBrk="1" latinLnBrk="0" hangingPunct="1">
+        <a:defRPr sz="1800" kern="1200">
+          <a:solidFill>
+            <a:schemeClr val="tx1"/>
+          </a:solidFill>
+          <a:latin typeface="+mn-lt"/>
+          <a:ea typeface="+mn-ea"/>
+          <a:cs typeface="+mn-cs"/>
+        </a:defRPr>
+      </a:lvl3pPr>
+      <a:lvl4pPr marL="1371600" algn="l" defTabSz="457200" rtl="0" eaLnBrk="1" latinLnBrk="0" hangingPunct="1">
+        <a:defRPr sz="1800" kern="1200">
+          <a:solidFill>
+            <a:schemeClr val="tx1"/>
+          </a:solidFill>
+          <a:latin typeface="+mn-lt"/>
+          <a:ea typeface="+mn-ea"/>
+          <a:cs typeface="+mn-cs"/>
+        </a:defRPr>
+      </a:lvl4pPr>
+      <a:lvl5pPr marL="1828800" algn="l" defTabSz="457200" rtl="0" eaLnBrk="1" latinLnBrk="0" hangingPunct="1">
+        <a:defRPr sz="1800" kern="1200">
+          <a:solidFill>
+            <a:schemeClr val="tx1"/>
+          </a:solidFill>
+          <a:latin typeface="+mn-lt"/>
+          <a:ea typeface="+mn-ea"/>
+          <a:cs typeface="+mn-cs"/>
+        </a:defRPr>
+      </a:lvl5pPr>
+      <a:lvl6pPr marL="2286000" algn="l" defTabSz="457200" rtl="0" eaLnBrk="1" latinLnBrk="0" hangingPunct="1">
+        <a:defRPr sz="1800" kern="1200">
+          <a:solidFill>
+            <a:schemeClr val="tx1"/>
+          </a:solidFill>
+          <a:latin typeface="+mn-lt"/>
+          <a:ea typeface="+mn-ea"/>
+          <a:cs typeface="+mn-cs"/>
+        </a:defRPr>
+      </a:lvl6pPr>
+      <a:lvl7pPr marL="2743200" algn="l" defTabSz="457200" rtl="0" eaLnBrk="1" latinLnBrk="0" hangingPunct="1">
+        <a:defRPr sz="1800" kern="1200">
+          <a:solidFill>
+            <a:schemeClr val="tx1"/>
+          </a:solidFill>
+          <a:latin typeface="+mn-lt"/>
+          <a:ea typeface="+mn-ea"/>
+          <a:cs typeface="+mn-cs"/>
+        </a:defRPr>
+      </a:lvl7pPr>
+      <a:lvl8pPr marL="3200400" algn="l" defTabSz="457200" rtl="0" eaLnBrk="1" latinLnBrk="0" hangingPunct="1">
+        <a:defRPr sz="1800" kern="1200">
+          <a:solidFill>
+            <a:schemeClr val="tx1"/>
+          </a:solidFill>
+          <a:latin typeface="+mn-lt"/>
+          <a:ea typeface="+mn-ea"/>
+          <a:cs typeface="+mn-cs"/>
+        </a:defRPr>
+      </a:lvl8pPr>
+      <a:lvl9pPr marL="3657600" algn="l" defTabSz="457200" rtl="0" eaLnBrk="1" latinLnBrk="0" hangingPunct="1">
+        <a:defRPr sz="1800" kern="1200">
+          <a:solidFill>
+            <a:schemeClr val="tx1"/>
+          </a:solidFill>
+          <a:latin typeface="+mn-lt"/>
+          <a:ea typeface="+mn-ea"/>
+          <a:cs typeface="+mn-cs"/>
+        </a:defRPr>
+      </a:lvl9pPr>
+    </p:otherStyle>
+  </p:txStyles>
+</p:sldMaster>
+</file>
+
 <file path=ppt/slides/slide1.xml><?xml version="1.0" encoding="utf-8"?>
 <p:sld xmlns:a="http://schemas.openxmlformats.org/drawingml/2006/main" xmlns:r="http://schemas.openxmlformats.org/officeDocument/2006/relationships" xmlns:p="http://schemas.openxmlformats.org/presentationml/2006/main">
   <p:cSld>
@@ -5930,7 +8391,7 @@
           <p:cNvPr id="2" name="Title 1">
             <a:extLst>
               <a:ext uri="{FF2B5EF4-FFF2-40B4-BE49-F238E27FC236}">
-                <a16:creationId xmlns:a16="http://schemas.microsoft.com/office/drawing/2014/main" id="{0646184F-7A07-47A9-BD4C-FDCE8C235FA6}"/>
+                <a16:creationId xmlns:a16="http://schemas.microsoft.com/office/drawing/2014/main" id="{09EC704D-54E9-4544-9564-C04EAAD75BEE}"/>
               </a:ext>
             </a:extLst>
           </p:cNvPr>
@@ -5944,116 +8405,1330 @@
         <p:spPr>
           <a:xfrm>
             <a:off x="677334" y="609600"/>
-            <a:ext cx="8596668" cy="914400"/>
+            <a:ext cx="8596668" cy="4067908"/>
           </a:xfrm>
         </p:spPr>
         <p:txBody>
-          <a:bodyPr/>
+          <a:bodyPr>
+            <a:normAutofit/>
+          </a:bodyPr>
           <a:lstStyle/>
           <a:p>
             <a:pPr algn="ctr"/>
             <a:r>
               <a:rPr lang="en-US" dirty="0"/>
-              <a:t>Static Control Flaw</a:t>
-            </a:r>
-          </a:p>
-        </p:txBody>
-      </p:sp>
-      <p:sp>
-        <p:nvSpPr>
-          <p:cNvPr id="3" name="Content Placeholder 2">
-            <a:extLst>
-              <a:ext uri="{FF2B5EF4-FFF2-40B4-BE49-F238E27FC236}">
-                <a16:creationId xmlns:a16="http://schemas.microsoft.com/office/drawing/2014/main" id="{362D6937-047D-4566-9507-2E4E73A709B3}"/>
-              </a:ext>
-            </a:extLst>
-          </p:cNvPr>
-          <p:cNvSpPr>
-            <a:spLocks noGrp="1"/>
-          </p:cNvSpPr>
-          <p:nvPr>
-            <p:ph idx="1"/>
-          </p:nvPr>
-        </p:nvSpPr>
-        <p:spPr>
-          <a:xfrm>
-            <a:off x="677334" y="2160589"/>
-            <a:ext cx="8596668" cy="3880773"/>
-          </a:xfrm>
-        </p:spPr>
-        <p:txBody>
-          <a:bodyPr/>
-          <a:lstStyle/>
-          <a:p>
-            <a:r>
-              <a:rPr lang="en-US" dirty="0"/>
-              <a:t>Whenever an execution of a java class the following sequence of steps will be executed at part of static control flaw</a:t>
-            </a:r>
-          </a:p>
-          <a:p>
-            <a:pPr lvl="1"/>
-            <a:r>
-              <a:rPr lang="en-US" dirty="0"/>
-              <a:t>Identification of static members starting from to bottom of </a:t>
-            </a:r>
-            <a:r>
-              <a:rPr lang="en-US"/>
-              <a:t>the class</a:t>
-            </a:r>
-            <a:endParaRPr lang="en-US" dirty="0"/>
-          </a:p>
-          <a:p>
-            <a:pPr lvl="1"/>
-            <a:r>
-              <a:rPr lang="en-US" dirty="0"/>
-              <a:t>Execution of static variable assignment and static blocks from top to bottom</a:t>
-            </a:r>
-          </a:p>
-          <a:p>
-            <a:pPr lvl="1"/>
-            <a:r>
-              <a:rPr lang="en-US" dirty="0"/>
-              <a:t>Execution of main method</a:t>
-            </a:r>
-          </a:p>
-          <a:p>
-            <a:r>
-              <a:rPr lang="en-US" dirty="0"/>
-              <a:t>Read Indirectly and Write Only</a:t>
-            </a:r>
-          </a:p>
-          <a:p>
-            <a:pPr lvl="1"/>
-            <a:r>
-              <a:rPr lang="en-US" dirty="0"/>
-              <a:t>Inside a static block if are trying to read a variable that read operation is called Direct read</a:t>
-            </a:r>
-          </a:p>
-          <a:p>
-            <a:pPr lvl="1"/>
-            <a:r>
-              <a:rPr lang="en-US" dirty="0"/>
-              <a:t>If we are calling a method and within that method if we are trying to read a variable that read operation is called Indirect read</a:t>
-            </a:r>
-          </a:p>
-          <a:p>
-            <a:pPr marL="0" indent="0">
-              <a:buNone/>
-            </a:pPr>
-            <a:r>
-              <a:rPr lang="en-US" dirty="0"/>
-              <a:t>	</a:t>
-            </a:r>
-          </a:p>
-          <a:p>
-            <a:endParaRPr lang="en-US" dirty="0"/>
+              <a:t>     </a:t>
+            </a:r>
+            <a:br>
+              <a:rPr lang="en-US" dirty="0"/>
+            </a:br>
+            <a:br>
+              <a:rPr lang="en-US" dirty="0"/>
+            </a:br>
+            <a:br>
+              <a:rPr lang="en-US" dirty="0"/>
+            </a:br>
+            <a:br>
+              <a:rPr lang="en-US" dirty="0"/>
+            </a:br>
+            <a:r>
+              <a:rPr lang="en-US" dirty="0"/>
+              <a:t>			</a:t>
+            </a:r>
+            <a:r>
+              <a:rPr lang="en-US" sz="6000" dirty="0"/>
+              <a:t>THANK YOU</a:t>
+            </a:r>
           </a:p>
         </p:txBody>
       </p:sp>
     </p:spTree>
     <p:extLst>
       <p:ext uri="{BB962C8B-B14F-4D97-AF65-F5344CB8AC3E}">
-        <p14:creationId xmlns:p14="http://schemas.microsoft.com/office/powerpoint/2010/main" val="820092095"/>
+        <p14:creationId xmlns:p14="http://schemas.microsoft.com/office/powerpoint/2010/main" val="2434218665"/>
+      </p:ext>
+    </p:extLst>
+  </p:cSld>
+  <p:clrMapOvr>
+    <a:masterClrMapping/>
+  </p:clrMapOvr>
+</p:sld>
+</file>
+
+<file path=ppt/slides/slide11.xml><?xml version="1.0" encoding="utf-8"?>
+<p:sld xmlns:a="http://schemas.openxmlformats.org/drawingml/2006/main" xmlns:r="http://schemas.openxmlformats.org/officeDocument/2006/relationships" xmlns:p="http://schemas.openxmlformats.org/presentationml/2006/main">
+  <p:cSld>
+    <p:spTree>
+      <p:nvGrpSpPr>
+        <p:cNvPr id="1" name=""/>
+        <p:cNvGrpSpPr/>
+        <p:nvPr/>
+      </p:nvGrpSpPr>
+      <p:grpSpPr>
+        <a:xfrm>
+          <a:off x="0" y="0"/>
+          <a:ext cx="0" cy="0"/>
+          <a:chOff x="0" y="0"/>
+          <a:chExt cx="0" cy="0"/>
+        </a:xfrm>
+      </p:grpSpPr>
+      <p:sp>
+        <p:nvSpPr>
+          <p:cNvPr id="2" name="Title 1"/>
+          <p:cNvSpPr>
+            <a:spLocks noGrp="1"/>
+          </p:cNvSpPr>
+          <p:nvPr>
+            <p:ph type="ctrTitle"/>
+          </p:nvPr>
+        </p:nvSpPr>
+        <p:spPr>
+          <a:xfrm>
+            <a:off x="1507067" y="386366"/>
+            <a:ext cx="7766936" cy="3664470"/>
+          </a:xfrm>
+        </p:spPr>
+        <p:txBody>
+          <a:bodyPr/>
+          <a:lstStyle/>
+          <a:p>
+            <a:r>
+              <a:rPr lang="en-US" b="1"/>
+              <a:t>Item 5: Prefer dependency injection to hardwiring</a:t>
+            </a:r>
+            <a:br>
+              <a:rPr lang="en-US" b="1"/>
+            </a:br>
+            <a:r>
+              <a:rPr lang="en-US" b="1"/>
+              <a:t>resources</a:t>
+            </a:r>
+            <a:endParaRPr lang="en-US" dirty="0"/>
+          </a:p>
+        </p:txBody>
+      </p:sp>
+      <p:sp>
+        <p:nvSpPr>
+          <p:cNvPr id="3" name="Subtitle 2"/>
+          <p:cNvSpPr>
+            <a:spLocks noGrp="1"/>
+          </p:cNvSpPr>
+          <p:nvPr>
+            <p:ph type="subTitle" idx="1"/>
+          </p:nvPr>
+        </p:nvSpPr>
+        <p:spPr/>
+        <p:txBody>
+          <a:bodyPr/>
+          <a:lstStyle/>
+          <a:p>
+            <a:endParaRPr lang="en-US" dirty="0"/>
+          </a:p>
+        </p:txBody>
+      </p:sp>
+    </p:spTree>
+    <p:extLst>
+      <p:ext uri="{BB962C8B-B14F-4D97-AF65-F5344CB8AC3E}">
+        <p14:creationId xmlns:p14="http://schemas.microsoft.com/office/powerpoint/2010/main" val="3744982279"/>
+      </p:ext>
+    </p:extLst>
+  </p:cSld>
+  <p:clrMapOvr>
+    <a:masterClrMapping/>
+  </p:clrMapOvr>
+</p:sld>
+</file>
+
+<file path=ppt/slides/slide12.xml><?xml version="1.0" encoding="utf-8"?>
+<p:sld xmlns:a="http://schemas.openxmlformats.org/drawingml/2006/main" xmlns:r="http://schemas.openxmlformats.org/officeDocument/2006/relationships" xmlns:p="http://schemas.openxmlformats.org/presentationml/2006/main">
+  <p:cSld>
+    <p:spTree>
+      <p:nvGrpSpPr>
+        <p:cNvPr id="1" name=""/>
+        <p:cNvGrpSpPr/>
+        <p:nvPr/>
+      </p:nvGrpSpPr>
+      <p:grpSpPr>
+        <a:xfrm>
+          <a:off x="0" y="0"/>
+          <a:ext cx="0" cy="0"/>
+          <a:chOff x="0" y="0"/>
+          <a:chExt cx="0" cy="0"/>
+        </a:xfrm>
+      </p:grpSpPr>
+      <p:sp>
+        <p:nvSpPr>
+          <p:cNvPr id="3" name="Subtitle 2"/>
+          <p:cNvSpPr>
+            <a:spLocks noGrp="1"/>
+          </p:cNvSpPr>
+          <p:nvPr>
+            <p:ph type="subTitle" idx="1"/>
+          </p:nvPr>
+        </p:nvSpPr>
+        <p:spPr>
+          <a:xfrm>
+            <a:off x="1507067" y="321973"/>
+            <a:ext cx="7766936" cy="4825760"/>
+          </a:xfrm>
+        </p:spPr>
+        <p:txBody>
+          <a:bodyPr/>
+          <a:lstStyle/>
+          <a:p>
+            <a:pPr algn="l"/>
+            <a:r>
+              <a:rPr lang="en-US" dirty="0">
+                <a:solidFill>
+                  <a:schemeClr val="tx1"/>
+                </a:solidFill>
+              </a:rPr>
+              <a:t>Many classes depend on one or more underlying resources</a:t>
+            </a:r>
+          </a:p>
+          <a:p>
+            <a:pPr algn="l"/>
+            <a:r>
+              <a:rPr lang="en-US" dirty="0"/>
+              <a:t>Examples </a:t>
+            </a:r>
+          </a:p>
+          <a:p>
+            <a:pPr marL="342900" indent="-342900" algn="l">
+              <a:buAutoNum type="arabicPeriod"/>
+            </a:pPr>
+            <a:r>
+              <a:rPr lang="en-US" dirty="0" err="1"/>
+              <a:t>SpellChecker</a:t>
+            </a:r>
+            <a:r>
+              <a:rPr lang="en-US" dirty="0"/>
+              <a:t> &lt;--- depends on ---- Dictionary </a:t>
+            </a:r>
+          </a:p>
+          <a:p>
+            <a:pPr marL="342900" indent="-342900" algn="l">
+              <a:buAutoNum type="arabicPeriod"/>
+            </a:pPr>
+            <a:r>
+              <a:rPr lang="en-US" dirty="0"/>
+              <a:t>Car &lt;--- depends on ---- Engine</a:t>
+            </a:r>
+          </a:p>
+          <a:p>
+            <a:pPr marL="342900" indent="-342900" algn="l">
+              <a:buAutoNum type="arabicPeriod"/>
+            </a:pPr>
+            <a:r>
+              <a:rPr lang="en-US" dirty="0" err="1"/>
+              <a:t>NotifyPerson</a:t>
+            </a:r>
+            <a:r>
+              <a:rPr lang="en-US" dirty="0"/>
+              <a:t> &lt;--- depends on ---- Email Service</a:t>
+            </a:r>
+          </a:p>
+          <a:p>
+            <a:pPr algn="l"/>
+            <a:endParaRPr lang="en-US" dirty="0"/>
+          </a:p>
+          <a:p>
+            <a:pPr algn="l"/>
+            <a:r>
+              <a:rPr lang="en-US" dirty="0">
+                <a:solidFill>
+                  <a:schemeClr val="tx1"/>
+                </a:solidFill>
+              </a:rPr>
+              <a:t>Inappropriate Uses of such dependent classes </a:t>
+            </a:r>
+          </a:p>
+          <a:p>
+            <a:pPr marL="342900" indent="-342900" algn="l">
+              <a:buAutoNum type="arabicPeriod"/>
+            </a:pPr>
+            <a:r>
+              <a:rPr lang="en-US" dirty="0"/>
+              <a:t>As </a:t>
+            </a:r>
+            <a:r>
+              <a:rPr lang="en-US" b="1" dirty="0"/>
+              <a:t>static utility</a:t>
+            </a:r>
+          </a:p>
+          <a:p>
+            <a:pPr marL="342900" indent="-342900" algn="l">
+              <a:buAutoNum type="arabicPeriod"/>
+            </a:pPr>
+            <a:endParaRPr lang="en-US" dirty="0"/>
+          </a:p>
+          <a:p>
+            <a:pPr marL="342900" indent="-342900" algn="l">
+              <a:buAutoNum type="arabicPeriod"/>
+            </a:pPr>
+            <a:endParaRPr lang="en-US" dirty="0"/>
+          </a:p>
+        </p:txBody>
+      </p:sp>
+      <p:pic>
+        <p:nvPicPr>
+          <p:cNvPr id="4" name="Picture 3"/>
+          <p:cNvPicPr>
+            <a:picLocks noChangeAspect="1"/>
+          </p:cNvPicPr>
+          <p:nvPr/>
+        </p:nvPicPr>
+        <p:blipFill>
+          <a:blip r:embed="rId2">
+            <a:extLst>
+              <a:ext uri="{28A0092B-C50C-407E-A947-70E740481C1C}">
+                <a14:useLocalDpi xmlns:a14="http://schemas.microsoft.com/office/drawing/2010/main" val="0"/>
+              </a:ext>
+            </a:extLst>
+          </a:blip>
+          <a:stretch>
+            <a:fillRect/>
+          </a:stretch>
+        </p:blipFill>
+        <p:spPr>
+          <a:xfrm>
+            <a:off x="1534408" y="3588713"/>
+            <a:ext cx="6573167" cy="1895740"/>
+          </a:xfrm>
+          <a:prstGeom prst="rect">
+            <a:avLst/>
+          </a:prstGeom>
+        </p:spPr>
+      </p:pic>
+    </p:spTree>
+    <p:extLst>
+      <p:ext uri="{BB962C8B-B14F-4D97-AF65-F5344CB8AC3E}">
+        <p14:creationId xmlns:p14="http://schemas.microsoft.com/office/powerpoint/2010/main" val="2061684461"/>
+      </p:ext>
+    </p:extLst>
+  </p:cSld>
+  <p:clrMapOvr>
+    <a:masterClrMapping/>
+  </p:clrMapOvr>
+</p:sld>
+</file>
+
+<file path=ppt/slides/slide13.xml><?xml version="1.0" encoding="utf-8"?>
+<p:sld xmlns:a="http://schemas.openxmlformats.org/drawingml/2006/main" xmlns:r="http://schemas.openxmlformats.org/officeDocument/2006/relationships" xmlns:p="http://schemas.openxmlformats.org/presentationml/2006/main">
+  <p:cSld>
+    <p:spTree>
+      <p:nvGrpSpPr>
+        <p:cNvPr id="1" name=""/>
+        <p:cNvGrpSpPr/>
+        <p:nvPr/>
+      </p:nvGrpSpPr>
+      <p:grpSpPr>
+        <a:xfrm>
+          <a:off x="0" y="0"/>
+          <a:ext cx="0" cy="0"/>
+          <a:chOff x="0" y="0"/>
+          <a:chExt cx="0" cy="0"/>
+        </a:xfrm>
+      </p:grpSpPr>
+      <p:sp>
+        <p:nvSpPr>
+          <p:cNvPr id="3" name="Subtitle 2"/>
+          <p:cNvSpPr>
+            <a:spLocks noGrp="1"/>
+          </p:cNvSpPr>
+          <p:nvPr>
+            <p:ph idx="1"/>
+          </p:nvPr>
+        </p:nvSpPr>
+        <p:spPr>
+          <a:xfrm>
+            <a:off x="540913" y="296215"/>
+            <a:ext cx="8733089" cy="5745148"/>
+          </a:xfrm>
+        </p:spPr>
+        <p:txBody>
+          <a:bodyPr/>
+          <a:lstStyle/>
+          <a:p>
+            <a:pPr algn="l"/>
+            <a:r>
+              <a:rPr lang="en-US" dirty="0"/>
+              <a:t>2. As </a:t>
+            </a:r>
+            <a:r>
+              <a:rPr lang="en-US" b="1" dirty="0"/>
+              <a:t>singleton</a:t>
+            </a:r>
+          </a:p>
+          <a:p>
+            <a:pPr algn="l"/>
+            <a:endParaRPr lang="en-US" b="1" dirty="0"/>
+          </a:p>
+          <a:p>
+            <a:pPr marL="0" indent="0" algn="l">
+              <a:buNone/>
+            </a:pPr>
+            <a:endParaRPr lang="en-US" b="1" dirty="0"/>
+          </a:p>
+          <a:p>
+            <a:pPr marL="0" indent="0" algn="l">
+              <a:buNone/>
+            </a:pPr>
+            <a:endParaRPr lang="en-US" b="1" dirty="0"/>
+          </a:p>
+          <a:p>
+            <a:pPr marL="0" indent="0" algn="l">
+              <a:buNone/>
+            </a:pPr>
+            <a:endParaRPr lang="en-US" b="1" dirty="0"/>
+          </a:p>
+          <a:p>
+            <a:pPr marL="0" indent="0" algn="l">
+              <a:buNone/>
+            </a:pPr>
+            <a:endParaRPr lang="en-US" b="1" dirty="0"/>
+          </a:p>
+          <a:p>
+            <a:pPr marL="0" indent="0">
+              <a:buNone/>
+            </a:pPr>
+            <a:r>
+              <a:rPr lang="en-US" dirty="0"/>
+              <a:t>Neither of these approaches is satisfactory</a:t>
+            </a:r>
+          </a:p>
+          <a:p>
+            <a:r>
+              <a:rPr lang="en-US" dirty="0"/>
+              <a:t> They assume that there is only one dictionary worth using</a:t>
+            </a:r>
+          </a:p>
+          <a:p>
+            <a:r>
+              <a:rPr lang="en-US" dirty="0"/>
+              <a:t> Inflexible &amp; untestable</a:t>
+            </a:r>
+          </a:p>
+          <a:p>
+            <a:pPr marL="0" indent="0">
+              <a:buNone/>
+            </a:pPr>
+            <a:endParaRPr lang="en-US" dirty="0"/>
+          </a:p>
+          <a:p>
+            <a:pPr marL="342900" indent="-342900" algn="l">
+              <a:buAutoNum type="arabicPeriod"/>
+            </a:pPr>
+            <a:endParaRPr lang="en-US" dirty="0"/>
+          </a:p>
+        </p:txBody>
+      </p:sp>
+      <p:pic>
+        <p:nvPicPr>
+          <p:cNvPr id="2" name="Picture 1"/>
+          <p:cNvPicPr>
+            <a:picLocks noChangeAspect="1"/>
+          </p:cNvPicPr>
+          <p:nvPr/>
+        </p:nvPicPr>
+        <p:blipFill>
+          <a:blip r:embed="rId2">
+            <a:extLst>
+              <a:ext uri="{28A0092B-C50C-407E-A947-70E740481C1C}">
+                <a14:useLocalDpi xmlns:a14="http://schemas.microsoft.com/office/drawing/2010/main" val="0"/>
+              </a:ext>
+            </a:extLst>
+          </a:blip>
+          <a:stretch>
+            <a:fillRect/>
+          </a:stretch>
+        </p:blipFill>
+        <p:spPr>
+          <a:xfrm>
+            <a:off x="1249251" y="971114"/>
+            <a:ext cx="5325959" cy="1438476"/>
+          </a:xfrm>
+          <a:prstGeom prst="rect">
+            <a:avLst/>
+          </a:prstGeom>
+        </p:spPr>
+      </p:pic>
+    </p:spTree>
+    <p:extLst>
+      <p:ext uri="{BB962C8B-B14F-4D97-AF65-F5344CB8AC3E}">
+        <p14:creationId xmlns:p14="http://schemas.microsoft.com/office/powerpoint/2010/main" val="26381095"/>
+      </p:ext>
+    </p:extLst>
+  </p:cSld>
+  <p:clrMapOvr>
+    <a:masterClrMapping/>
+  </p:clrMapOvr>
+</p:sld>
+</file>
+
+<file path=ppt/slides/slide14.xml><?xml version="1.0" encoding="utf-8"?>
+<p:sld xmlns:a="http://schemas.openxmlformats.org/drawingml/2006/main" xmlns:r="http://schemas.openxmlformats.org/officeDocument/2006/relationships" xmlns:p="http://schemas.openxmlformats.org/presentationml/2006/main">
+  <p:cSld>
+    <p:spTree>
+      <p:nvGrpSpPr>
+        <p:cNvPr id="1" name=""/>
+        <p:cNvGrpSpPr/>
+        <p:nvPr/>
+      </p:nvGrpSpPr>
+      <p:grpSpPr>
+        <a:xfrm>
+          <a:off x="0" y="0"/>
+          <a:ext cx="0" cy="0"/>
+          <a:chOff x="0" y="0"/>
+          <a:chExt cx="0" cy="0"/>
+        </a:xfrm>
+      </p:grpSpPr>
+      <p:sp>
+        <p:nvSpPr>
+          <p:cNvPr id="3" name="Subtitle 2"/>
+          <p:cNvSpPr>
+            <a:spLocks noGrp="1"/>
+          </p:cNvSpPr>
+          <p:nvPr>
+            <p:ph idx="1"/>
+          </p:nvPr>
+        </p:nvSpPr>
+        <p:spPr>
+          <a:xfrm>
+            <a:off x="540913" y="296215"/>
+            <a:ext cx="8733089" cy="5745148"/>
+          </a:xfrm>
+        </p:spPr>
+        <p:txBody>
+          <a:bodyPr/>
+          <a:lstStyle/>
+          <a:p>
+            <a:pPr algn="l"/>
+            <a:r>
+              <a:rPr lang="en-US" dirty="0"/>
+              <a:t>Implementation with dependency injection </a:t>
+            </a:r>
+            <a:endParaRPr lang="en-US" b="1" dirty="0"/>
+          </a:p>
+          <a:p>
+            <a:pPr algn="l"/>
+            <a:endParaRPr lang="en-US" b="1" dirty="0"/>
+          </a:p>
+          <a:p>
+            <a:pPr marL="0" indent="0" algn="l">
+              <a:buNone/>
+            </a:pPr>
+            <a:endParaRPr lang="en-US" b="1" dirty="0"/>
+          </a:p>
+          <a:p>
+            <a:pPr marL="0" indent="0" algn="l">
+              <a:buNone/>
+            </a:pPr>
+            <a:endParaRPr lang="en-US" b="1" dirty="0"/>
+          </a:p>
+          <a:p>
+            <a:pPr marL="0" indent="0" algn="l">
+              <a:buNone/>
+            </a:pPr>
+            <a:endParaRPr lang="en-US" b="1" dirty="0"/>
+          </a:p>
+          <a:p>
+            <a:pPr marL="0" indent="0" algn="l">
+              <a:buNone/>
+            </a:pPr>
+            <a:endParaRPr lang="en-US" b="1" dirty="0"/>
+          </a:p>
+          <a:p>
+            <a:pPr marL="0" indent="0">
+              <a:buNone/>
+            </a:pPr>
+            <a:r>
+              <a:rPr lang="en-US" dirty="0">
+                <a:hlinkClick r:id="rId2"/>
+              </a:rPr>
+              <a:t>http://www.javacreed.com/why-should-we-use-dependency-injection/</a:t>
+            </a:r>
+            <a:endParaRPr lang="en-US" dirty="0"/>
+          </a:p>
+          <a:p>
+            <a:pPr marL="0" indent="0">
+              <a:buNone/>
+            </a:pPr>
+            <a:endParaRPr lang="en-US" dirty="0"/>
+          </a:p>
+          <a:p>
+            <a:pPr marL="0" indent="0">
+              <a:buNone/>
+            </a:pPr>
+            <a:r>
+              <a:rPr lang="en-US" dirty="0"/>
+              <a:t>Pros</a:t>
+            </a:r>
+          </a:p>
+          <a:p>
+            <a:r>
+              <a:rPr lang="en-US" dirty="0"/>
+              <a:t>Dependency injection works with an arbitrary number of resources and arbitrary dependency graphs. </a:t>
+            </a:r>
+          </a:p>
+          <a:p>
+            <a:r>
+              <a:rPr lang="en-US" dirty="0"/>
+              <a:t>It preserves immutability, so multiple clients can share dependent objects</a:t>
+            </a:r>
+          </a:p>
+          <a:p>
+            <a:r>
+              <a:rPr lang="en-US" dirty="0"/>
+              <a:t>Dependency injection is equally applicable to constructors, static factories and builders.</a:t>
+            </a:r>
+          </a:p>
+          <a:p>
+            <a:r>
+              <a:rPr lang="en-US" dirty="0"/>
+              <a:t>A useful variant of the pattern is to pass a resource </a:t>
+            </a:r>
+            <a:r>
+              <a:rPr lang="en-US" i="1" dirty="0"/>
+              <a:t>factory </a:t>
+            </a:r>
+            <a:r>
+              <a:rPr lang="en-US" dirty="0"/>
+              <a:t>to the constructor</a:t>
+            </a:r>
+          </a:p>
+          <a:p>
+            <a:pPr marL="0" indent="0">
+              <a:buNone/>
+            </a:pPr>
+            <a:endParaRPr lang="en-US" dirty="0"/>
+          </a:p>
+          <a:p>
+            <a:endParaRPr lang="en-US" dirty="0"/>
+          </a:p>
+          <a:p>
+            <a:endParaRPr lang="en-US" dirty="0"/>
+          </a:p>
+          <a:p>
+            <a:pPr marL="342900" indent="-342900" algn="l">
+              <a:buAutoNum type="arabicPeriod"/>
+            </a:pPr>
+            <a:endParaRPr lang="en-US" dirty="0"/>
+          </a:p>
+        </p:txBody>
+      </p:sp>
+      <p:pic>
+        <p:nvPicPr>
+          <p:cNvPr id="4" name="Picture 3"/>
+          <p:cNvPicPr>
+            <a:picLocks noChangeAspect="1"/>
+          </p:cNvPicPr>
+          <p:nvPr/>
+        </p:nvPicPr>
+        <p:blipFill>
+          <a:blip r:embed="rId3">
+            <a:extLst>
+              <a:ext uri="{28A0092B-C50C-407E-A947-70E740481C1C}">
+                <a14:useLocalDpi xmlns:a14="http://schemas.microsoft.com/office/drawing/2010/main" val="0"/>
+              </a:ext>
+            </a:extLst>
+          </a:blip>
+          <a:stretch>
+            <a:fillRect/>
+          </a:stretch>
+        </p:blipFill>
+        <p:spPr>
+          <a:xfrm>
+            <a:off x="997158" y="872151"/>
+            <a:ext cx="5020376" cy="1790950"/>
+          </a:xfrm>
+          <a:prstGeom prst="rect">
+            <a:avLst/>
+          </a:prstGeom>
+        </p:spPr>
+      </p:pic>
+    </p:spTree>
+    <p:extLst>
+      <p:ext uri="{BB962C8B-B14F-4D97-AF65-F5344CB8AC3E}">
+        <p14:creationId xmlns:p14="http://schemas.microsoft.com/office/powerpoint/2010/main" val="1015747885"/>
+      </p:ext>
+    </p:extLst>
+  </p:cSld>
+  <p:clrMapOvr>
+    <a:masterClrMapping/>
+  </p:clrMapOvr>
+</p:sld>
+</file>
+
+<file path=ppt/slides/slide15.xml><?xml version="1.0" encoding="utf-8"?>
+<p:sld xmlns:a="http://schemas.openxmlformats.org/drawingml/2006/main" xmlns:r="http://schemas.openxmlformats.org/officeDocument/2006/relationships" xmlns:p="http://schemas.openxmlformats.org/presentationml/2006/main">
+  <p:cSld>
+    <p:spTree>
+      <p:nvGrpSpPr>
+        <p:cNvPr id="1" name=""/>
+        <p:cNvGrpSpPr/>
+        <p:nvPr/>
+      </p:nvGrpSpPr>
+      <p:grpSpPr>
+        <a:xfrm>
+          <a:off x="0" y="0"/>
+          <a:ext cx="0" cy="0"/>
+          <a:chOff x="0" y="0"/>
+          <a:chExt cx="0" cy="0"/>
+        </a:xfrm>
+      </p:grpSpPr>
+      <p:sp>
+        <p:nvSpPr>
+          <p:cNvPr id="3" name="Subtitle 2"/>
+          <p:cNvSpPr>
+            <a:spLocks noGrp="1"/>
+          </p:cNvSpPr>
+          <p:nvPr>
+            <p:ph idx="1"/>
+          </p:nvPr>
+        </p:nvSpPr>
+        <p:spPr>
+          <a:xfrm>
+            <a:off x="540913" y="296215"/>
+            <a:ext cx="8733089" cy="5745148"/>
+          </a:xfrm>
+        </p:spPr>
+        <p:txBody>
+          <a:bodyPr/>
+          <a:lstStyle/>
+          <a:p>
+            <a:pPr marL="0" indent="0" algn="l">
+              <a:buNone/>
+            </a:pPr>
+            <a:r>
+              <a:rPr lang="en-US" b="1" dirty="0"/>
+              <a:t>Cons</a:t>
+            </a:r>
+          </a:p>
+          <a:p>
+            <a:r>
+              <a:rPr lang="en-US" dirty="0"/>
+              <a:t>It can clutter up large projects, which typically contain thousands of dependencies.</a:t>
+            </a:r>
+          </a:p>
+          <a:p>
+            <a:endParaRPr lang="en-US" dirty="0"/>
+          </a:p>
+          <a:p>
+            <a:pPr marL="0" indent="0">
+              <a:buNone/>
+            </a:pPr>
+            <a:r>
+              <a:rPr lang="en-US" dirty="0"/>
+              <a:t>-- This clutter can be all but eliminated by using a </a:t>
+            </a:r>
+            <a:r>
+              <a:rPr lang="en-US" i="1" dirty="0"/>
+              <a:t>dependency injection framework</a:t>
+            </a:r>
+            <a:r>
+              <a:rPr lang="en-US" dirty="0"/>
+              <a:t>, such as Dagger, </a:t>
+            </a:r>
+            <a:r>
+              <a:rPr lang="en-US" dirty="0" err="1"/>
+              <a:t>Guice</a:t>
+            </a:r>
+            <a:r>
+              <a:rPr lang="en-US" dirty="0"/>
+              <a:t> or Spring.</a:t>
+            </a:r>
+          </a:p>
+          <a:p>
+            <a:pPr marL="342900" indent="-342900" algn="l">
+              <a:buAutoNum type="arabicPeriod"/>
+            </a:pPr>
+            <a:endParaRPr lang="en-US" dirty="0"/>
+          </a:p>
+        </p:txBody>
+      </p:sp>
+    </p:spTree>
+    <p:extLst>
+      <p:ext uri="{BB962C8B-B14F-4D97-AF65-F5344CB8AC3E}">
+        <p14:creationId xmlns:p14="http://schemas.microsoft.com/office/powerpoint/2010/main" val="2021245648"/>
+      </p:ext>
+    </p:extLst>
+  </p:cSld>
+  <p:clrMapOvr>
+    <a:masterClrMapping/>
+  </p:clrMapOvr>
+</p:sld>
+</file>
+
+<file path=ppt/slides/slide16.xml><?xml version="1.0" encoding="utf-8"?>
+<p:sld xmlns:a="http://schemas.openxmlformats.org/drawingml/2006/main" xmlns:r="http://schemas.openxmlformats.org/officeDocument/2006/relationships" xmlns:p="http://schemas.openxmlformats.org/presentationml/2006/main">
+  <p:cSld>
+    <p:spTree>
+      <p:nvGrpSpPr>
+        <p:cNvPr id="1" name=""/>
+        <p:cNvGrpSpPr/>
+        <p:nvPr/>
+      </p:nvGrpSpPr>
+      <p:grpSpPr>
+        <a:xfrm>
+          <a:off x="0" y="0"/>
+          <a:ext cx="0" cy="0"/>
+          <a:chOff x="0" y="0"/>
+          <a:chExt cx="0" cy="0"/>
+        </a:xfrm>
+      </p:grpSpPr>
+      <p:sp>
+        <p:nvSpPr>
+          <p:cNvPr id="3" name="Subtitle 2"/>
+          <p:cNvSpPr>
+            <a:spLocks noGrp="1"/>
+          </p:cNvSpPr>
+          <p:nvPr>
+            <p:ph idx="1"/>
+          </p:nvPr>
+        </p:nvSpPr>
+        <p:spPr>
+          <a:xfrm>
+            <a:off x="540913" y="296215"/>
+            <a:ext cx="8733089" cy="5745148"/>
+          </a:xfrm>
+        </p:spPr>
+        <p:txBody>
+          <a:bodyPr/>
+          <a:lstStyle/>
+          <a:p>
+            <a:pPr marL="0" indent="0" algn="l">
+              <a:buNone/>
+            </a:pPr>
+            <a:r>
+              <a:rPr lang="en-US" dirty="0"/>
+              <a:t>Item 5 : Summary </a:t>
+            </a:r>
+          </a:p>
+          <a:p>
+            <a:r>
+              <a:rPr lang="en-US" b="1" dirty="0"/>
+              <a:t>Static utility classes and singletons are inappropriate for classes whose behavior is parameterized by an underlying resource.</a:t>
+            </a:r>
+          </a:p>
+          <a:p>
+            <a:r>
+              <a:rPr lang="en-US" dirty="0"/>
+              <a:t>Instead, pass the resources, or factories to create them, into the constructor (or static factory or builder). This practice, known as dependency injection, will greatly enhance the flexibility, reusability, and testability of a class.</a:t>
+            </a:r>
+          </a:p>
+          <a:p>
+            <a:pPr algn="l"/>
+            <a:endParaRPr lang="en-US" dirty="0"/>
+          </a:p>
+          <a:p>
+            <a:pPr marL="342900" indent="-342900" algn="l">
+              <a:buAutoNum type="arabicPeriod"/>
+            </a:pPr>
+            <a:endParaRPr lang="en-US" dirty="0"/>
+          </a:p>
+        </p:txBody>
+      </p:sp>
+    </p:spTree>
+    <p:extLst>
+      <p:ext uri="{BB962C8B-B14F-4D97-AF65-F5344CB8AC3E}">
+        <p14:creationId xmlns:p14="http://schemas.microsoft.com/office/powerpoint/2010/main" val="4146752217"/>
+      </p:ext>
+    </p:extLst>
+  </p:cSld>
+  <p:clrMapOvr>
+    <a:masterClrMapping/>
+  </p:clrMapOvr>
+</p:sld>
+</file>
+
+<file path=ppt/slides/slide17.xml><?xml version="1.0" encoding="utf-8"?>
+<p:sld xmlns:a="http://schemas.openxmlformats.org/drawingml/2006/main" xmlns:r="http://schemas.openxmlformats.org/officeDocument/2006/relationships" xmlns:p="http://schemas.openxmlformats.org/presentationml/2006/main">
+  <p:cSld>
+    <p:spTree>
+      <p:nvGrpSpPr>
+        <p:cNvPr id="1" name=""/>
+        <p:cNvGrpSpPr/>
+        <p:nvPr/>
+      </p:nvGrpSpPr>
+      <p:grpSpPr>
+        <a:xfrm>
+          <a:off x="0" y="0"/>
+          <a:ext cx="0" cy="0"/>
+          <a:chOff x="0" y="0"/>
+          <a:chExt cx="0" cy="0"/>
+        </a:xfrm>
+      </p:grpSpPr>
+      <p:sp>
+        <p:nvSpPr>
+          <p:cNvPr id="2" name="Title 1"/>
+          <p:cNvSpPr>
+            <a:spLocks noGrp="1"/>
+          </p:cNvSpPr>
+          <p:nvPr>
+            <p:ph type="ctrTitle"/>
+          </p:nvPr>
+        </p:nvSpPr>
+        <p:spPr/>
+        <p:txBody>
+          <a:bodyPr/>
+          <a:lstStyle/>
+          <a:p>
+            <a:r>
+              <a:rPr lang="en-US" b="1" dirty="0"/>
+              <a:t>Item 6: Avoid creating unnecessary objects</a:t>
+            </a:r>
+            <a:endParaRPr lang="en-US" dirty="0"/>
+          </a:p>
+        </p:txBody>
+      </p:sp>
+      <p:sp>
+        <p:nvSpPr>
+          <p:cNvPr id="3" name="Subtitle 2"/>
+          <p:cNvSpPr>
+            <a:spLocks noGrp="1"/>
+          </p:cNvSpPr>
+          <p:nvPr>
+            <p:ph type="subTitle" idx="1"/>
+          </p:nvPr>
+        </p:nvSpPr>
+        <p:spPr/>
+        <p:txBody>
+          <a:bodyPr/>
+          <a:lstStyle/>
+          <a:p>
+            <a:endParaRPr lang="en-US"/>
+          </a:p>
+        </p:txBody>
+      </p:sp>
+    </p:spTree>
+    <p:extLst>
+      <p:ext uri="{BB962C8B-B14F-4D97-AF65-F5344CB8AC3E}">
+        <p14:creationId xmlns:p14="http://schemas.microsoft.com/office/powerpoint/2010/main" val="1172101137"/>
+      </p:ext>
+    </p:extLst>
+  </p:cSld>
+  <p:clrMapOvr>
+    <a:masterClrMapping/>
+  </p:clrMapOvr>
+</p:sld>
+</file>
+
+<file path=ppt/slides/slide18.xml><?xml version="1.0" encoding="utf-8"?>
+<p:sld xmlns:a="http://schemas.openxmlformats.org/drawingml/2006/main" xmlns:r="http://schemas.openxmlformats.org/officeDocument/2006/relationships" xmlns:p="http://schemas.openxmlformats.org/presentationml/2006/main">
+  <p:cSld>
+    <p:spTree>
+      <p:nvGrpSpPr>
+        <p:cNvPr id="1" name=""/>
+        <p:cNvGrpSpPr/>
+        <p:nvPr/>
+      </p:nvGrpSpPr>
+      <p:grpSpPr>
+        <a:xfrm>
+          <a:off x="0" y="0"/>
+          <a:ext cx="0" cy="0"/>
+          <a:chOff x="0" y="0"/>
+          <a:chExt cx="0" cy="0"/>
+        </a:xfrm>
+      </p:grpSpPr>
+      <p:sp>
+        <p:nvSpPr>
+          <p:cNvPr id="3" name="Content Placeholder 2"/>
+          <p:cNvSpPr>
+            <a:spLocks noGrp="1"/>
+          </p:cNvSpPr>
+          <p:nvPr>
+            <p:ph idx="1"/>
+          </p:nvPr>
+        </p:nvSpPr>
+        <p:spPr>
+          <a:xfrm>
+            <a:off x="677334" y="592428"/>
+            <a:ext cx="8596668" cy="5448935"/>
+          </a:xfrm>
+        </p:spPr>
+        <p:txBody>
+          <a:bodyPr>
+            <a:normAutofit/>
+          </a:bodyPr>
+          <a:lstStyle/>
+          <a:p>
+            <a:pPr marL="0" indent="0">
+              <a:buNone/>
+            </a:pPr>
+            <a:r>
+              <a:rPr lang="en-US" b="1" dirty="0">
+                <a:solidFill>
+                  <a:srgbClr val="00B050"/>
+                </a:solidFill>
+              </a:rPr>
+              <a:t>Case 1 </a:t>
+            </a:r>
+          </a:p>
+          <a:p>
+            <a:r>
+              <a:rPr lang="en-US" dirty="0"/>
+              <a:t>String s = new String(“ABC”);</a:t>
+            </a:r>
+          </a:p>
+          <a:p>
+            <a:r>
+              <a:rPr lang="en-US" dirty="0"/>
+              <a:t>The statement creates a new String instance each time it is executed, and none of those object creations is necessary</a:t>
+            </a:r>
+          </a:p>
+          <a:p>
+            <a:r>
+              <a:rPr lang="en-US" dirty="0"/>
+              <a:t>String s = “ABC”;</a:t>
+            </a:r>
+          </a:p>
+          <a:p>
+            <a:r>
+              <a:rPr lang="en-US" dirty="0"/>
+              <a:t>This version uses a single String instance, rather than creating a new one each time it is executed. Furthermore, it is guaranteed that the object will be reused by any other code running in the same virtual machine that happens to contain the same string literal</a:t>
+            </a:r>
+          </a:p>
+          <a:p>
+            <a:pPr marL="0" indent="0">
+              <a:buNone/>
+            </a:pPr>
+            <a:endParaRPr lang="en-US" b="1" dirty="0">
+              <a:solidFill>
+                <a:srgbClr val="00B050"/>
+              </a:solidFill>
+            </a:endParaRPr>
+          </a:p>
+          <a:p>
+            <a:pPr marL="0" indent="0">
+              <a:buNone/>
+            </a:pPr>
+            <a:endParaRPr lang="en-US" b="1" dirty="0">
+              <a:solidFill>
+                <a:srgbClr val="00B050"/>
+              </a:solidFill>
+            </a:endParaRPr>
+          </a:p>
+          <a:p>
+            <a:pPr marL="0" indent="0">
+              <a:buNone/>
+            </a:pPr>
+            <a:endParaRPr lang="en-US" b="1" dirty="0">
+              <a:solidFill>
+                <a:srgbClr val="00B050"/>
+              </a:solidFill>
+            </a:endParaRPr>
+          </a:p>
+          <a:p>
+            <a:pPr marL="0" indent="0">
+              <a:buNone/>
+            </a:pPr>
+            <a:endParaRPr lang="en-US" dirty="0"/>
+          </a:p>
+          <a:p>
+            <a:pPr marL="0" indent="0">
+              <a:buNone/>
+            </a:pPr>
+            <a:endParaRPr lang="en-US" dirty="0"/>
+          </a:p>
+        </p:txBody>
+      </p:sp>
+    </p:spTree>
+    <p:extLst>
+      <p:ext uri="{BB962C8B-B14F-4D97-AF65-F5344CB8AC3E}">
+        <p14:creationId xmlns:p14="http://schemas.microsoft.com/office/powerpoint/2010/main" val="3420981621"/>
+      </p:ext>
+    </p:extLst>
+  </p:cSld>
+  <p:clrMapOvr>
+    <a:masterClrMapping/>
+  </p:clrMapOvr>
+</p:sld>
+</file>
+
+<file path=ppt/slides/slide19.xml><?xml version="1.0" encoding="utf-8"?>
+<p:sld xmlns:a="http://schemas.openxmlformats.org/drawingml/2006/main" xmlns:r="http://schemas.openxmlformats.org/officeDocument/2006/relationships" xmlns:p="http://schemas.openxmlformats.org/presentationml/2006/main">
+  <p:cSld>
+    <p:spTree>
+      <p:nvGrpSpPr>
+        <p:cNvPr id="1" name=""/>
+        <p:cNvGrpSpPr/>
+        <p:nvPr/>
+      </p:nvGrpSpPr>
+      <p:grpSpPr>
+        <a:xfrm>
+          <a:off x="0" y="0"/>
+          <a:ext cx="0" cy="0"/>
+          <a:chOff x="0" y="0"/>
+          <a:chExt cx="0" cy="0"/>
+        </a:xfrm>
+      </p:grpSpPr>
+      <p:sp>
+        <p:nvSpPr>
+          <p:cNvPr id="3" name="Content Placeholder 2"/>
+          <p:cNvSpPr>
+            <a:spLocks noGrp="1"/>
+          </p:cNvSpPr>
+          <p:nvPr>
+            <p:ph idx="1"/>
+          </p:nvPr>
+        </p:nvSpPr>
+        <p:spPr>
+          <a:xfrm>
+            <a:off x="677334" y="373487"/>
+            <a:ext cx="8596668" cy="5962919"/>
+          </a:xfrm>
+        </p:spPr>
+        <p:txBody>
+          <a:bodyPr>
+            <a:normAutofit fontScale="92500" lnSpcReduction="20000"/>
+          </a:bodyPr>
+          <a:lstStyle/>
+          <a:p>
+            <a:pPr marL="0" indent="0">
+              <a:buNone/>
+            </a:pPr>
+            <a:r>
+              <a:rPr lang="en-US" b="1" dirty="0">
+                <a:solidFill>
+                  <a:srgbClr val="00B050"/>
+                </a:solidFill>
+              </a:rPr>
+              <a:t>Case 2</a:t>
+            </a:r>
+            <a:endParaRPr lang="en-US" dirty="0"/>
+          </a:p>
+          <a:p>
+            <a:pPr marL="0" indent="0">
+              <a:buNone/>
+            </a:pPr>
+            <a:r>
+              <a:rPr lang="en-US" dirty="0"/>
+              <a:t>static </a:t>
+            </a:r>
+            <a:r>
+              <a:rPr lang="en-US" dirty="0" err="1"/>
+              <a:t>boolean</a:t>
+            </a:r>
+            <a:r>
+              <a:rPr lang="en-US" dirty="0"/>
+              <a:t> </a:t>
+            </a:r>
+            <a:r>
+              <a:rPr lang="en-US" dirty="0" err="1"/>
+              <a:t>isRomanNumeral</a:t>
+            </a:r>
+            <a:r>
+              <a:rPr lang="en-US" dirty="0"/>
+              <a:t>(String s) {</a:t>
+            </a:r>
+          </a:p>
+          <a:p>
+            <a:pPr marL="0" indent="0">
+              <a:buNone/>
+            </a:pPr>
+            <a:r>
+              <a:rPr lang="en-US" dirty="0"/>
+              <a:t>	return </a:t>
+            </a:r>
+            <a:r>
+              <a:rPr lang="en-US" dirty="0" err="1"/>
+              <a:t>s.</a:t>
+            </a:r>
+            <a:r>
+              <a:rPr lang="en-US" dirty="0" err="1">
+                <a:solidFill>
+                  <a:srgbClr val="FF0000"/>
+                </a:solidFill>
+              </a:rPr>
+              <a:t>matches</a:t>
+            </a:r>
+            <a:r>
+              <a:rPr lang="en-US" dirty="0"/>
+              <a:t>("^(?=.)M*(C[MD]|D?C{0,3})"+</a:t>
+            </a:r>
+          </a:p>
+          <a:p>
+            <a:pPr marL="0" indent="0">
+              <a:buNone/>
+            </a:pPr>
+            <a:r>
+              <a:rPr lang="en-US" dirty="0"/>
+              <a:t>	"(X[CL]|L?X{0,3})(I[XV]|V?I{0,3})$");</a:t>
+            </a:r>
+          </a:p>
+          <a:p>
+            <a:pPr marL="0" indent="0">
+              <a:buNone/>
+            </a:pPr>
+            <a:r>
+              <a:rPr lang="en-US" dirty="0"/>
+              <a:t>}</a:t>
+            </a:r>
+          </a:p>
+          <a:p>
+            <a:r>
+              <a:rPr lang="en-US" dirty="0"/>
+              <a:t>String </a:t>
+            </a:r>
+            <a:r>
+              <a:rPr lang="en-US" dirty="0">
+                <a:solidFill>
+                  <a:srgbClr val="FF0000"/>
+                </a:solidFill>
+              </a:rPr>
+              <a:t>matches</a:t>
+            </a:r>
+            <a:r>
+              <a:rPr lang="en-US" dirty="0"/>
+              <a:t> : internally creates a Pattern instance for the regular expression and uses it only once, after which it becomes eligible for garbage collection. Creating a Pattern instance is expensive because it requires compiling the regular expression into a finite state machine.</a:t>
+            </a:r>
+          </a:p>
+          <a:p>
+            <a:pPr marL="0" indent="0">
+              <a:buNone/>
+            </a:pPr>
+            <a:endParaRPr lang="en-US" dirty="0"/>
+          </a:p>
+          <a:p>
+            <a:pPr marL="0" indent="0">
+              <a:buNone/>
+            </a:pPr>
+            <a:r>
+              <a:rPr lang="en-US" dirty="0"/>
+              <a:t>public class </a:t>
+            </a:r>
+            <a:r>
+              <a:rPr lang="en-US" dirty="0" err="1"/>
+              <a:t>RomanNumerals</a:t>
+            </a:r>
+            <a:r>
+              <a:rPr lang="en-US" dirty="0"/>
+              <a:t> {</a:t>
+            </a:r>
+          </a:p>
+          <a:p>
+            <a:pPr marL="0" indent="0">
+              <a:buNone/>
+            </a:pPr>
+            <a:r>
+              <a:rPr lang="en-US" dirty="0"/>
+              <a:t>	private </a:t>
+            </a:r>
+            <a:r>
+              <a:rPr lang="en-US" dirty="0">
+                <a:solidFill>
+                  <a:srgbClr val="FF0000"/>
+                </a:solidFill>
+              </a:rPr>
+              <a:t>static final Pattern </a:t>
+            </a:r>
+            <a:r>
+              <a:rPr lang="en-US" dirty="0"/>
+              <a:t>ROMAN = </a:t>
+            </a:r>
+            <a:r>
+              <a:rPr lang="en-US" dirty="0" err="1"/>
+              <a:t>Pattern.compile</a:t>
+            </a:r>
+            <a:r>
+              <a:rPr lang="en-US" dirty="0"/>
+              <a:t>("^(?=.)M*(C[MD]|D?C{0,3})"</a:t>
+            </a:r>
+          </a:p>
+          <a:p>
+            <a:pPr marL="0" indent="0">
+              <a:buNone/>
+            </a:pPr>
+            <a:r>
+              <a:rPr lang="en-US" dirty="0"/>
+              <a:t>	+ "(X[CL]|L?X{0,3})(I[XV]|V?I{0,3})$");</a:t>
+            </a:r>
+          </a:p>
+          <a:p>
+            <a:pPr marL="0" indent="0">
+              <a:buNone/>
+            </a:pPr>
+            <a:endParaRPr lang="en-US" dirty="0"/>
+          </a:p>
+          <a:p>
+            <a:pPr marL="0" indent="0">
+              <a:buNone/>
+            </a:pPr>
+            <a:r>
+              <a:rPr lang="en-US" dirty="0"/>
+              <a:t>	static </a:t>
+            </a:r>
+            <a:r>
+              <a:rPr lang="en-US" dirty="0" err="1"/>
+              <a:t>boolean</a:t>
+            </a:r>
+            <a:r>
+              <a:rPr lang="en-US" dirty="0"/>
+              <a:t> </a:t>
+            </a:r>
+            <a:r>
+              <a:rPr lang="en-US" dirty="0" err="1"/>
+              <a:t>isRomanNumeral</a:t>
+            </a:r>
+            <a:r>
+              <a:rPr lang="en-US" dirty="0"/>
+              <a:t>(String s) {</a:t>
+            </a:r>
+          </a:p>
+          <a:p>
+            <a:pPr marL="0" indent="0">
+              <a:buNone/>
+            </a:pPr>
+            <a:r>
+              <a:rPr lang="en-US" dirty="0"/>
+              <a:t>		return </a:t>
+            </a:r>
+            <a:r>
+              <a:rPr lang="en-US" dirty="0" err="1"/>
+              <a:t>ROMAN.matcher</a:t>
+            </a:r>
+            <a:r>
+              <a:rPr lang="en-US" dirty="0"/>
+              <a:t>(s).matches();</a:t>
+            </a:r>
+          </a:p>
+          <a:p>
+            <a:pPr marL="0" indent="0">
+              <a:buNone/>
+            </a:pPr>
+            <a:r>
+              <a:rPr lang="en-US" dirty="0"/>
+              <a:t>	}</a:t>
+            </a:r>
+          </a:p>
+          <a:p>
+            <a:pPr marL="0" indent="0">
+              <a:buNone/>
+            </a:pPr>
+            <a:r>
+              <a:rPr lang="en-US" dirty="0"/>
+              <a:t>}</a:t>
+            </a:r>
+          </a:p>
+          <a:p>
+            <a:pPr marL="0" indent="0">
+              <a:buNone/>
+            </a:pPr>
+            <a:endParaRPr lang="en-US" dirty="0"/>
+          </a:p>
+          <a:p>
+            <a:pPr marL="0" indent="0">
+              <a:buNone/>
+            </a:pPr>
+            <a:endParaRPr lang="en-US" dirty="0"/>
+          </a:p>
+        </p:txBody>
+      </p:sp>
+    </p:spTree>
+    <p:extLst>
+      <p:ext uri="{BB962C8B-B14F-4D97-AF65-F5344CB8AC3E}">
+        <p14:creationId xmlns:p14="http://schemas.microsoft.com/office/powerpoint/2010/main" val="3614038866"/>
       </p:ext>
     </p:extLst>
   </p:cSld>
@@ -6178,6 +9853,561 @@
     <p:extLst>
       <p:ext uri="{BB962C8B-B14F-4D97-AF65-F5344CB8AC3E}">
         <p14:creationId xmlns:p14="http://schemas.microsoft.com/office/powerpoint/2010/main" val="3915642190"/>
+      </p:ext>
+    </p:extLst>
+  </p:cSld>
+  <p:clrMapOvr>
+    <a:masterClrMapping/>
+  </p:clrMapOvr>
+</p:sld>
+</file>
+
+<file path=ppt/slides/slide20.xml><?xml version="1.0" encoding="utf-8"?>
+<p:sld xmlns:a="http://schemas.openxmlformats.org/drawingml/2006/main" xmlns:r="http://schemas.openxmlformats.org/officeDocument/2006/relationships" xmlns:p="http://schemas.openxmlformats.org/presentationml/2006/main">
+  <p:cSld>
+    <p:spTree>
+      <p:nvGrpSpPr>
+        <p:cNvPr id="1" name=""/>
+        <p:cNvGrpSpPr/>
+        <p:nvPr/>
+      </p:nvGrpSpPr>
+      <p:grpSpPr>
+        <a:xfrm>
+          <a:off x="0" y="0"/>
+          <a:ext cx="0" cy="0"/>
+          <a:chOff x="0" y="0"/>
+          <a:chExt cx="0" cy="0"/>
+        </a:xfrm>
+      </p:grpSpPr>
+      <p:sp>
+        <p:nvSpPr>
+          <p:cNvPr id="3" name="Content Placeholder 2"/>
+          <p:cNvSpPr>
+            <a:spLocks noGrp="1"/>
+          </p:cNvSpPr>
+          <p:nvPr>
+            <p:ph idx="1"/>
+          </p:nvPr>
+        </p:nvSpPr>
+        <p:spPr>
+          <a:xfrm>
+            <a:off x="677334" y="425003"/>
+            <a:ext cx="8596668" cy="5616359"/>
+          </a:xfrm>
+        </p:spPr>
+        <p:txBody>
+          <a:bodyPr>
+            <a:normAutofit/>
+          </a:bodyPr>
+          <a:lstStyle/>
+          <a:p>
+            <a:pPr marL="0" indent="0">
+              <a:buNone/>
+            </a:pPr>
+            <a:r>
+              <a:rPr lang="en-US" b="1" dirty="0">
+                <a:solidFill>
+                  <a:srgbClr val="00B050"/>
+                </a:solidFill>
+              </a:rPr>
+              <a:t>Case 3</a:t>
+            </a:r>
+            <a:endParaRPr lang="en-US" b="1" dirty="0"/>
+          </a:p>
+          <a:p>
+            <a:r>
+              <a:rPr lang="en-US" b="1" dirty="0"/>
+              <a:t>Can you spot the object creation ?</a:t>
+            </a:r>
+          </a:p>
+          <a:p>
+            <a:pPr marL="0" indent="0">
+              <a:buNone/>
+            </a:pPr>
+            <a:endParaRPr lang="en-US" b="1" dirty="0"/>
+          </a:p>
+          <a:p>
+            <a:pPr marL="0" indent="0">
+              <a:buNone/>
+            </a:pPr>
+            <a:r>
+              <a:rPr lang="en-US" dirty="0"/>
+              <a:t>private static long sum() {</a:t>
+            </a:r>
+          </a:p>
+          <a:p>
+            <a:pPr marL="0" indent="0">
+              <a:buNone/>
+            </a:pPr>
+            <a:r>
+              <a:rPr lang="en-US" dirty="0"/>
+              <a:t> 	</a:t>
+            </a:r>
+            <a:r>
+              <a:rPr lang="en-US" dirty="0">
+                <a:solidFill>
+                  <a:schemeClr val="tx1"/>
+                </a:solidFill>
+              </a:rPr>
+              <a:t>Long</a:t>
+            </a:r>
+            <a:r>
+              <a:rPr lang="en-US" dirty="0">
+                <a:solidFill>
+                  <a:srgbClr val="FF0000"/>
+                </a:solidFill>
+              </a:rPr>
+              <a:t> </a:t>
+            </a:r>
+            <a:r>
+              <a:rPr lang="en-US" dirty="0"/>
+              <a:t>sum = 0L;</a:t>
+            </a:r>
+          </a:p>
+          <a:p>
+            <a:pPr marL="0" indent="0">
+              <a:buNone/>
+            </a:pPr>
+            <a:r>
+              <a:rPr lang="en-US" dirty="0"/>
+              <a:t>	for (long </a:t>
+            </a:r>
+            <a:r>
+              <a:rPr lang="en-US" dirty="0" err="1"/>
+              <a:t>i</a:t>
+            </a:r>
+            <a:r>
+              <a:rPr lang="en-US" dirty="0"/>
+              <a:t> = 0; </a:t>
+            </a:r>
+            <a:r>
+              <a:rPr lang="en-US" dirty="0" err="1"/>
+              <a:t>i</a:t>
+            </a:r>
+            <a:r>
+              <a:rPr lang="en-US" dirty="0"/>
+              <a:t> &lt;= </a:t>
+            </a:r>
+            <a:r>
+              <a:rPr lang="en-US" dirty="0" err="1"/>
+              <a:t>Integer.MAX_VALUE</a:t>
+            </a:r>
+            <a:r>
+              <a:rPr lang="en-US" dirty="0"/>
+              <a:t>; </a:t>
+            </a:r>
+            <a:r>
+              <a:rPr lang="en-US" dirty="0" err="1"/>
+              <a:t>i</a:t>
+            </a:r>
+            <a:r>
+              <a:rPr lang="en-US" dirty="0"/>
+              <a:t>++) {</a:t>
+            </a:r>
+          </a:p>
+          <a:p>
+            <a:pPr marL="0" indent="0">
+              <a:buNone/>
+            </a:pPr>
+            <a:r>
+              <a:rPr lang="en-US" dirty="0"/>
+              <a:t>		sum += </a:t>
+            </a:r>
+            <a:r>
+              <a:rPr lang="en-US" dirty="0" err="1"/>
+              <a:t>i</a:t>
+            </a:r>
+            <a:r>
+              <a:rPr lang="en-US" dirty="0"/>
+              <a:t>;</a:t>
+            </a:r>
+          </a:p>
+          <a:p>
+            <a:pPr marL="0" indent="0">
+              <a:buNone/>
+            </a:pPr>
+            <a:r>
+              <a:rPr lang="en-US" dirty="0"/>
+              <a:t>	}	</a:t>
+            </a:r>
+          </a:p>
+          <a:p>
+            <a:pPr marL="0" indent="0">
+              <a:buNone/>
+            </a:pPr>
+            <a:r>
+              <a:rPr lang="en-US" dirty="0"/>
+              <a:t>	return sum;</a:t>
+            </a:r>
+          </a:p>
+          <a:p>
+            <a:pPr marL="0" indent="0">
+              <a:buNone/>
+            </a:pPr>
+            <a:r>
+              <a:rPr lang="en-US" dirty="0"/>
+              <a:t>}</a:t>
+            </a:r>
+          </a:p>
+        </p:txBody>
+      </p:sp>
+    </p:spTree>
+    <p:extLst>
+      <p:ext uri="{BB962C8B-B14F-4D97-AF65-F5344CB8AC3E}">
+        <p14:creationId xmlns:p14="http://schemas.microsoft.com/office/powerpoint/2010/main" val="1245047968"/>
+      </p:ext>
+    </p:extLst>
+  </p:cSld>
+  <p:clrMapOvr>
+    <a:masterClrMapping/>
+  </p:clrMapOvr>
+</p:sld>
+</file>
+
+<file path=ppt/slides/slide21.xml><?xml version="1.0" encoding="utf-8"?>
+<p:sld xmlns:a="http://schemas.openxmlformats.org/drawingml/2006/main" xmlns:r="http://schemas.openxmlformats.org/officeDocument/2006/relationships" xmlns:p="http://schemas.openxmlformats.org/presentationml/2006/main">
+  <p:cSld>
+    <p:spTree>
+      <p:nvGrpSpPr>
+        <p:cNvPr id="1" name=""/>
+        <p:cNvGrpSpPr/>
+        <p:nvPr/>
+      </p:nvGrpSpPr>
+      <p:grpSpPr>
+        <a:xfrm>
+          <a:off x="0" y="0"/>
+          <a:ext cx="0" cy="0"/>
+          <a:chOff x="0" y="0"/>
+          <a:chExt cx="0" cy="0"/>
+        </a:xfrm>
+      </p:grpSpPr>
+      <p:sp>
+        <p:nvSpPr>
+          <p:cNvPr id="3" name="Content Placeholder 2"/>
+          <p:cNvSpPr>
+            <a:spLocks noGrp="1"/>
+          </p:cNvSpPr>
+          <p:nvPr>
+            <p:ph idx="1"/>
+          </p:nvPr>
+        </p:nvSpPr>
+        <p:spPr>
+          <a:xfrm>
+            <a:off x="677334" y="656823"/>
+            <a:ext cx="8596668" cy="5384539"/>
+          </a:xfrm>
+        </p:spPr>
+        <p:txBody>
+          <a:bodyPr>
+            <a:normAutofit lnSpcReduction="10000"/>
+          </a:bodyPr>
+          <a:lstStyle/>
+          <a:p>
+            <a:pPr marL="0" indent="0">
+              <a:buNone/>
+            </a:pPr>
+            <a:r>
+              <a:rPr lang="en-US" b="1" dirty="0">
+                <a:solidFill>
+                  <a:srgbClr val="00B050"/>
+                </a:solidFill>
+              </a:rPr>
+              <a:t>Case 3</a:t>
+            </a:r>
+            <a:endParaRPr lang="en-US" b="1" dirty="0"/>
+          </a:p>
+          <a:p>
+            <a:r>
+              <a:rPr lang="en-US" b="1" dirty="0"/>
+              <a:t>Can you spot the object creation ?</a:t>
+            </a:r>
+          </a:p>
+          <a:p>
+            <a:pPr marL="0" indent="0">
+              <a:buNone/>
+            </a:pPr>
+            <a:endParaRPr lang="en-US" b="1" dirty="0"/>
+          </a:p>
+          <a:p>
+            <a:pPr marL="0" indent="0">
+              <a:buNone/>
+            </a:pPr>
+            <a:r>
+              <a:rPr lang="en-US" dirty="0"/>
+              <a:t>private static long sum() {</a:t>
+            </a:r>
+          </a:p>
+          <a:p>
+            <a:pPr marL="0" indent="0">
+              <a:buNone/>
+            </a:pPr>
+            <a:r>
+              <a:rPr lang="en-US" dirty="0"/>
+              <a:t> 	</a:t>
+            </a:r>
+            <a:r>
+              <a:rPr lang="en-US" dirty="0">
+                <a:solidFill>
+                  <a:srgbClr val="FF0000"/>
+                </a:solidFill>
+              </a:rPr>
+              <a:t>Long </a:t>
+            </a:r>
+            <a:r>
+              <a:rPr lang="en-US" dirty="0"/>
+              <a:t>sum = 0L;</a:t>
+            </a:r>
+          </a:p>
+          <a:p>
+            <a:pPr marL="0" indent="0">
+              <a:buNone/>
+            </a:pPr>
+            <a:r>
+              <a:rPr lang="en-US" dirty="0"/>
+              <a:t>	for (long </a:t>
+            </a:r>
+            <a:r>
+              <a:rPr lang="en-US" dirty="0" err="1"/>
+              <a:t>i</a:t>
+            </a:r>
+            <a:r>
+              <a:rPr lang="en-US" dirty="0"/>
+              <a:t> = 0; </a:t>
+            </a:r>
+            <a:r>
+              <a:rPr lang="en-US" dirty="0" err="1"/>
+              <a:t>i</a:t>
+            </a:r>
+            <a:r>
+              <a:rPr lang="en-US" dirty="0"/>
+              <a:t> &lt;= </a:t>
+            </a:r>
+            <a:r>
+              <a:rPr lang="en-US" dirty="0" err="1"/>
+              <a:t>Integer.MAX_VALUE</a:t>
+            </a:r>
+            <a:r>
+              <a:rPr lang="en-US" dirty="0"/>
+              <a:t>; </a:t>
+            </a:r>
+            <a:r>
+              <a:rPr lang="en-US" dirty="0" err="1"/>
+              <a:t>i</a:t>
+            </a:r>
+            <a:r>
+              <a:rPr lang="en-US" dirty="0"/>
+              <a:t>++) {</a:t>
+            </a:r>
+          </a:p>
+          <a:p>
+            <a:pPr marL="0" indent="0">
+              <a:buNone/>
+            </a:pPr>
+            <a:r>
+              <a:rPr lang="en-US" dirty="0"/>
+              <a:t>		</a:t>
+            </a:r>
+            <a:r>
+              <a:rPr lang="en-US" dirty="0">
+                <a:solidFill>
+                  <a:srgbClr val="FF0000"/>
+                </a:solidFill>
+              </a:rPr>
+              <a:t>sum += </a:t>
+            </a:r>
+            <a:r>
+              <a:rPr lang="en-US" dirty="0" err="1">
+                <a:solidFill>
+                  <a:srgbClr val="FF0000"/>
+                </a:solidFill>
+              </a:rPr>
+              <a:t>i</a:t>
+            </a:r>
+            <a:r>
+              <a:rPr lang="en-US" dirty="0">
+                <a:solidFill>
+                  <a:srgbClr val="FF0000"/>
+                </a:solidFill>
+              </a:rPr>
+              <a:t>;</a:t>
+            </a:r>
+          </a:p>
+          <a:p>
+            <a:pPr marL="0" indent="0">
+              <a:buNone/>
+            </a:pPr>
+            <a:r>
+              <a:rPr lang="en-US" dirty="0"/>
+              <a:t>	}	</a:t>
+            </a:r>
+          </a:p>
+          <a:p>
+            <a:pPr marL="0" indent="0">
+              <a:buNone/>
+            </a:pPr>
+            <a:r>
+              <a:rPr lang="en-US" dirty="0"/>
+              <a:t>	return sum;</a:t>
+            </a:r>
+          </a:p>
+          <a:p>
+            <a:pPr marL="0" indent="0">
+              <a:buNone/>
+            </a:pPr>
+            <a:r>
+              <a:rPr lang="en-US" dirty="0"/>
+              <a:t>}</a:t>
+            </a:r>
+          </a:p>
+          <a:p>
+            <a:r>
+              <a:rPr lang="en-US" dirty="0"/>
+              <a:t>The variable sum is declared as a Long instead of a long, which means that the program constructs about 2 to the power 31 unnecessary Long instances (roughly one for each time the long </a:t>
+            </a:r>
+            <a:r>
+              <a:rPr lang="en-US" dirty="0" err="1"/>
+              <a:t>i</a:t>
+            </a:r>
+            <a:r>
+              <a:rPr lang="en-US" dirty="0"/>
+              <a:t> is added to the Long sum).</a:t>
+            </a:r>
+          </a:p>
+          <a:p>
+            <a:r>
+              <a:rPr lang="en-US" b="1" dirty="0"/>
+              <a:t>prefer primitives to boxed primitives, and watch out for unintentional </a:t>
+            </a:r>
+            <a:r>
+              <a:rPr lang="en-US" b="1" dirty="0" err="1"/>
+              <a:t>autoboxing</a:t>
+            </a:r>
+            <a:r>
+              <a:rPr lang="en-US" b="1" dirty="0"/>
+              <a:t>.</a:t>
+            </a:r>
+            <a:endParaRPr lang="en-US" dirty="0"/>
+          </a:p>
+          <a:p>
+            <a:endParaRPr lang="en-US" dirty="0"/>
+          </a:p>
+        </p:txBody>
+      </p:sp>
+    </p:spTree>
+    <p:extLst>
+      <p:ext uri="{BB962C8B-B14F-4D97-AF65-F5344CB8AC3E}">
+        <p14:creationId xmlns:p14="http://schemas.microsoft.com/office/powerpoint/2010/main" val="1935986623"/>
+      </p:ext>
+    </p:extLst>
+  </p:cSld>
+  <p:clrMapOvr>
+    <a:masterClrMapping/>
+  </p:clrMapOvr>
+</p:sld>
+</file>
+
+<file path=ppt/slides/slide22.xml><?xml version="1.0" encoding="utf-8"?>
+<p:sld xmlns:a="http://schemas.openxmlformats.org/drawingml/2006/main" xmlns:r="http://schemas.openxmlformats.org/officeDocument/2006/relationships" xmlns:p="http://schemas.openxmlformats.org/presentationml/2006/main">
+  <p:cSld>
+    <p:spTree>
+      <p:nvGrpSpPr>
+        <p:cNvPr id="1" name=""/>
+        <p:cNvGrpSpPr/>
+        <p:nvPr/>
+      </p:nvGrpSpPr>
+      <p:grpSpPr>
+        <a:xfrm>
+          <a:off x="0" y="0"/>
+          <a:ext cx="0" cy="0"/>
+          <a:chOff x="0" y="0"/>
+          <a:chExt cx="0" cy="0"/>
+        </a:xfrm>
+      </p:grpSpPr>
+      <p:sp>
+        <p:nvSpPr>
+          <p:cNvPr id="3" name="Content Placeholder 2"/>
+          <p:cNvSpPr>
+            <a:spLocks noGrp="1"/>
+          </p:cNvSpPr>
+          <p:nvPr>
+            <p:ph idx="1"/>
+          </p:nvPr>
+        </p:nvSpPr>
+        <p:spPr>
+          <a:xfrm>
+            <a:off x="677334" y="579549"/>
+            <a:ext cx="8596668" cy="5461813"/>
+          </a:xfrm>
+        </p:spPr>
+        <p:txBody>
+          <a:bodyPr/>
+          <a:lstStyle/>
+          <a:p>
+            <a:r>
+              <a:rPr lang="en-US" dirty="0"/>
+              <a:t>Item 6 : Summary </a:t>
+            </a:r>
+          </a:p>
+          <a:p>
+            <a:endParaRPr lang="en-US" dirty="0"/>
+          </a:p>
+          <a:p>
+            <a:r>
+              <a:rPr lang="en-US" dirty="0"/>
+              <a:t>Reuse objects can be both faster and more stylish.</a:t>
+            </a:r>
+          </a:p>
+          <a:p>
+            <a:r>
+              <a:rPr lang="en-US" b="1" dirty="0" err="1"/>
+              <a:t>String.matches</a:t>
+            </a:r>
+            <a:r>
+              <a:rPr lang="en-US" b="1" dirty="0"/>
+              <a:t> is the easiest way to check if a string matches a regular expression, it’s not suitable for repeated use in performance-critical situations.</a:t>
+            </a:r>
+            <a:endParaRPr lang="en-US" dirty="0"/>
+          </a:p>
+          <a:p>
+            <a:r>
+              <a:rPr lang="en-US" b="1" dirty="0"/>
+              <a:t>prefer primitives to boxed primitives, and watch out for unintentional </a:t>
+            </a:r>
+            <a:r>
+              <a:rPr lang="en-US" b="1" dirty="0" err="1"/>
+              <a:t>autoboxing</a:t>
+            </a:r>
+            <a:r>
+              <a:rPr lang="en-US" b="1" dirty="0"/>
+              <a:t>.</a:t>
+            </a:r>
+          </a:p>
+          <a:p>
+            <a:endParaRPr lang="en-US" dirty="0"/>
+          </a:p>
+          <a:p>
+            <a:pPr marL="0" indent="0">
+              <a:buNone/>
+            </a:pPr>
+            <a:r>
+              <a:rPr lang="en-US" dirty="0"/>
+              <a:t>-- The counterpoint to this item is Item 50 on </a:t>
+            </a:r>
+            <a:r>
+              <a:rPr lang="en-US" i="1" dirty="0"/>
+              <a:t>defensive copying</a:t>
+            </a:r>
+            <a:r>
+              <a:rPr lang="en-US" dirty="0"/>
+              <a:t>. The present item says, “Don’t create a new object when you should reuse an existing one,” while Item 50 says, “Don’t reuse an existing object when you should create a new one.”</a:t>
+            </a:r>
+          </a:p>
+        </p:txBody>
+      </p:sp>
+    </p:spTree>
+    <p:extLst>
+      <p:ext uri="{BB962C8B-B14F-4D97-AF65-F5344CB8AC3E}">
+        <p14:creationId xmlns:p14="http://schemas.microsoft.com/office/powerpoint/2010/main" val="2674189673"/>
       </p:ext>
     </p:extLst>
   </p:cSld>
@@ -7369,7 +11599,7 @@
           <p:cNvPr id="2" name="Title 1">
             <a:extLst>
               <a:ext uri="{FF2B5EF4-FFF2-40B4-BE49-F238E27FC236}">
-                <a16:creationId xmlns:a16="http://schemas.microsoft.com/office/drawing/2014/main" id="{09EC704D-54E9-4544-9564-C04EAAD75BEE}"/>
+                <a16:creationId xmlns:a16="http://schemas.microsoft.com/office/drawing/2014/main" id="{0646184F-7A07-47A9-BD4C-FDCE8C235FA6}"/>
               </a:ext>
             </a:extLst>
           </p:cNvPr>
@@ -7383,47 +11613,111 @@
         <p:spPr>
           <a:xfrm>
             <a:off x="677334" y="609600"/>
-            <a:ext cx="8596668" cy="4067908"/>
+            <a:ext cx="8596668" cy="914400"/>
           </a:xfrm>
         </p:spPr>
         <p:txBody>
-          <a:bodyPr>
-            <a:normAutofit/>
-          </a:bodyPr>
+          <a:bodyPr/>
           <a:lstStyle/>
           <a:p>
             <a:pPr algn="ctr"/>
             <a:r>
               <a:rPr lang="en-US" dirty="0"/>
-              <a:t>     </a:t>
-            </a:r>
-            <a:br>
-              <a:rPr lang="en-US" dirty="0"/>
-            </a:br>
-            <a:br>
-              <a:rPr lang="en-US" dirty="0"/>
-            </a:br>
-            <a:br>
-              <a:rPr lang="en-US" dirty="0"/>
-            </a:br>
-            <a:br>
-              <a:rPr lang="en-US" dirty="0"/>
-            </a:br>
-            <a:r>
-              <a:rPr lang="en-US" dirty="0"/>
-              <a:t>			</a:t>
-            </a:r>
-            <a:r>
-              <a:rPr lang="en-US" sz="6000" dirty="0"/>
-              <a:t>THANK YOU</a:t>
-            </a:r>
+              <a:t>Static Control Flaw</a:t>
+            </a:r>
+          </a:p>
+        </p:txBody>
+      </p:sp>
+      <p:sp>
+        <p:nvSpPr>
+          <p:cNvPr id="3" name="Content Placeholder 2">
+            <a:extLst>
+              <a:ext uri="{FF2B5EF4-FFF2-40B4-BE49-F238E27FC236}">
+                <a16:creationId xmlns:a16="http://schemas.microsoft.com/office/drawing/2014/main" id="{362D6937-047D-4566-9507-2E4E73A709B3}"/>
+              </a:ext>
+            </a:extLst>
+          </p:cNvPr>
+          <p:cNvSpPr>
+            <a:spLocks noGrp="1"/>
+          </p:cNvSpPr>
+          <p:nvPr>
+            <p:ph idx="1"/>
+          </p:nvPr>
+        </p:nvSpPr>
+        <p:spPr>
+          <a:xfrm>
+            <a:off x="677334" y="2160589"/>
+            <a:ext cx="8596668" cy="3880773"/>
+          </a:xfrm>
+        </p:spPr>
+        <p:txBody>
+          <a:bodyPr/>
+          <a:lstStyle/>
+          <a:p>
+            <a:r>
+              <a:rPr lang="en-US" dirty="0"/>
+              <a:t>Whenever an execution of a java class the following sequence of steps will be executed at part of static control flaw</a:t>
+            </a:r>
+          </a:p>
+          <a:p>
+            <a:pPr lvl="1"/>
+            <a:r>
+              <a:rPr lang="en-US" dirty="0"/>
+              <a:t>Identification of static members starting from to bottom of the class</a:t>
+            </a:r>
+          </a:p>
+          <a:p>
+            <a:pPr lvl="1"/>
+            <a:r>
+              <a:rPr lang="en-US" dirty="0"/>
+              <a:t>Execution of static variable assignment and static blocks from top to bottom</a:t>
+            </a:r>
+          </a:p>
+          <a:p>
+            <a:pPr lvl="1"/>
+            <a:r>
+              <a:rPr lang="en-US" dirty="0"/>
+              <a:t>Execution of main method</a:t>
+            </a:r>
+          </a:p>
+          <a:p>
+            <a:r>
+              <a:rPr lang="en-US" dirty="0"/>
+              <a:t>Read Indirectly and Write Only</a:t>
+            </a:r>
+          </a:p>
+          <a:p>
+            <a:pPr lvl="1"/>
+            <a:r>
+              <a:rPr lang="en-US" dirty="0"/>
+              <a:t>Inside a static block if are trying to read a variable that read operation is called Direct read</a:t>
+            </a:r>
+          </a:p>
+          <a:p>
+            <a:pPr lvl="1"/>
+            <a:r>
+              <a:rPr lang="en-US" dirty="0"/>
+              <a:t>If we are calling a method and within that method if we are trying to read a variable that read operation is called Indirect read</a:t>
+            </a:r>
+          </a:p>
+          <a:p>
+            <a:pPr marL="0" indent="0">
+              <a:buNone/>
+            </a:pPr>
+            <a:r>
+              <a:rPr lang="en-US" dirty="0"/>
+              <a:t>	</a:t>
+            </a:r>
+          </a:p>
+          <a:p>
+            <a:endParaRPr lang="en-US" dirty="0"/>
           </a:p>
         </p:txBody>
       </p:sp>
     </p:spTree>
     <p:extLst>
       <p:ext uri="{BB962C8B-B14F-4D97-AF65-F5344CB8AC3E}">
-        <p14:creationId xmlns:p14="http://schemas.microsoft.com/office/powerpoint/2010/main" val="2434218665"/>
+        <p14:creationId xmlns:p14="http://schemas.microsoft.com/office/powerpoint/2010/main" val="820092095"/>
       </p:ext>
     </p:extLst>
   </p:cSld>
@@ -7688,4 +11982,261 @@
     </a:ext>
   </a:extLst>
 </a:theme>
+</file>
+
+<file path=ppt/theme/theme2.xml><?xml version="1.0" encoding="utf-8"?>
+<a:theme xmlns:a="http://schemas.openxmlformats.org/drawingml/2006/main" name="1_Facet">
+  <a:themeElements>
+    <a:clrScheme name="Facet">
+      <a:dk1>
+        <a:sysClr val="windowText" lastClr="000000"/>
+      </a:dk1>
+      <a:lt1>
+        <a:sysClr val="window" lastClr="FFFFFF"/>
+      </a:lt1>
+      <a:dk2>
+        <a:srgbClr val="2C3C43"/>
+      </a:dk2>
+      <a:lt2>
+        <a:srgbClr val="EBEBEB"/>
+      </a:lt2>
+      <a:accent1>
+        <a:srgbClr val="90C226"/>
+      </a:accent1>
+      <a:accent2>
+        <a:srgbClr val="54A021"/>
+      </a:accent2>
+      <a:accent3>
+        <a:srgbClr val="E6B91E"/>
+      </a:accent3>
+      <a:accent4>
+        <a:srgbClr val="E76618"/>
+      </a:accent4>
+      <a:accent5>
+        <a:srgbClr val="C42F1A"/>
+      </a:accent5>
+      <a:accent6>
+        <a:srgbClr val="918655"/>
+      </a:accent6>
+      <a:hlink>
+        <a:srgbClr val="99CA3C"/>
+      </a:hlink>
+      <a:folHlink>
+        <a:srgbClr val="B9D181"/>
+      </a:folHlink>
+    </a:clrScheme>
+    <a:fontScheme name="Facet">
+      <a:majorFont>
+        <a:latin typeface="Trebuchet MS" panose="020B0603020202020204"/>
+        <a:ea typeface=""/>
+        <a:cs typeface=""/>
+        <a:font script="Jpan" typeface="メイリオ"/>
+        <a:font script="Hang" typeface="맑은 고딕"/>
+        <a:font script="Hans" typeface="方正姚体"/>
+        <a:font script="Hant" typeface="微軟正黑體"/>
+        <a:font script="Arab" typeface="Tahoma"/>
+        <a:font script="Hebr" typeface="Arial"/>
+        <a:font script="Thai" typeface="Cordia New"/>
+        <a:font script="Ethi" typeface="Nyala"/>
+        <a:font script="Beng" typeface="Vrinda"/>
+        <a:font script="Gujr" typeface="Shruti"/>
+        <a:font script="Khmr" typeface="DaunPenh"/>
+        <a:font script="Knda" typeface="Tunga"/>
+        <a:font script="Guru" typeface="Raavi"/>
+        <a:font script="Cans" typeface="Euphemia"/>
+        <a:font script="Cher" typeface="Plantagenet Cherokee"/>
+        <a:font script="Yiii" typeface="Microsoft Yi Baiti"/>
+        <a:font script="Tibt" typeface="Microsoft Himalaya"/>
+        <a:font script="Thaa" typeface="MV Boli"/>
+        <a:font script="Deva" typeface="Mangal"/>
+        <a:font script="Telu" typeface="Gautami"/>
+        <a:font script="Taml" typeface="Latha"/>
+        <a:font script="Syrc" typeface="Estrangelo Edessa"/>
+        <a:font script="Orya" typeface="Kalinga"/>
+        <a:font script="Mlym" typeface="Kartika"/>
+        <a:font script="Laoo" typeface="DokChampa"/>
+        <a:font script="Sinh" typeface="Iskoola Pota"/>
+        <a:font script="Mong" typeface="Mongolian Baiti"/>
+        <a:font script="Viet" typeface="Tahoma"/>
+        <a:font script="Uigh" typeface="Microsoft Uighur"/>
+        <a:font script="Geor" typeface="Sylfaen"/>
+      </a:majorFont>
+      <a:minorFont>
+        <a:latin typeface="Trebuchet MS" panose="020B0603020202020204"/>
+        <a:ea typeface=""/>
+        <a:cs typeface=""/>
+        <a:font script="Jpan" typeface="メイリオ"/>
+        <a:font script="Hang" typeface="HY그래픽M"/>
+        <a:font script="Hans" typeface="华文新魏"/>
+        <a:font script="Hant" typeface="微軟正黑體"/>
+        <a:font script="Arab" typeface="Tahoma"/>
+        <a:font script="Hebr" typeface="Gisha"/>
+        <a:font script="Thai" typeface="IrisUPC"/>
+        <a:font script="Ethi" typeface="Nyala"/>
+        <a:font script="Beng" typeface="Vrinda"/>
+        <a:font script="Gujr" typeface="Shruti"/>
+        <a:font script="Khmr" typeface="DaunPenh"/>
+        <a:font script="Knda" typeface="Tunga"/>
+        <a:font script="Guru" typeface="Raavi"/>
+        <a:font script="Cans" typeface="Euphemia"/>
+        <a:font script="Cher" typeface="Plantagenet Cherokee"/>
+        <a:font script="Yiii" typeface="Microsoft Yi Baiti"/>
+        <a:font script="Tibt" typeface="Microsoft Himalaya"/>
+        <a:font script="Thaa" typeface="MV Boli"/>
+        <a:font script="Deva" typeface="Mangal"/>
+        <a:font script="Telu" typeface="Gautami"/>
+        <a:font script="Taml" typeface="Latha"/>
+        <a:font script="Syrc" typeface="Estrangelo Edessa"/>
+        <a:font script="Orya" typeface="Kalinga"/>
+        <a:font script="Mlym" typeface="Kartika"/>
+        <a:font script="Laoo" typeface="DokChampa"/>
+        <a:font script="Sinh" typeface="Iskoola Pota"/>
+        <a:font script="Mong" typeface="Mongolian Baiti"/>
+        <a:font script="Viet" typeface="Arial"/>
+        <a:font script="Uigh" typeface="Microsoft Uighur"/>
+        <a:font script="Geor" typeface="Sylfaen"/>
+      </a:minorFont>
+    </a:fontScheme>
+    <a:fmtScheme name="Facet">
+      <a:fillStyleLst>
+        <a:solidFill>
+          <a:schemeClr val="phClr"/>
+        </a:solidFill>
+        <a:gradFill rotWithShape="1">
+          <a:gsLst>
+            <a:gs pos="0">
+              <a:schemeClr val="phClr">
+                <a:tint val="65000"/>
+                <a:lumMod val="110000"/>
+              </a:schemeClr>
+            </a:gs>
+            <a:gs pos="88000">
+              <a:schemeClr val="phClr">
+                <a:tint val="90000"/>
+              </a:schemeClr>
+            </a:gs>
+          </a:gsLst>
+          <a:lin ang="5400000" scaled="0"/>
+        </a:gradFill>
+        <a:gradFill rotWithShape="1">
+          <a:gsLst>
+            <a:gs pos="0">
+              <a:schemeClr val="phClr">
+                <a:tint val="96000"/>
+                <a:lumMod val="100000"/>
+              </a:schemeClr>
+            </a:gs>
+            <a:gs pos="78000">
+              <a:schemeClr val="phClr">
+                <a:shade val="94000"/>
+                <a:lumMod val="94000"/>
+              </a:schemeClr>
+            </a:gs>
+          </a:gsLst>
+          <a:lin ang="5400000" scaled="0"/>
+        </a:gradFill>
+      </a:fillStyleLst>
+      <a:lnStyleLst>
+        <a:ln w="12700" cap="rnd" cmpd="sng" algn="ctr">
+          <a:solidFill>
+            <a:schemeClr val="phClr"/>
+          </a:solidFill>
+          <a:prstDash val="solid"/>
+        </a:ln>
+        <a:ln w="19050" cap="rnd" cmpd="sng" algn="ctr">
+          <a:solidFill>
+            <a:schemeClr val="phClr"/>
+          </a:solidFill>
+          <a:prstDash val="solid"/>
+        </a:ln>
+        <a:ln w="25400" cap="rnd" cmpd="sng" algn="ctr">
+          <a:solidFill>
+            <a:schemeClr val="phClr"/>
+          </a:solidFill>
+          <a:prstDash val="solid"/>
+        </a:ln>
+      </a:lnStyleLst>
+      <a:effectStyleLst>
+        <a:effectStyle>
+          <a:effectLst/>
+        </a:effectStyle>
+        <a:effectStyle>
+          <a:effectLst>
+            <a:outerShdw blurRad="38100" dist="25400" dir="5400000" rotWithShape="0">
+              <a:srgbClr val="000000">
+                <a:alpha val="35000"/>
+              </a:srgbClr>
+            </a:outerShdw>
+          </a:effectLst>
+        </a:effectStyle>
+        <a:effectStyle>
+          <a:effectLst>
+            <a:outerShdw blurRad="50800" dist="38100" dir="5400000" rotWithShape="0">
+              <a:srgbClr val="000000">
+                <a:alpha val="35000"/>
+              </a:srgbClr>
+            </a:outerShdw>
+          </a:effectLst>
+          <a:scene3d>
+            <a:camera prst="orthographicFront">
+              <a:rot lat="0" lon="0" rev="0"/>
+            </a:camera>
+            <a:lightRig rig="threePt" dir="tl"/>
+          </a:scene3d>
+          <a:sp3d prstMaterial="plastic">
+            <a:bevelT w="0" h="0"/>
+          </a:sp3d>
+        </a:effectStyle>
+      </a:effectStyleLst>
+      <a:bgFillStyleLst>
+        <a:solidFill>
+          <a:schemeClr val="phClr"/>
+        </a:solidFill>
+        <a:gradFill rotWithShape="1">
+          <a:gsLst>
+            <a:gs pos="0">
+              <a:schemeClr val="phClr">
+                <a:tint val="90000"/>
+                <a:lumMod val="104000"/>
+              </a:schemeClr>
+            </a:gs>
+            <a:gs pos="94000">
+              <a:schemeClr val="phClr">
+                <a:shade val="96000"/>
+                <a:lumMod val="82000"/>
+              </a:schemeClr>
+            </a:gs>
+          </a:gsLst>
+          <a:lin ang="5400000" scaled="0"/>
+        </a:gradFill>
+        <a:gradFill rotWithShape="1">
+          <a:gsLst>
+            <a:gs pos="0">
+              <a:schemeClr val="phClr">
+                <a:tint val="90000"/>
+                <a:lumMod val="110000"/>
+              </a:schemeClr>
+            </a:gs>
+            <a:gs pos="100000">
+              <a:schemeClr val="phClr">
+                <a:shade val="94000"/>
+                <a:lumMod val="96000"/>
+              </a:schemeClr>
+            </a:gs>
+          </a:gsLst>
+          <a:path path="circle">
+            <a:fillToRect l="50000" t="50000" r="100000" b="100000"/>
+          </a:path>
+        </a:gradFill>
+      </a:bgFillStyleLst>
+    </a:fmtScheme>
+  </a:themeElements>
+  <a:objectDefaults/>
+  <a:extraClrSchemeLst/>
+  <a:extLst>
+    <a:ext uri="{05A4C25C-085E-4340-85A3-A5531E510DB2}">
+      <thm15:themeFamily xmlns:thm15="http://schemas.microsoft.com/office/thememl/2012/main" name="Facet" id="{C0C680CD-088A-49FC-A102-D699147F32B2}" vid="{CFBC31BA-B70F-4F30-BCAA-4F3011E16C4D}"/>
+    </a:ext>
+  </a:extLst>
+</a:theme>
 </file>
--- a/EffectiveJava.pptx
+++ b/EffectiveJava.pptx
@@ -10618,12 +10618,12 @@
         <p:spPr>
           <a:xfrm>
             <a:off x="677333" y="1735015"/>
-            <a:ext cx="9064543" cy="4970585"/>
+            <a:ext cx="9709313" cy="4970585"/>
           </a:xfrm>
         </p:spPr>
         <p:txBody>
           <a:bodyPr>
-            <a:normAutofit lnSpcReduction="10000"/>
+            <a:normAutofit fontScale="92500" lnSpcReduction="10000"/>
           </a:bodyPr>
           <a:lstStyle/>
           <a:p>
@@ -10635,13 +10635,8 @@
           <a:p>
             <a:r>
               <a:rPr lang="en-US" dirty="0"/>
-              <a:t>Constructors do not describe the object going to be returned. But the factory methods having meaningful names to describe the </a:t>
-            </a:r>
-            <a:r>
-              <a:rPr lang="en-US"/>
-              <a:t>object returned.</a:t>
-            </a:r>
-            <a:endParaRPr lang="en-US" dirty="0"/>
+              <a:t>Constructors do not describe the object going to be returned. But the factory methods having meaningful names to describe the object returned.</a:t>
+            </a:r>
           </a:p>
           <a:p>
             <a:pPr lvl="1"/>
@@ -10693,15 +10688,7 @@
             <a:pPr lvl="1"/>
             <a:r>
               <a:rPr lang="en-US" dirty="0"/>
-              <a:t>new </a:t>
-            </a:r>
-            <a:r>
-              <a:rPr lang="en-US" dirty="0" err="1"/>
-              <a:t>Boolen</a:t>
-            </a:r>
-            <a:r>
-              <a:rPr lang="en-US" dirty="0"/>
-              <a:t>(</a:t>
+              <a:t>new Boolean(</a:t>
             </a:r>
             <a:r>
               <a:rPr lang="en-US" dirty="0" err="1"/>
@@ -10727,6 +10714,45 @@
               <a:rPr lang="en-US" dirty="0"/>
               <a:t>)</a:t>
             </a:r>
+          </a:p>
+          <a:p>
+            <a:pPr lvl="1"/>
+            <a:r>
+              <a:rPr lang="en-US" dirty="0" err="1"/>
+              <a:t>Collections.synchronizedCollection</a:t>
+            </a:r>
+            <a:r>
+              <a:rPr lang="en-US" dirty="0"/>
+              <a:t>(</a:t>
+            </a:r>
+            <a:r>
+              <a:rPr lang="en-US" dirty="0" err="1"/>
+              <a:t>originalCollection</a:t>
+            </a:r>
+            <a:r>
+              <a:rPr lang="en-US" dirty="0"/>
+              <a:t>)</a:t>
+            </a:r>
+          </a:p>
+          <a:p>
+            <a:pPr lvl="1"/>
+            <a:r>
+              <a:rPr lang="en-US" dirty="0" err="1"/>
+              <a:t>Collections.unmodifiableList</a:t>
+            </a:r>
+            <a:r>
+              <a:rPr lang="en-US" dirty="0"/>
+              <a:t>(</a:t>
+            </a:r>
+            <a:r>
+              <a:rPr lang="en-US" dirty="0" err="1"/>
+              <a:t>originalList</a:t>
+            </a:r>
+            <a:r>
+              <a:rPr lang="en-US"/>
+              <a:t>)</a:t>
+            </a:r>
+            <a:endParaRPr lang="en-US" dirty="0"/>
           </a:p>
           <a:p>
             <a:r>
@@ -10825,8 +10851,8 @@
         </p:nvSpPr>
         <p:spPr>
           <a:xfrm>
-            <a:off x="771119" y="586154"/>
-            <a:ext cx="8408050" cy="1344246"/>
+            <a:off x="771118" y="586154"/>
+            <a:ext cx="8701127" cy="1344246"/>
           </a:xfrm>
         </p:spPr>
         <p:txBody>
@@ -10852,7 +10878,7 @@
             </a:r>
             <a:r>
               <a:rPr lang="en-US" sz="2200" dirty="0"/>
-              <a:t>Builder Pattern when constructor with many parameters</a:t>
+              <a:t>Use Builder Pattern when constructor with many parameters</a:t>
             </a:r>
           </a:p>
         </p:txBody>
@@ -10939,7 +10965,7 @@
             <a:pPr lvl="1"/>
             <a:r>
               <a:rPr lang="en-US" sz="6400" dirty="0"/>
-              <a:t>1. Telescoping constructor pattern</a:t>
+              <a:t>1. Telescoping constructor pattern - does not scale well!</a:t>
             </a:r>
           </a:p>
           <a:p>
@@ -10967,7 +10993,7 @@
             <a:pPr lvl="1"/>
             <a:r>
               <a:rPr lang="en-US" sz="6400" dirty="0"/>
-              <a:t>2. JavaBeans pattern</a:t>
+              <a:t>2. JavaBeans pattern – Scalable into some level</a:t>
             </a:r>
           </a:p>
           <a:p>
@@ -11106,8 +11132,8 @@
         </p:nvSpPr>
         <p:spPr>
           <a:xfrm>
-            <a:off x="677334" y="2160589"/>
-            <a:ext cx="9158328" cy="3880773"/>
+            <a:off x="677334" y="2160590"/>
+            <a:ext cx="9158328" cy="2880334"/>
           </a:xfrm>
         </p:spPr>
         <p:txBody>
@@ -11123,7 +11149,11 @@
             <a:pPr lvl="1"/>
             <a:r>
               <a:rPr lang="en-US" dirty="0"/>
-              <a:t>3. Most preferred way is using Builder Pattern</a:t>
+              <a:t>3. Preferred way is Builder Pattern </a:t>
+            </a:r>
+            <a:r>
+              <a:rPr lang="en-US" sz="1400" dirty="0"/>
+              <a:t>- combines the safety of the telescoping constructor pattern with the readability of the JavaBeans pattern</a:t>
             </a:r>
           </a:p>
           <a:p>
@@ -11646,8 +11676,8 @@
         </p:nvSpPr>
         <p:spPr>
           <a:xfrm>
-            <a:off x="677334" y="2160589"/>
-            <a:ext cx="8596668" cy="3880773"/>
+            <a:off x="677334" y="1606063"/>
+            <a:ext cx="8596668" cy="4435300"/>
           </a:xfrm>
         </p:spPr>
         <p:txBody>

--- a/EffectiveJava.pptx
+++ b/EffectiveJava.pptx
@@ -14,20 +14,21 @@
     <p:sldId id="262" r:id="rId8"/>
     <p:sldId id="261" r:id="rId9"/>
     <p:sldId id="263" r:id="rId10"/>
-    <p:sldId id="264" r:id="rId11"/>
-    <p:sldId id="265" r:id="rId12"/>
-    <p:sldId id="266" r:id="rId13"/>
-    <p:sldId id="267" r:id="rId14"/>
-    <p:sldId id="268" r:id="rId15"/>
-    <p:sldId id="269" r:id="rId16"/>
-    <p:sldId id="270" r:id="rId17"/>
-    <p:sldId id="271" r:id="rId18"/>
-    <p:sldId id="272" r:id="rId19"/>
-    <p:sldId id="273" r:id="rId20"/>
-    <p:sldId id="274" r:id="rId21"/>
-    <p:sldId id="275" r:id="rId22"/>
-    <p:sldId id="276" r:id="rId23"/>
-    <p:sldId id="277" r:id="rId24"/>
+    <p:sldId id="266" r:id="rId11"/>
+    <p:sldId id="267" r:id="rId12"/>
+    <p:sldId id="268" r:id="rId13"/>
+    <p:sldId id="269" r:id="rId14"/>
+    <p:sldId id="270" r:id="rId15"/>
+    <p:sldId id="271" r:id="rId16"/>
+    <p:sldId id="272" r:id="rId17"/>
+    <p:sldId id="273" r:id="rId18"/>
+    <p:sldId id="274" r:id="rId19"/>
+    <p:sldId id="275" r:id="rId20"/>
+    <p:sldId id="276" r:id="rId21"/>
+    <p:sldId id="277" r:id="rId22"/>
+    <p:sldId id="278" r:id="rId23"/>
+    <p:sldId id="279" r:id="rId24"/>
+    <p:sldId id="280" r:id="rId25"/>
   </p:sldIdLst>
   <p:sldSz cx="12192000" cy="6858000"/>
   <p:notesSz cx="6858000" cy="9144000"/>
@@ -856,7 +857,7 @@
           <a:p>
             <a:fld id="{C4D289AD-1673-4D2E-B426-F4E2335D7916}" type="datetimeFigureOut">
               <a:rPr lang="en-US" smtClean="0"/>
-              <a:t>2/5/2019</a:t>
+              <a:t>2/11/2019</a:t>
             </a:fld>
             <a:endParaRPr lang="en-US"/>
           </a:p>
@@ -1107,7 +1108,7 @@
           <a:p>
             <a:fld id="{C4D289AD-1673-4D2E-B426-F4E2335D7916}" type="datetimeFigureOut">
               <a:rPr lang="en-US" smtClean="0"/>
-              <a:t>2/5/2019</a:t>
+              <a:t>2/11/2019</a:t>
             </a:fld>
             <a:endParaRPr lang="en-US"/>
           </a:p>
@@ -1421,7 +1422,7 @@
           <a:p>
             <a:fld id="{C4D289AD-1673-4D2E-B426-F4E2335D7916}" type="datetimeFigureOut">
               <a:rPr lang="en-US" smtClean="0"/>
-              <a:t>2/5/2019</a:t>
+              <a:t>2/11/2019</a:t>
             </a:fld>
             <a:endParaRPr lang="en-US"/>
           </a:p>
@@ -1762,7 +1763,7 @@
           <a:p>
             <a:fld id="{C4D289AD-1673-4D2E-B426-F4E2335D7916}" type="datetimeFigureOut">
               <a:rPr lang="en-US" smtClean="0"/>
-              <a:t>2/5/2019</a:t>
+              <a:t>2/11/2019</a:t>
             </a:fld>
             <a:endParaRPr lang="en-US"/>
           </a:p>
@@ -2076,7 +2077,7 @@
           <a:p>
             <a:fld id="{C4D289AD-1673-4D2E-B426-F4E2335D7916}" type="datetimeFigureOut">
               <a:rPr lang="en-US" smtClean="0"/>
-              <a:t>2/5/2019</a:t>
+              <a:t>2/11/2019</a:t>
             </a:fld>
             <a:endParaRPr lang="en-US"/>
           </a:p>
@@ -2469,7 +2470,7 @@
           <a:p>
             <a:fld id="{C4D289AD-1673-4D2E-B426-F4E2335D7916}" type="datetimeFigureOut">
               <a:rPr lang="en-US" smtClean="0"/>
-              <a:t>2/5/2019</a:t>
+              <a:t>2/11/2019</a:t>
             </a:fld>
             <a:endParaRPr lang="en-US"/>
           </a:p>
@@ -2639,7 +2640,7 @@
           <a:p>
             <a:fld id="{C4D289AD-1673-4D2E-B426-F4E2335D7916}" type="datetimeFigureOut">
               <a:rPr lang="en-US" smtClean="0"/>
-              <a:t>2/5/2019</a:t>
+              <a:t>2/11/2019</a:t>
             </a:fld>
             <a:endParaRPr lang="en-US"/>
           </a:p>
@@ -2819,7 +2820,7 @@
           <a:p>
             <a:fld id="{C4D289AD-1673-4D2E-B426-F4E2335D7916}" type="datetimeFigureOut">
               <a:rPr lang="en-US" smtClean="0"/>
-              <a:t>2/5/2019</a:t>
+              <a:t>2/11/2019</a:t>
             </a:fld>
             <a:endParaRPr lang="en-US"/>
           </a:p>
@@ -3651,7 +3652,7 @@
                 <a:tabLst/>
                 <a:defRPr/>
               </a:pPr>
-              <a:t>2/5/2019</a:t>
+              <a:t>2/11/2019</a:t>
             </a:fld>
             <a:endParaRPr kumimoji="0" lang="en-US" sz="900" b="0" i="0" u="none" strike="noStrike" kern="1200" cap="none" spc="0" normalizeH="0" baseline="0" noProof="0" dirty="0">
               <a:ln>
@@ -3983,7 +3984,7 @@
                 <a:tabLst/>
                 <a:defRPr/>
               </a:pPr>
-              <a:t>2/5/2019</a:t>
+              <a:t>2/11/2019</a:t>
             </a:fld>
             <a:endParaRPr kumimoji="0" lang="en-US" sz="900" b="0" i="0" u="none" strike="noStrike" kern="1200" cap="none" spc="0" normalizeH="0" baseline="0" noProof="0" dirty="0">
               <a:ln>
@@ -4266,7 +4267,7 @@
           <a:p>
             <a:fld id="{C4D289AD-1673-4D2E-B426-F4E2335D7916}" type="datetimeFigureOut">
               <a:rPr lang="en-US" smtClean="0"/>
-              <a:t>2/5/2019</a:t>
+              <a:t>2/11/2019</a:t>
             </a:fld>
             <a:endParaRPr lang="en-US"/>
           </a:p>
@@ -4513,7 +4514,7 @@
           <a:p>
             <a:fld id="{C4D289AD-1673-4D2E-B426-F4E2335D7916}" type="datetimeFigureOut">
               <a:rPr lang="en-US" smtClean="0"/>
-              <a:t>2/5/2019</a:t>
+              <a:t>2/11/2019</a:t>
             </a:fld>
             <a:endParaRPr lang="en-US"/>
           </a:p>
@@ -4745,7 +4746,7 @@
           <a:p>
             <a:fld id="{C4D289AD-1673-4D2E-B426-F4E2335D7916}" type="datetimeFigureOut">
               <a:rPr lang="en-US" smtClean="0"/>
-              <a:t>2/5/2019</a:t>
+              <a:t>2/11/2019</a:t>
             </a:fld>
             <a:endParaRPr lang="en-US"/>
           </a:p>
@@ -5119,7 +5120,7 @@
           <a:p>
             <a:fld id="{C4D289AD-1673-4D2E-B426-F4E2335D7916}" type="datetimeFigureOut">
               <a:rPr lang="en-US" smtClean="0"/>
-              <a:t>2/5/2019</a:t>
+              <a:t>2/11/2019</a:t>
             </a:fld>
             <a:endParaRPr lang="en-US"/>
           </a:p>
@@ -5242,7 +5243,7 @@
           <a:p>
             <a:fld id="{C4D289AD-1673-4D2E-B426-F4E2335D7916}" type="datetimeFigureOut">
               <a:rPr lang="en-US" smtClean="0"/>
-              <a:t>2/5/2019</a:t>
+              <a:t>2/11/2019</a:t>
             </a:fld>
             <a:endParaRPr lang="en-US"/>
           </a:p>
@@ -5337,7 +5338,7 @@
           <a:p>
             <a:fld id="{C4D289AD-1673-4D2E-B426-F4E2335D7916}" type="datetimeFigureOut">
               <a:rPr lang="en-US" smtClean="0"/>
-              <a:t>2/5/2019</a:t>
+              <a:t>2/11/2019</a:t>
             </a:fld>
             <a:endParaRPr lang="en-US"/>
           </a:p>
@@ -5592,7 +5593,7 @@
           <a:p>
             <a:fld id="{C4D289AD-1673-4D2E-B426-F4E2335D7916}" type="datetimeFigureOut">
               <a:rPr lang="en-US" smtClean="0"/>
-              <a:t>2/5/2019</a:t>
+              <a:t>2/11/2019</a:t>
             </a:fld>
             <a:endParaRPr lang="en-US"/>
           </a:p>
@@ -5855,7 +5856,7 @@
           <a:p>
             <a:fld id="{C4D289AD-1673-4D2E-B426-F4E2335D7916}" type="datetimeFigureOut">
               <a:rPr lang="en-US" smtClean="0"/>
-              <a:t>2/5/2019</a:t>
+              <a:t>2/11/2019</a:t>
             </a:fld>
             <a:endParaRPr lang="en-US"/>
           </a:p>
@@ -6598,7 +6599,7 @@
           <a:p>
             <a:fld id="{C4D289AD-1673-4D2E-B426-F4E2335D7916}" type="datetimeFigureOut">
               <a:rPr lang="en-US" smtClean="0"/>
-              <a:t>2/5/2019</a:t>
+              <a:t>2/11/2019</a:t>
             </a:fld>
             <a:endParaRPr lang="en-US"/>
           </a:p>
@@ -7788,7 +7789,7 @@
             <a:fld id="{B61BEF0D-F0BB-DE4B-95CE-6DB70DBA9567}" type="datetimeFigureOut">
               <a:rPr lang="en-US" dirty="0"/>
               <a:pPr/>
-              <a:t>2/5/2019</a:t>
+              <a:t>2/11/2019</a:t>
             </a:fld>
             <a:endParaRPr lang="en-US" dirty="0"/>
           </a:p>
@@ -8388,176 +8389,6 @@
       </p:grpSpPr>
       <p:sp>
         <p:nvSpPr>
-          <p:cNvPr id="2" name="Title 1">
-            <a:extLst>
-              <a:ext uri="{FF2B5EF4-FFF2-40B4-BE49-F238E27FC236}">
-                <a16:creationId xmlns:a16="http://schemas.microsoft.com/office/drawing/2014/main" id="{09EC704D-54E9-4544-9564-C04EAAD75BEE}"/>
-              </a:ext>
-            </a:extLst>
-          </p:cNvPr>
-          <p:cNvSpPr>
-            <a:spLocks noGrp="1"/>
-          </p:cNvSpPr>
-          <p:nvPr>
-            <p:ph type="title"/>
-          </p:nvPr>
-        </p:nvSpPr>
-        <p:spPr>
-          <a:xfrm>
-            <a:off x="677334" y="609600"/>
-            <a:ext cx="8596668" cy="4067908"/>
-          </a:xfrm>
-        </p:spPr>
-        <p:txBody>
-          <a:bodyPr>
-            <a:normAutofit/>
-          </a:bodyPr>
-          <a:lstStyle/>
-          <a:p>
-            <a:pPr algn="ctr"/>
-            <a:r>
-              <a:rPr lang="en-US" dirty="0"/>
-              <a:t>     </a:t>
-            </a:r>
-            <a:br>
-              <a:rPr lang="en-US" dirty="0"/>
-            </a:br>
-            <a:br>
-              <a:rPr lang="en-US" dirty="0"/>
-            </a:br>
-            <a:br>
-              <a:rPr lang="en-US" dirty="0"/>
-            </a:br>
-            <a:br>
-              <a:rPr lang="en-US" dirty="0"/>
-            </a:br>
-            <a:r>
-              <a:rPr lang="en-US" dirty="0"/>
-              <a:t>			</a:t>
-            </a:r>
-            <a:r>
-              <a:rPr lang="en-US" sz="6000" dirty="0"/>
-              <a:t>THANK YOU</a:t>
-            </a:r>
-          </a:p>
-        </p:txBody>
-      </p:sp>
-    </p:spTree>
-    <p:extLst>
-      <p:ext uri="{BB962C8B-B14F-4D97-AF65-F5344CB8AC3E}">
-        <p14:creationId xmlns:p14="http://schemas.microsoft.com/office/powerpoint/2010/main" val="2434218665"/>
-      </p:ext>
-    </p:extLst>
-  </p:cSld>
-  <p:clrMapOvr>
-    <a:masterClrMapping/>
-  </p:clrMapOvr>
-</p:sld>
-</file>
-
-<file path=ppt/slides/slide11.xml><?xml version="1.0" encoding="utf-8"?>
-<p:sld xmlns:a="http://schemas.openxmlformats.org/drawingml/2006/main" xmlns:r="http://schemas.openxmlformats.org/officeDocument/2006/relationships" xmlns:p="http://schemas.openxmlformats.org/presentationml/2006/main">
-  <p:cSld>
-    <p:spTree>
-      <p:nvGrpSpPr>
-        <p:cNvPr id="1" name=""/>
-        <p:cNvGrpSpPr/>
-        <p:nvPr/>
-      </p:nvGrpSpPr>
-      <p:grpSpPr>
-        <a:xfrm>
-          <a:off x="0" y="0"/>
-          <a:ext cx="0" cy="0"/>
-          <a:chOff x="0" y="0"/>
-          <a:chExt cx="0" cy="0"/>
-        </a:xfrm>
-      </p:grpSpPr>
-      <p:sp>
-        <p:nvSpPr>
-          <p:cNvPr id="2" name="Title 1"/>
-          <p:cNvSpPr>
-            <a:spLocks noGrp="1"/>
-          </p:cNvSpPr>
-          <p:nvPr>
-            <p:ph type="ctrTitle"/>
-          </p:nvPr>
-        </p:nvSpPr>
-        <p:spPr>
-          <a:xfrm>
-            <a:off x="1507067" y="386366"/>
-            <a:ext cx="7766936" cy="3664470"/>
-          </a:xfrm>
-        </p:spPr>
-        <p:txBody>
-          <a:bodyPr/>
-          <a:lstStyle/>
-          <a:p>
-            <a:r>
-              <a:rPr lang="en-US" b="1"/>
-              <a:t>Item 5: Prefer dependency injection to hardwiring</a:t>
-            </a:r>
-            <a:br>
-              <a:rPr lang="en-US" b="1"/>
-            </a:br>
-            <a:r>
-              <a:rPr lang="en-US" b="1"/>
-              <a:t>resources</a:t>
-            </a:r>
-            <a:endParaRPr lang="en-US" dirty="0"/>
-          </a:p>
-        </p:txBody>
-      </p:sp>
-      <p:sp>
-        <p:nvSpPr>
-          <p:cNvPr id="3" name="Subtitle 2"/>
-          <p:cNvSpPr>
-            <a:spLocks noGrp="1"/>
-          </p:cNvSpPr>
-          <p:nvPr>
-            <p:ph type="subTitle" idx="1"/>
-          </p:nvPr>
-        </p:nvSpPr>
-        <p:spPr/>
-        <p:txBody>
-          <a:bodyPr/>
-          <a:lstStyle/>
-          <a:p>
-            <a:endParaRPr lang="en-US" dirty="0"/>
-          </a:p>
-        </p:txBody>
-      </p:sp>
-    </p:spTree>
-    <p:extLst>
-      <p:ext uri="{BB962C8B-B14F-4D97-AF65-F5344CB8AC3E}">
-        <p14:creationId xmlns:p14="http://schemas.microsoft.com/office/powerpoint/2010/main" val="3744982279"/>
-      </p:ext>
-    </p:extLst>
-  </p:cSld>
-  <p:clrMapOvr>
-    <a:masterClrMapping/>
-  </p:clrMapOvr>
-</p:sld>
-</file>
-
-<file path=ppt/slides/slide12.xml><?xml version="1.0" encoding="utf-8"?>
-<p:sld xmlns:a="http://schemas.openxmlformats.org/drawingml/2006/main" xmlns:r="http://schemas.openxmlformats.org/officeDocument/2006/relationships" xmlns:p="http://schemas.openxmlformats.org/presentationml/2006/main">
-  <p:cSld>
-    <p:spTree>
-      <p:nvGrpSpPr>
-        <p:cNvPr id="1" name=""/>
-        <p:cNvGrpSpPr/>
-        <p:nvPr/>
-      </p:nvGrpSpPr>
-      <p:grpSpPr>
-        <a:xfrm>
-          <a:off x="0" y="0"/>
-          <a:ext cx="0" cy="0"/>
-          <a:chOff x="0" y="0"/>
-          <a:chExt cx="0" cy="0"/>
-        </a:xfrm>
-      </p:grpSpPr>
-      <p:sp>
-        <p:nvSpPr>
           <p:cNvPr id="3" name="Subtitle 2"/>
           <p:cNvSpPr>
             <a:spLocks noGrp="1"/>
@@ -8713,7 +8544,7 @@
 </p:sld>
 </file>
 
-<file path=ppt/slides/slide13.xml><?xml version="1.0" encoding="utf-8"?>
+<file path=ppt/slides/slide11.xml><?xml version="1.0" encoding="utf-8"?>
 <p:sld xmlns:a="http://schemas.openxmlformats.org/drawingml/2006/main" xmlns:r="http://schemas.openxmlformats.org/officeDocument/2006/relationships" xmlns:p="http://schemas.openxmlformats.org/presentationml/2006/main">
   <p:cSld>
     <p:spTree>
@@ -8866,7 +8697,7 @@
 </p:sld>
 </file>
 
-<file path=ppt/slides/slide14.xml><?xml version="1.0" encoding="utf-8"?>
+<file path=ppt/slides/slide12.xml><?xml version="1.0" encoding="utf-8"?>
 <p:sld xmlns:a="http://schemas.openxmlformats.org/drawingml/2006/main" xmlns:r="http://schemas.openxmlformats.org/officeDocument/2006/relationships" xmlns:p="http://schemas.openxmlformats.org/presentationml/2006/main">
   <p:cSld>
     <p:spTree>
@@ -9060,6 +8891,188 @@
 </p:sld>
 </file>
 
+<file path=ppt/slides/slide13.xml><?xml version="1.0" encoding="utf-8"?>
+<p:sld xmlns:a="http://schemas.openxmlformats.org/drawingml/2006/main" xmlns:r="http://schemas.openxmlformats.org/officeDocument/2006/relationships" xmlns:p="http://schemas.openxmlformats.org/presentationml/2006/main">
+  <p:cSld>
+    <p:spTree>
+      <p:nvGrpSpPr>
+        <p:cNvPr id="1" name=""/>
+        <p:cNvGrpSpPr/>
+        <p:nvPr/>
+      </p:nvGrpSpPr>
+      <p:grpSpPr>
+        <a:xfrm>
+          <a:off x="0" y="0"/>
+          <a:ext cx="0" cy="0"/>
+          <a:chOff x="0" y="0"/>
+          <a:chExt cx="0" cy="0"/>
+        </a:xfrm>
+      </p:grpSpPr>
+      <p:sp>
+        <p:nvSpPr>
+          <p:cNvPr id="3" name="Subtitle 2"/>
+          <p:cNvSpPr>
+            <a:spLocks noGrp="1"/>
+          </p:cNvSpPr>
+          <p:nvPr>
+            <p:ph idx="1"/>
+          </p:nvPr>
+        </p:nvSpPr>
+        <p:spPr>
+          <a:xfrm>
+            <a:off x="540913" y="296215"/>
+            <a:ext cx="8733089" cy="5745148"/>
+          </a:xfrm>
+        </p:spPr>
+        <p:txBody>
+          <a:bodyPr/>
+          <a:lstStyle/>
+          <a:p>
+            <a:pPr marL="0" indent="0" algn="l">
+              <a:buNone/>
+            </a:pPr>
+            <a:r>
+              <a:rPr lang="en-US" b="1" dirty="0"/>
+              <a:t>Cons</a:t>
+            </a:r>
+          </a:p>
+          <a:p>
+            <a:r>
+              <a:rPr lang="en-US" dirty="0"/>
+              <a:t>It can clutter up large projects, which typically contain thousands of dependencies.</a:t>
+            </a:r>
+          </a:p>
+          <a:p>
+            <a:endParaRPr lang="en-US" dirty="0"/>
+          </a:p>
+          <a:p>
+            <a:pPr marL="0" indent="0">
+              <a:buNone/>
+            </a:pPr>
+            <a:r>
+              <a:rPr lang="en-US" dirty="0"/>
+              <a:t>-- This clutter can be all but eliminated by using a </a:t>
+            </a:r>
+            <a:r>
+              <a:rPr lang="en-US" i="1" dirty="0"/>
+              <a:t>dependency injection framework</a:t>
+            </a:r>
+            <a:r>
+              <a:rPr lang="en-US" dirty="0"/>
+              <a:t>, such as Dagger, </a:t>
+            </a:r>
+            <a:r>
+              <a:rPr lang="en-US" dirty="0" err="1"/>
+              <a:t>Guice</a:t>
+            </a:r>
+            <a:r>
+              <a:rPr lang="en-US" dirty="0"/>
+              <a:t> or Spring.</a:t>
+            </a:r>
+          </a:p>
+          <a:p>
+            <a:pPr marL="342900" indent="-342900" algn="l">
+              <a:buAutoNum type="arabicPeriod"/>
+            </a:pPr>
+            <a:endParaRPr lang="en-US" dirty="0"/>
+          </a:p>
+        </p:txBody>
+      </p:sp>
+    </p:spTree>
+    <p:extLst>
+      <p:ext uri="{BB962C8B-B14F-4D97-AF65-F5344CB8AC3E}">
+        <p14:creationId xmlns:p14="http://schemas.microsoft.com/office/powerpoint/2010/main" val="2021245648"/>
+      </p:ext>
+    </p:extLst>
+  </p:cSld>
+  <p:clrMapOvr>
+    <a:masterClrMapping/>
+  </p:clrMapOvr>
+</p:sld>
+</file>
+
+<file path=ppt/slides/slide14.xml><?xml version="1.0" encoding="utf-8"?>
+<p:sld xmlns:a="http://schemas.openxmlformats.org/drawingml/2006/main" xmlns:r="http://schemas.openxmlformats.org/officeDocument/2006/relationships" xmlns:p="http://schemas.openxmlformats.org/presentationml/2006/main">
+  <p:cSld>
+    <p:spTree>
+      <p:nvGrpSpPr>
+        <p:cNvPr id="1" name=""/>
+        <p:cNvGrpSpPr/>
+        <p:nvPr/>
+      </p:nvGrpSpPr>
+      <p:grpSpPr>
+        <a:xfrm>
+          <a:off x="0" y="0"/>
+          <a:ext cx="0" cy="0"/>
+          <a:chOff x="0" y="0"/>
+          <a:chExt cx="0" cy="0"/>
+        </a:xfrm>
+      </p:grpSpPr>
+      <p:sp>
+        <p:nvSpPr>
+          <p:cNvPr id="3" name="Subtitle 2"/>
+          <p:cNvSpPr>
+            <a:spLocks noGrp="1"/>
+          </p:cNvSpPr>
+          <p:nvPr>
+            <p:ph idx="1"/>
+          </p:nvPr>
+        </p:nvSpPr>
+        <p:spPr>
+          <a:xfrm>
+            <a:off x="540913" y="296215"/>
+            <a:ext cx="8733089" cy="5745148"/>
+          </a:xfrm>
+        </p:spPr>
+        <p:txBody>
+          <a:bodyPr/>
+          <a:lstStyle/>
+          <a:p>
+            <a:pPr marL="0" indent="0" algn="l">
+              <a:buNone/>
+            </a:pPr>
+            <a:r>
+              <a:rPr lang="en-US" dirty="0"/>
+              <a:t>Item 5 : Summary </a:t>
+            </a:r>
+          </a:p>
+          <a:p>
+            <a:r>
+              <a:rPr lang="en-US" b="1" dirty="0"/>
+              <a:t>Static utility classes and singletons are inappropriate for classes whose behavior is parameterized by an underlying resource.</a:t>
+            </a:r>
+          </a:p>
+          <a:p>
+            <a:r>
+              <a:rPr lang="en-US" dirty="0"/>
+              <a:t>Instead, pass the resources, or factories to create them, into the constructor (or static factory or builder). This practice, known as dependency injection, will greatly enhance the flexibility, reusability, and testability of a class.</a:t>
+            </a:r>
+          </a:p>
+          <a:p>
+            <a:pPr algn="l"/>
+            <a:endParaRPr lang="en-US" dirty="0"/>
+          </a:p>
+          <a:p>
+            <a:pPr marL="342900" indent="-342900" algn="l">
+              <a:buAutoNum type="arabicPeriod"/>
+            </a:pPr>
+            <a:endParaRPr lang="en-US" dirty="0"/>
+          </a:p>
+        </p:txBody>
+      </p:sp>
+    </p:spTree>
+    <p:extLst>
+      <p:ext uri="{BB962C8B-B14F-4D97-AF65-F5344CB8AC3E}">
+        <p14:creationId xmlns:p14="http://schemas.microsoft.com/office/powerpoint/2010/main" val="4146752217"/>
+      </p:ext>
+    </p:extLst>
+  </p:cSld>
+  <p:clrMapOvr>
+    <a:masterClrMapping/>
+  </p:clrMapOvr>
+</p:sld>
+</file>
+
 <file path=ppt/slides/slide15.xml><?xml version="1.0" encoding="utf-8"?>
 <p:sld xmlns:a="http://schemas.openxmlformats.org/drawingml/2006/main" xmlns:r="http://schemas.openxmlformats.org/officeDocument/2006/relationships" xmlns:p="http://schemas.openxmlformats.org/presentationml/2006/main">
   <p:cSld>
@@ -9079,78 +9092,50 @@
       </p:grpSpPr>
       <p:sp>
         <p:nvSpPr>
-          <p:cNvPr id="3" name="Subtitle 2"/>
-          <p:cNvSpPr>
-            <a:spLocks noGrp="1"/>
-          </p:cNvSpPr>
-          <p:nvPr>
-            <p:ph idx="1"/>
-          </p:nvPr>
-        </p:nvSpPr>
-        <p:spPr>
-          <a:xfrm>
-            <a:off x="540913" y="296215"/>
-            <a:ext cx="8733089" cy="5745148"/>
-          </a:xfrm>
-        </p:spPr>
+          <p:cNvPr id="2" name="Title 1"/>
+          <p:cNvSpPr>
+            <a:spLocks noGrp="1"/>
+          </p:cNvSpPr>
+          <p:nvPr>
+            <p:ph type="ctrTitle"/>
+          </p:nvPr>
+        </p:nvSpPr>
+        <p:spPr/>
         <p:txBody>
           <a:bodyPr/>
           <a:lstStyle/>
           <a:p>
-            <a:pPr marL="0" indent="0" algn="l">
-              <a:buNone/>
-            </a:pPr>
             <a:r>
               <a:rPr lang="en-US" b="1" dirty="0"/>
-              <a:t>Cons</a:t>
-            </a:r>
-          </a:p>
-          <a:p>
-            <a:r>
-              <a:rPr lang="en-US" dirty="0"/>
-              <a:t>It can clutter up large projects, which typically contain thousands of dependencies.</a:t>
-            </a:r>
-          </a:p>
-          <a:p>
+              <a:t>Item 6: Avoid creating unnecessary objects</a:t>
+            </a:r>
             <a:endParaRPr lang="en-US" dirty="0"/>
           </a:p>
-          <a:p>
-            <a:pPr marL="0" indent="0">
-              <a:buNone/>
-            </a:pPr>
-            <a:r>
-              <a:rPr lang="en-US" dirty="0"/>
-              <a:t>-- This clutter can be all but eliminated by using a </a:t>
-            </a:r>
-            <a:r>
-              <a:rPr lang="en-US" i="1" dirty="0"/>
-              <a:t>dependency injection framework</a:t>
-            </a:r>
-            <a:r>
-              <a:rPr lang="en-US" dirty="0"/>
-              <a:t>, such as Dagger, </a:t>
-            </a:r>
-            <a:r>
-              <a:rPr lang="en-US" dirty="0" err="1"/>
-              <a:t>Guice</a:t>
-            </a:r>
-            <a:r>
-              <a:rPr lang="en-US" dirty="0"/>
-              <a:t> or Spring.</a:t>
-            </a:r>
-          </a:p>
-          <a:p>
-            <a:pPr marL="342900" indent="-342900" algn="l">
-              <a:buAutoNum type="arabicPeriod"/>
-            </a:pPr>
-            <a:endParaRPr lang="en-US" dirty="0"/>
+        </p:txBody>
+      </p:sp>
+      <p:sp>
+        <p:nvSpPr>
+          <p:cNvPr id="3" name="Subtitle 2"/>
+          <p:cNvSpPr>
+            <a:spLocks noGrp="1"/>
+          </p:cNvSpPr>
+          <p:nvPr>
+            <p:ph type="subTitle" idx="1"/>
+          </p:nvPr>
+        </p:nvSpPr>
+        <p:spPr/>
+        <p:txBody>
+          <a:bodyPr/>
+          <a:lstStyle/>
+          <a:p>
+            <a:endParaRPr lang="en-US"/>
           </a:p>
         </p:txBody>
       </p:sp>
     </p:spTree>
     <p:extLst>
       <p:ext uri="{BB962C8B-B14F-4D97-AF65-F5344CB8AC3E}">
-        <p14:creationId xmlns:p14="http://schemas.microsoft.com/office/powerpoint/2010/main" val="2021245648"/>
+        <p14:creationId xmlns:p14="http://schemas.microsoft.com/office/powerpoint/2010/main" val="1172101137"/>
       </p:ext>
     </p:extLst>
   </p:cSld>
@@ -9179,7 +9164,7 @@
       </p:grpSpPr>
       <p:sp>
         <p:nvSpPr>
-          <p:cNvPr id="3" name="Subtitle 2"/>
+          <p:cNvPr id="3" name="Content Placeholder 2"/>
           <p:cNvSpPr>
             <a:spLocks noGrp="1"/>
           </p:cNvSpPr>
@@ -9189,41 +9174,91 @@
         </p:nvSpPr>
         <p:spPr>
           <a:xfrm>
-            <a:off x="540913" y="296215"/>
-            <a:ext cx="8733089" cy="5745148"/>
+            <a:off x="677334" y="592428"/>
+            <a:ext cx="8596668" cy="5448935"/>
           </a:xfrm>
         </p:spPr>
         <p:txBody>
-          <a:bodyPr/>
+          <a:bodyPr>
+            <a:normAutofit/>
+          </a:bodyPr>
           <a:lstStyle/>
           <a:p>
-            <a:pPr marL="0" indent="0" algn="l">
+            <a:pPr marL="0" indent="0">
               <a:buNone/>
             </a:pPr>
             <a:r>
-              <a:rPr lang="en-US" dirty="0"/>
-              <a:t>Item 5 : Summary </a:t>
-            </a:r>
-          </a:p>
-          <a:p>
-            <a:r>
-              <a:rPr lang="en-US" b="1" dirty="0"/>
-              <a:t>Static utility classes and singletons are inappropriate for classes whose behavior is parameterized by an underlying resource.</a:t>
-            </a:r>
-          </a:p>
-          <a:p>
-            <a:r>
-              <a:rPr lang="en-US" dirty="0"/>
-              <a:t>Instead, pass the resources, or factories to create them, into the constructor (or static factory or builder). This practice, known as dependency injection, will greatly enhance the flexibility, reusability, and testability of a class.</a:t>
-            </a:r>
-          </a:p>
-          <a:p>
-            <a:pPr algn="l"/>
+              <a:rPr lang="en-US" b="1" dirty="0">
+                <a:solidFill>
+                  <a:srgbClr val="00B050"/>
+                </a:solidFill>
+              </a:rPr>
+              <a:t>Case 1 </a:t>
+            </a:r>
+          </a:p>
+          <a:p>
+            <a:r>
+              <a:rPr lang="en-US" dirty="0"/>
+              <a:t>String s = new String(“ABC”);</a:t>
+            </a:r>
+          </a:p>
+          <a:p>
+            <a:r>
+              <a:rPr lang="en-US" dirty="0"/>
+              <a:t>The statement creates a new String instance each time it is executed, and none of those object creations is necessary</a:t>
+            </a:r>
+          </a:p>
+          <a:p>
+            <a:r>
+              <a:rPr lang="en-US" dirty="0"/>
+              <a:t>String s = “ABC”;</a:t>
+            </a:r>
+          </a:p>
+          <a:p>
+            <a:r>
+              <a:rPr lang="en-US" dirty="0"/>
+              <a:t>This version uses a single String instance, rather than creating a new one each time it is executed. Furthermore, it is guaranteed that the object will be reused by any other code running in the same virtual machine that happens to contain the same string literal</a:t>
+            </a:r>
+          </a:p>
+          <a:p>
+            <a:pPr marL="0" indent="0">
+              <a:buNone/>
+            </a:pPr>
+            <a:endParaRPr lang="en-US" b="1" dirty="0">
+              <a:solidFill>
+                <a:srgbClr val="00B050"/>
+              </a:solidFill>
+            </a:endParaRPr>
+          </a:p>
+          <a:p>
+            <a:pPr marL="0" indent="0">
+              <a:buNone/>
+            </a:pPr>
+            <a:endParaRPr lang="en-US" b="1" dirty="0">
+              <a:solidFill>
+                <a:srgbClr val="00B050"/>
+              </a:solidFill>
+            </a:endParaRPr>
+          </a:p>
+          <a:p>
+            <a:pPr marL="0" indent="0">
+              <a:buNone/>
+            </a:pPr>
+            <a:endParaRPr lang="en-US" b="1" dirty="0">
+              <a:solidFill>
+                <a:srgbClr val="00B050"/>
+              </a:solidFill>
+            </a:endParaRPr>
+          </a:p>
+          <a:p>
+            <a:pPr marL="0" indent="0">
+              <a:buNone/>
+            </a:pPr>
             <a:endParaRPr lang="en-US" dirty="0"/>
           </a:p>
           <a:p>
-            <a:pPr marL="342900" indent="-342900" algn="l">
-              <a:buAutoNum type="arabicPeriod"/>
+            <a:pPr marL="0" indent="0">
+              <a:buNone/>
             </a:pPr>
             <a:endParaRPr lang="en-US" dirty="0"/>
           </a:p>
@@ -9232,7 +9267,7 @@
     </p:spTree>
     <p:extLst>
       <p:ext uri="{BB962C8B-B14F-4D97-AF65-F5344CB8AC3E}">
-        <p14:creationId xmlns:p14="http://schemas.microsoft.com/office/powerpoint/2010/main" val="4146752217"/>
+        <p14:creationId xmlns:p14="http://schemas.microsoft.com/office/powerpoint/2010/main" val="3420981621"/>
       </p:ext>
     </p:extLst>
   </p:cSld>
@@ -9261,50 +9296,270 @@
       </p:grpSpPr>
       <p:sp>
         <p:nvSpPr>
-          <p:cNvPr id="2" name="Title 1"/>
-          <p:cNvSpPr>
-            <a:spLocks noGrp="1"/>
-          </p:cNvSpPr>
-          <p:nvPr>
-            <p:ph type="ctrTitle"/>
-          </p:nvPr>
-        </p:nvSpPr>
-        <p:spPr/>
-        <p:txBody>
-          <a:bodyPr/>
+          <p:cNvPr id="3" name="Content Placeholder 2"/>
+          <p:cNvSpPr>
+            <a:spLocks noGrp="1"/>
+          </p:cNvSpPr>
+          <p:nvPr>
+            <p:ph idx="1"/>
+          </p:nvPr>
+        </p:nvSpPr>
+        <p:spPr>
+          <a:xfrm>
+            <a:off x="677334" y="373487"/>
+            <a:ext cx="8596668" cy="5962919"/>
+          </a:xfrm>
+        </p:spPr>
+        <p:txBody>
+          <a:bodyPr>
+            <a:normAutofit fontScale="92500" lnSpcReduction="20000"/>
+          </a:bodyPr>
           <a:lstStyle/>
           <a:p>
-            <a:r>
-              <a:rPr lang="en-US" b="1" dirty="0"/>
-              <a:t>Item 6: Avoid creating unnecessary objects</a:t>
+            <a:pPr marL="0" indent="0">
+              <a:buNone/>
+            </a:pPr>
+            <a:r>
+              <a:rPr lang="en-US" b="1" dirty="0">
+                <a:solidFill>
+                  <a:srgbClr val="00B050"/>
+                </a:solidFill>
+              </a:rPr>
+              <a:t>Case 2</a:t>
             </a:r>
             <a:endParaRPr lang="en-US" dirty="0"/>
           </a:p>
-        </p:txBody>
-      </p:sp>
-      <p:sp>
-        <p:nvSpPr>
-          <p:cNvPr id="3" name="Subtitle 2"/>
-          <p:cNvSpPr>
-            <a:spLocks noGrp="1"/>
-          </p:cNvSpPr>
-          <p:nvPr>
-            <p:ph type="subTitle" idx="1"/>
-          </p:nvPr>
-        </p:nvSpPr>
-        <p:spPr/>
-        <p:txBody>
-          <a:bodyPr/>
-          <a:lstStyle/>
-          <a:p>
-            <a:endParaRPr lang="en-US"/>
+          <a:p>
+            <a:pPr marL="0" indent="0">
+              <a:buNone/>
+            </a:pPr>
+            <a:r>
+              <a:rPr lang="en-US" dirty="0"/>
+              <a:t>static </a:t>
+            </a:r>
+            <a:r>
+              <a:rPr lang="en-US" dirty="0" err="1"/>
+              <a:t>boolean</a:t>
+            </a:r>
+            <a:r>
+              <a:rPr lang="en-US" dirty="0"/>
+              <a:t> </a:t>
+            </a:r>
+            <a:r>
+              <a:rPr lang="en-US" dirty="0" err="1"/>
+              <a:t>isRomanNumeral</a:t>
+            </a:r>
+            <a:r>
+              <a:rPr lang="en-US" dirty="0"/>
+              <a:t>(String s) {</a:t>
+            </a:r>
+          </a:p>
+          <a:p>
+            <a:pPr marL="0" indent="0">
+              <a:buNone/>
+            </a:pPr>
+            <a:r>
+              <a:rPr lang="en-US" dirty="0"/>
+              <a:t>	return </a:t>
+            </a:r>
+            <a:r>
+              <a:rPr lang="en-US" dirty="0" err="1"/>
+              <a:t>s.</a:t>
+            </a:r>
+            <a:r>
+              <a:rPr lang="en-US" dirty="0" err="1">
+                <a:solidFill>
+                  <a:srgbClr val="FF0000"/>
+                </a:solidFill>
+              </a:rPr>
+              <a:t>matches</a:t>
+            </a:r>
+            <a:r>
+              <a:rPr lang="en-US" dirty="0"/>
+              <a:t>("^(?=.)M*(C[MD]|D?C{0,3})"+</a:t>
+            </a:r>
+          </a:p>
+          <a:p>
+            <a:pPr marL="0" indent="0">
+              <a:buNone/>
+            </a:pPr>
+            <a:r>
+              <a:rPr lang="en-US" dirty="0"/>
+              <a:t>	"(X[CL]|L?X{0,3})(I[XV]|V?I{0,3})$");</a:t>
+            </a:r>
+          </a:p>
+          <a:p>
+            <a:pPr marL="0" indent="0">
+              <a:buNone/>
+            </a:pPr>
+            <a:r>
+              <a:rPr lang="en-US" dirty="0"/>
+              <a:t>}</a:t>
+            </a:r>
+          </a:p>
+          <a:p>
+            <a:r>
+              <a:rPr lang="en-US" dirty="0"/>
+              <a:t>String </a:t>
+            </a:r>
+            <a:r>
+              <a:rPr lang="en-US" dirty="0">
+                <a:solidFill>
+                  <a:srgbClr val="FF0000"/>
+                </a:solidFill>
+              </a:rPr>
+              <a:t>matches</a:t>
+            </a:r>
+            <a:r>
+              <a:rPr lang="en-US" dirty="0"/>
+              <a:t> : internally creates a Pattern instance for the regular expression and uses it only once, after which it becomes eligible for garbage collection. Creating a Pattern instance is expensive because it requires compiling the regular expression into a finite state machine.</a:t>
+            </a:r>
+          </a:p>
+          <a:p>
+            <a:pPr marL="0" indent="0">
+              <a:buNone/>
+            </a:pPr>
+            <a:endParaRPr lang="en-US" dirty="0"/>
+          </a:p>
+          <a:p>
+            <a:pPr marL="0" indent="0">
+              <a:buNone/>
+            </a:pPr>
+            <a:r>
+              <a:rPr lang="en-US" dirty="0"/>
+              <a:t>public class </a:t>
+            </a:r>
+            <a:r>
+              <a:rPr lang="en-US" dirty="0" err="1"/>
+              <a:t>RomanNumerals</a:t>
+            </a:r>
+            <a:r>
+              <a:rPr lang="en-US" dirty="0"/>
+              <a:t> {</a:t>
+            </a:r>
+          </a:p>
+          <a:p>
+            <a:pPr marL="0" indent="0">
+              <a:buNone/>
+            </a:pPr>
+            <a:r>
+              <a:rPr lang="en-US" dirty="0"/>
+              <a:t>	private </a:t>
+            </a:r>
+            <a:r>
+              <a:rPr lang="en-US" dirty="0">
+                <a:solidFill>
+                  <a:srgbClr val="FF0000"/>
+                </a:solidFill>
+              </a:rPr>
+              <a:t>static final Pattern </a:t>
+            </a:r>
+            <a:r>
+              <a:rPr lang="en-US" dirty="0"/>
+              <a:t>ROMAN = </a:t>
+            </a:r>
+            <a:r>
+              <a:rPr lang="en-US" dirty="0" err="1"/>
+              <a:t>Pattern.compile</a:t>
+            </a:r>
+            <a:r>
+              <a:rPr lang="en-US" dirty="0"/>
+              <a:t>("^(?=.)M*(C[MD]|D?C{0,3})"</a:t>
+            </a:r>
+          </a:p>
+          <a:p>
+            <a:pPr marL="0" indent="0">
+              <a:buNone/>
+            </a:pPr>
+            <a:r>
+              <a:rPr lang="en-US" dirty="0"/>
+              <a:t>	+ "(X[CL]|L?X{0,3})(I[XV]|V?I{0,3})$");</a:t>
+            </a:r>
+          </a:p>
+          <a:p>
+            <a:pPr marL="0" indent="0">
+              <a:buNone/>
+            </a:pPr>
+            <a:endParaRPr lang="en-US" dirty="0"/>
+          </a:p>
+          <a:p>
+            <a:pPr marL="0" indent="0">
+              <a:buNone/>
+            </a:pPr>
+            <a:r>
+              <a:rPr lang="en-US" dirty="0"/>
+              <a:t>	static </a:t>
+            </a:r>
+            <a:r>
+              <a:rPr lang="en-US" dirty="0" err="1"/>
+              <a:t>boolean</a:t>
+            </a:r>
+            <a:r>
+              <a:rPr lang="en-US" dirty="0"/>
+              <a:t> </a:t>
+            </a:r>
+            <a:r>
+              <a:rPr lang="en-US" dirty="0" err="1"/>
+              <a:t>isRomanNumeral</a:t>
+            </a:r>
+            <a:r>
+              <a:rPr lang="en-US" dirty="0"/>
+              <a:t>(String s) {</a:t>
+            </a:r>
+          </a:p>
+          <a:p>
+            <a:pPr marL="0" indent="0">
+              <a:buNone/>
+            </a:pPr>
+            <a:r>
+              <a:rPr lang="en-US" dirty="0"/>
+              <a:t>		return </a:t>
+            </a:r>
+            <a:r>
+              <a:rPr lang="en-US" dirty="0" err="1"/>
+              <a:t>ROMAN.matcher</a:t>
+            </a:r>
+            <a:r>
+              <a:rPr lang="en-US" dirty="0"/>
+              <a:t>(s).matches();</a:t>
+            </a:r>
+          </a:p>
+          <a:p>
+            <a:pPr marL="0" indent="0">
+              <a:buNone/>
+            </a:pPr>
+            <a:r>
+              <a:rPr lang="en-US" dirty="0"/>
+              <a:t>	}</a:t>
+            </a:r>
+          </a:p>
+          <a:p>
+            <a:pPr marL="0" indent="0">
+              <a:buNone/>
+            </a:pPr>
+            <a:r>
+              <a:rPr lang="en-US" dirty="0"/>
+              <a:t>}</a:t>
+            </a:r>
+          </a:p>
+          <a:p>
+            <a:pPr marL="0" indent="0">
+              <a:buNone/>
+            </a:pPr>
+            <a:endParaRPr lang="en-US" dirty="0"/>
+          </a:p>
+          <a:p>
+            <a:pPr marL="0" indent="0">
+              <a:buNone/>
+            </a:pPr>
+            <a:endParaRPr lang="en-US" dirty="0"/>
           </a:p>
         </p:txBody>
       </p:sp>
     </p:spTree>
     <p:extLst>
       <p:ext uri="{BB962C8B-B14F-4D97-AF65-F5344CB8AC3E}">
-        <p14:creationId xmlns:p14="http://schemas.microsoft.com/office/powerpoint/2010/main" val="1172101137"/>
+        <p14:creationId xmlns:p14="http://schemas.microsoft.com/office/powerpoint/2010/main" val="3614038866"/>
       </p:ext>
     </p:extLst>
   </p:cSld>
@@ -9343,8 +9598,8 @@
         </p:nvSpPr>
         <p:spPr>
           <a:xfrm>
-            <a:off x="677334" y="592428"/>
-            <a:ext cx="8596668" cy="5448935"/>
+            <a:off x="677334" y="425003"/>
+            <a:ext cx="8596668" cy="5616359"/>
           </a:xfrm>
         </p:spPr>
         <p:txBody>
@@ -9362,81 +9617,151 @@
                   <a:srgbClr val="00B050"/>
                 </a:solidFill>
               </a:rPr>
-              <a:t>Case 1 </a:t>
-            </a:r>
-          </a:p>
-          <a:p>
-            <a:r>
-              <a:rPr lang="en-US" dirty="0"/>
-              <a:t>String s = new String(“ABC”);</a:t>
-            </a:r>
-          </a:p>
-          <a:p>
-            <a:r>
-              <a:rPr lang="en-US" dirty="0"/>
-              <a:t>The statement creates a new String instance each time it is executed, and none of those object creations is necessary</a:t>
-            </a:r>
-          </a:p>
-          <a:p>
-            <a:r>
-              <a:rPr lang="en-US" dirty="0"/>
-              <a:t>String s = “ABC”;</a:t>
-            </a:r>
-          </a:p>
-          <a:p>
-            <a:r>
-              <a:rPr lang="en-US" dirty="0"/>
-              <a:t>This version uses a single String instance, rather than creating a new one each time it is executed. Furthermore, it is guaranteed that the object will be reused by any other code running in the same virtual machine that happens to contain the same string literal</a:t>
+              <a:t>Case 3</a:t>
+            </a:r>
+            <a:endParaRPr lang="en-US" b="1" dirty="0"/>
+          </a:p>
+          <a:p>
+            <a:r>
+              <a:rPr lang="en-US" b="1" dirty="0"/>
+              <a:t>Can you spot the object creation ?</a:t>
             </a:r>
           </a:p>
           <a:p>
             <a:pPr marL="0" indent="0">
               <a:buNone/>
             </a:pPr>
-            <a:endParaRPr lang="en-US" b="1" dirty="0">
-              <a:solidFill>
-                <a:srgbClr val="00B050"/>
-              </a:solidFill>
-            </a:endParaRPr>
+            <a:endParaRPr lang="en-US" b="1" dirty="0"/>
           </a:p>
           <a:p>
             <a:pPr marL="0" indent="0">
               <a:buNone/>
             </a:pPr>
-            <a:endParaRPr lang="en-US" b="1" dirty="0">
-              <a:solidFill>
-                <a:srgbClr val="00B050"/>
-              </a:solidFill>
-            </a:endParaRPr>
+            <a:r>
+              <a:rPr lang="en-US" dirty="0"/>
+              <a:t>private static long sum() {</a:t>
+            </a:r>
           </a:p>
           <a:p>
             <a:pPr marL="0" indent="0">
               <a:buNone/>
             </a:pPr>
-            <a:endParaRPr lang="en-US" b="1" dirty="0">
-              <a:solidFill>
-                <a:srgbClr val="00B050"/>
-              </a:solidFill>
-            </a:endParaRPr>
+            <a:r>
+              <a:rPr lang="en-US" dirty="0"/>
+              <a:t> 	</a:t>
+            </a:r>
+            <a:r>
+              <a:rPr lang="en-US" dirty="0">
+                <a:solidFill>
+                  <a:schemeClr val="tx1"/>
+                </a:solidFill>
+              </a:rPr>
+              <a:t>Long</a:t>
+            </a:r>
+            <a:r>
+              <a:rPr lang="en-US" dirty="0">
+                <a:solidFill>
+                  <a:srgbClr val="FF0000"/>
+                </a:solidFill>
+              </a:rPr>
+              <a:t> </a:t>
+            </a:r>
+            <a:r>
+              <a:rPr lang="en-US" dirty="0"/>
+              <a:t>sum = 0L;</a:t>
+            </a:r>
           </a:p>
           <a:p>
             <a:pPr marL="0" indent="0">
               <a:buNone/>
             </a:pPr>
-            <a:endParaRPr lang="en-US" dirty="0"/>
+            <a:r>
+              <a:rPr lang="en-US" dirty="0"/>
+              <a:t>	for (long </a:t>
+            </a:r>
+            <a:r>
+              <a:rPr lang="en-US" dirty="0" err="1"/>
+              <a:t>i</a:t>
+            </a:r>
+            <a:r>
+              <a:rPr lang="en-US" dirty="0"/>
+              <a:t> = 0; </a:t>
+            </a:r>
+            <a:r>
+              <a:rPr lang="en-US" dirty="0" err="1"/>
+              <a:t>i</a:t>
+            </a:r>
+            <a:r>
+              <a:rPr lang="en-US" dirty="0"/>
+              <a:t> &lt;= </a:t>
+            </a:r>
+            <a:r>
+              <a:rPr lang="en-US" dirty="0" err="1"/>
+              <a:t>Integer.MAX_VALUE</a:t>
+            </a:r>
+            <a:r>
+              <a:rPr lang="en-US" dirty="0"/>
+              <a:t>; </a:t>
+            </a:r>
+            <a:r>
+              <a:rPr lang="en-US" dirty="0" err="1"/>
+              <a:t>i</a:t>
+            </a:r>
+            <a:r>
+              <a:rPr lang="en-US" dirty="0"/>
+              <a:t>++) {</a:t>
+            </a:r>
           </a:p>
           <a:p>
             <a:pPr marL="0" indent="0">
               <a:buNone/>
             </a:pPr>
-            <a:endParaRPr lang="en-US" dirty="0"/>
+            <a:r>
+              <a:rPr lang="en-US" dirty="0"/>
+              <a:t>		sum += </a:t>
+            </a:r>
+            <a:r>
+              <a:rPr lang="en-US" dirty="0" err="1"/>
+              <a:t>i</a:t>
+            </a:r>
+            <a:r>
+              <a:rPr lang="en-US" dirty="0"/>
+              <a:t>;</a:t>
+            </a:r>
+          </a:p>
+          <a:p>
+            <a:pPr marL="0" indent="0">
+              <a:buNone/>
+            </a:pPr>
+            <a:r>
+              <a:rPr lang="en-US" dirty="0"/>
+              <a:t>	}	</a:t>
+            </a:r>
+          </a:p>
+          <a:p>
+            <a:pPr marL="0" indent="0">
+              <a:buNone/>
+            </a:pPr>
+            <a:r>
+              <a:rPr lang="en-US" dirty="0"/>
+              <a:t>	return sum;</a:t>
+            </a:r>
+          </a:p>
+          <a:p>
+            <a:pPr marL="0" indent="0">
+              <a:buNone/>
+            </a:pPr>
+            <a:r>
+              <a:rPr lang="en-US" dirty="0"/>
+              <a:t>}</a:t>
+            </a:r>
           </a:p>
         </p:txBody>
       </p:sp>
     </p:spTree>
     <p:extLst>
       <p:ext uri="{BB962C8B-B14F-4D97-AF65-F5344CB8AC3E}">
-        <p14:creationId xmlns:p14="http://schemas.microsoft.com/office/powerpoint/2010/main" val="3420981621"/>
+        <p14:creationId xmlns:p14="http://schemas.microsoft.com/office/powerpoint/2010/main" val="1245047968"/>
       </p:ext>
     </p:extLst>
   </p:cSld>
@@ -9475,13 +9800,13 @@
         </p:nvSpPr>
         <p:spPr>
           <a:xfrm>
-            <a:off x="677334" y="373487"/>
-            <a:ext cx="8596668" cy="5962919"/>
+            <a:off x="677334" y="656823"/>
+            <a:ext cx="8596668" cy="5384539"/>
           </a:xfrm>
         </p:spPr>
         <p:txBody>
           <a:bodyPr>
-            <a:normAutofit fontScale="92500" lnSpcReduction="20000"/>
+            <a:normAutofit lnSpcReduction="10000"/>
           </a:bodyPr>
           <a:lstStyle/>
           <a:p>
@@ -9494,33 +9819,91 @@
                   <a:srgbClr val="00B050"/>
                 </a:solidFill>
               </a:rPr>
-              <a:t>Case 2</a:t>
-            </a:r>
-            <a:endParaRPr lang="en-US" dirty="0"/>
+              <a:t>Case 3</a:t>
+            </a:r>
+            <a:endParaRPr lang="en-US" b="1" dirty="0"/>
+          </a:p>
+          <a:p>
+            <a:r>
+              <a:rPr lang="en-US" b="1" dirty="0"/>
+              <a:t>Can you spot the object creation ?</a:t>
+            </a:r>
           </a:p>
           <a:p>
             <a:pPr marL="0" indent="0">
               <a:buNone/>
             </a:pPr>
-            <a:r>
-              <a:rPr lang="en-US" dirty="0"/>
-              <a:t>static </a:t>
+            <a:endParaRPr lang="en-US" b="1" dirty="0"/>
+          </a:p>
+          <a:p>
+            <a:pPr marL="0" indent="0">
+              <a:buNone/>
+            </a:pPr>
+            <a:r>
+              <a:rPr lang="en-US" dirty="0"/>
+              <a:t>private static long sum() {</a:t>
+            </a:r>
+          </a:p>
+          <a:p>
+            <a:pPr marL="0" indent="0">
+              <a:buNone/>
+            </a:pPr>
+            <a:r>
+              <a:rPr lang="en-US" dirty="0"/>
+              <a:t> 	</a:t>
+            </a:r>
+            <a:r>
+              <a:rPr lang="en-US" dirty="0">
+                <a:solidFill>
+                  <a:srgbClr val="FF0000"/>
+                </a:solidFill>
+              </a:rPr>
+              <a:t>Long </a:t>
+            </a:r>
+            <a:r>
+              <a:rPr lang="en-US" dirty="0"/>
+              <a:t>sum = 0L;</a:t>
+            </a:r>
+          </a:p>
+          <a:p>
+            <a:pPr marL="0" indent="0">
+              <a:buNone/>
+            </a:pPr>
+            <a:r>
+              <a:rPr lang="en-US" dirty="0"/>
+              <a:t>	for (long </a:t>
             </a:r>
             <a:r>
               <a:rPr lang="en-US" dirty="0" err="1"/>
-              <a:t>boolean</a:t>
-            </a:r>
-            <a:r>
-              <a:rPr lang="en-US" dirty="0"/>
-              <a:t> </a:t>
+              <a:t>i</a:t>
+            </a:r>
+            <a:r>
+              <a:rPr lang="en-US" dirty="0"/>
+              <a:t> = 0; </a:t>
             </a:r>
             <a:r>
               <a:rPr lang="en-US" dirty="0" err="1"/>
-              <a:t>isRomanNumeral</a:t>
-            </a:r>
-            <a:r>
-              <a:rPr lang="en-US" dirty="0"/>
-              <a:t>(String s) {</a:t>
+              <a:t>i</a:t>
+            </a:r>
+            <a:r>
+              <a:rPr lang="en-US" dirty="0"/>
+              <a:t> &lt;= </a:t>
+            </a:r>
+            <a:r>
+              <a:rPr lang="en-US" dirty="0" err="1"/>
+              <a:t>Integer.MAX_VALUE</a:t>
+            </a:r>
+            <a:r>
+              <a:rPr lang="en-US" dirty="0"/>
+              <a:t>; </a:t>
+            </a:r>
+            <a:r>
+              <a:rPr lang="en-US" dirty="0" err="1"/>
+              <a:t>i</a:t>
+            </a:r>
+            <a:r>
+              <a:rPr lang="en-US" dirty="0"/>
+              <a:t>++) {</a:t>
             </a:r>
           </a:p>
           <a:p>
@@ -9529,11 +9912,15 @@
             </a:pPr>
             <a:r>
               <a:rPr lang="en-US" dirty="0"/>
-              <a:t>	return </a:t>
-            </a:r>
-            <a:r>
-              <a:rPr lang="en-US" dirty="0" err="1"/>
-              <a:t>s.</a:t>
+              <a:t>		</a:t>
+            </a:r>
+            <a:r>
+              <a:rPr lang="en-US" dirty="0">
+                <a:solidFill>
+                  <a:srgbClr val="FF0000"/>
+                </a:solidFill>
+              </a:rPr>
+              <a:t>sum += </a:t>
             </a:r>
             <a:r>
               <a:rPr lang="en-US" dirty="0" err="1">
@@ -9541,35 +9928,7 @@
                   <a:srgbClr val="FF0000"/>
                 </a:solidFill>
               </a:rPr>
-              <a:t>matches</a:t>
-            </a:r>
-            <a:r>
-              <a:rPr lang="en-US" dirty="0"/>
-              <a:t>("^(?=.)M*(C[MD]|D?C{0,3})"+</a:t>
-            </a:r>
-          </a:p>
-          <a:p>
-            <a:pPr marL="0" indent="0">
-              <a:buNone/>
-            </a:pPr>
-            <a:r>
-              <a:rPr lang="en-US" dirty="0"/>
-              <a:t>	"(X[CL]|L?X{0,3})(I[XV]|V?I{0,3})$");</a:t>
-            </a:r>
-          </a:p>
-          <a:p>
-            <a:pPr marL="0" indent="0">
-              <a:buNone/>
-            </a:pPr>
-            <a:r>
-              <a:rPr lang="en-US" dirty="0"/>
-              <a:t>}</a:t>
-            </a:r>
-          </a:p>
-          <a:p>
-            <a:r>
-              <a:rPr lang="en-US" dirty="0"/>
-              <a:t>String </a:t>
+              <a:t>i</a:t>
             </a:r>
             <a:r>
               <a:rPr lang="en-US" dirty="0">
@@ -9577,150 +9936,66 @@
                   <a:srgbClr val="FF0000"/>
                 </a:solidFill>
               </a:rPr>
-              <a:t>matches</a:t>
-            </a:r>
-            <a:r>
-              <a:rPr lang="en-US" dirty="0"/>
-              <a:t> : internally creates a Pattern instance for the regular expression and uses it only once, after which it becomes eligible for garbage collection. Creating a Pattern instance is expensive because it requires compiling the regular expression into a finite state machine.</a:t>
+              <a:t>;</a:t>
             </a:r>
           </a:p>
           <a:p>
             <a:pPr marL="0" indent="0">
               <a:buNone/>
             </a:pPr>
+            <a:r>
+              <a:rPr lang="en-US" dirty="0"/>
+              <a:t>	}	</a:t>
+            </a:r>
+          </a:p>
+          <a:p>
+            <a:pPr marL="0" indent="0">
+              <a:buNone/>
+            </a:pPr>
+            <a:r>
+              <a:rPr lang="en-US" dirty="0"/>
+              <a:t>	return sum;</a:t>
+            </a:r>
+          </a:p>
+          <a:p>
+            <a:pPr marL="0" indent="0">
+              <a:buNone/>
+            </a:pPr>
+            <a:r>
+              <a:rPr lang="en-US" dirty="0"/>
+              <a:t>}</a:t>
+            </a:r>
+          </a:p>
+          <a:p>
+            <a:r>
+              <a:rPr lang="en-US" dirty="0"/>
+              <a:t>The variable sum is declared as a Long instead of a long, which means that the program constructs about 2 to the power 31 unnecessary Long instances (roughly one for each time the long </a:t>
+            </a:r>
+            <a:r>
+              <a:rPr lang="en-US" dirty="0" err="1"/>
+              <a:t>i</a:t>
+            </a:r>
+            <a:r>
+              <a:rPr lang="en-US" dirty="0"/>
+              <a:t> is added to the Long sum).</a:t>
+            </a:r>
+          </a:p>
+          <a:p>
+            <a:r>
+              <a:rPr lang="en-US" b="1" dirty="0"/>
+              <a:t>prefer primitives to boxed primitives, and watch out for unintentional </a:t>
+            </a:r>
+            <a:r>
+              <a:rPr lang="en-US" b="1" dirty="0" err="1"/>
+              <a:t>autoboxing</a:t>
+            </a:r>
+            <a:r>
+              <a:rPr lang="en-US" b="1" dirty="0"/>
+              <a:t>.</a:t>
+            </a:r>
             <a:endParaRPr lang="en-US" dirty="0"/>
           </a:p>
           <a:p>
-            <a:pPr marL="0" indent="0">
-              <a:buNone/>
-            </a:pPr>
-            <a:r>
-              <a:rPr lang="en-US" dirty="0"/>
-              <a:t>public class </a:t>
-            </a:r>
-            <a:r>
-              <a:rPr lang="en-US" dirty="0" err="1"/>
-              <a:t>RomanNumerals</a:t>
-            </a:r>
-            <a:r>
-              <a:rPr lang="en-US" dirty="0"/>
-              <a:t> {</a:t>
-            </a:r>
-          </a:p>
-          <a:p>
-            <a:pPr marL="0" indent="0">
-              <a:buNone/>
-            </a:pPr>
-            <a:r>
-              <a:rPr lang="en-US" dirty="0"/>
-              <a:t>	private </a:t>
-            </a:r>
-            <a:r>
-              <a:rPr lang="en-US" dirty="0">
-                <a:solidFill>
-                  <a:srgbClr val="FF0000"/>
-                </a:solidFill>
-              </a:rPr>
-              <a:t>static final Pattern </a:t>
-            </a:r>
-            <a:r>
-              <a:rPr lang="en-US" dirty="0"/>
-              <a:t>ROMAN = </a:t>
-            </a:r>
-            <a:r>
-              <a:rPr lang="en-US" dirty="0" err="1"/>
-              <a:t>Pattern.compile</a:t>
-            </a:r>
-            <a:r>
-              <a:rPr lang="en-US" dirty="0"/>
-              <a:t>("^(?=.)M*(C[MD]|D?C{0,3})"</a:t>
-            </a:r>
-          </a:p>
-          <a:p>
-            <a:pPr marL="0" indent="0">
-              <a:buNone/>
-            </a:pPr>
-            <a:r>
-              <a:rPr lang="en-US" dirty="0"/>
-              <a:t>	+ "(X[CL]|L?X{0,3})(I[XV]|V?I{0,3})$");</a:t>
-            </a:r>
-          </a:p>
-          <a:p>
-            <a:pPr marL="0" indent="0">
-              <a:buNone/>
-            </a:pPr>
-            <a:endParaRPr lang="en-US" dirty="0"/>
-          </a:p>
-          <a:p>
-            <a:pPr marL="0" indent="0">
-              <a:buNone/>
-            </a:pPr>
-            <a:r>
-              <a:rPr lang="en-US" dirty="0"/>
-              <a:t>	static </a:t>
-            </a:r>
-            <a:r>
-              <a:rPr lang="en-US" dirty="0" err="1"/>
-              <a:t>boolean</a:t>
-            </a:r>
-            <a:r>
-              <a:rPr lang="en-US" dirty="0"/>
-              <a:t> </a:t>
-            </a:r>
-            <a:r>
-              <a:rPr lang="en-US" dirty="0" err="1"/>
-              <a:t>isRomanNumeral</a:t>
-            </a:r>
-            <a:r>
-              <a:rPr lang="en-US" dirty="0"/>
-              <a:t>(String s) {</a:t>
-            </a:r>
-          </a:p>
-          <a:p>
-            <a:pPr marL="0" indent="0">
-              <a:buNone/>
-            </a:pPr>
-            <a:r>
-              <a:rPr lang="en-US" dirty="0"/>
-              <a:t>		return </a:t>
-            </a:r>
-            <a:r>
-              <a:rPr lang="en-US" dirty="0" err="1"/>
-              <a:t>ROMAN.matcher</a:t>
-            </a:r>
-            <a:r>
-              <a:rPr lang="en-US" dirty="0"/>
-              <a:t>(s).matches();</a:t>
-            </a:r>
-          </a:p>
-          <a:p>
-            <a:pPr marL="0" indent="0">
-              <a:buNone/>
-            </a:pPr>
-            <a:r>
-              <a:rPr lang="en-US" dirty="0"/>
-              <a:t>	}</a:t>
-            </a:r>
-          </a:p>
-          <a:p>
-            <a:pPr marL="0" indent="0">
-              <a:buNone/>
-            </a:pPr>
-            <a:r>
-              <a:rPr lang="en-US" dirty="0"/>
-              <a:t>}</a:t>
-            </a:r>
-          </a:p>
-          <a:p>
-            <a:pPr marL="0" indent="0">
-              <a:buNone/>
-            </a:pPr>
-            <a:endParaRPr lang="en-US" dirty="0"/>
-          </a:p>
-          <a:p>
-            <a:pPr marL="0" indent="0">
-              <a:buNone/>
-            </a:pPr>
             <a:endParaRPr lang="en-US" dirty="0"/>
           </a:p>
         </p:txBody>
@@ -9728,7 +10003,7 @@
     </p:spTree>
     <p:extLst>
       <p:ext uri="{BB962C8B-B14F-4D97-AF65-F5344CB8AC3E}">
-        <p14:creationId xmlns:p14="http://schemas.microsoft.com/office/powerpoint/2010/main" val="3614038866"/>
+        <p14:creationId xmlns:p14="http://schemas.microsoft.com/office/powerpoint/2010/main" val="1935986623"/>
       </p:ext>
     </p:extLst>
   </p:cSld>
@@ -9891,162 +10166,71 @@
         </p:nvSpPr>
         <p:spPr>
           <a:xfrm>
-            <a:off x="677334" y="425003"/>
-            <a:ext cx="8596668" cy="5616359"/>
+            <a:off x="677334" y="579549"/>
+            <a:ext cx="8596668" cy="5461813"/>
           </a:xfrm>
         </p:spPr>
         <p:txBody>
-          <a:bodyPr>
-            <a:normAutofit/>
-          </a:bodyPr>
+          <a:bodyPr/>
           <a:lstStyle/>
           <a:p>
+            <a:r>
+              <a:rPr lang="en-US" dirty="0"/>
+              <a:t>Item 6 : Summary </a:t>
+            </a:r>
+          </a:p>
+          <a:p>
+            <a:endParaRPr lang="en-US" dirty="0"/>
+          </a:p>
+          <a:p>
+            <a:r>
+              <a:rPr lang="en-US" dirty="0"/>
+              <a:t>Reuse objects can be both faster and more stylish.</a:t>
+            </a:r>
+          </a:p>
+          <a:p>
+            <a:r>
+              <a:rPr lang="en-US" b="1" dirty="0" err="1"/>
+              <a:t>String.matches</a:t>
+            </a:r>
+            <a:r>
+              <a:rPr lang="en-US" b="1" dirty="0"/>
+              <a:t> is the easiest way to check if a string matches a regular expression, it’s not suitable for repeated use in performance-critical situations.</a:t>
+            </a:r>
+            <a:endParaRPr lang="en-US" dirty="0"/>
+          </a:p>
+          <a:p>
+            <a:r>
+              <a:rPr lang="en-US" b="1" dirty="0"/>
+              <a:t>prefer primitives to boxed primitives, and watch out for unintentional </a:t>
+            </a:r>
+            <a:r>
+              <a:rPr lang="en-US" b="1" dirty="0" err="1"/>
+              <a:t>autoboxing</a:t>
+            </a:r>
+            <a:r>
+              <a:rPr lang="en-US" b="1" dirty="0"/>
+              <a:t>.</a:t>
+            </a:r>
+          </a:p>
+          <a:p>
+            <a:endParaRPr lang="en-US" dirty="0"/>
+          </a:p>
+          <a:p>
             <a:pPr marL="0" indent="0">
               <a:buNone/>
             </a:pPr>
             <a:r>
-              <a:rPr lang="en-US" b="1" dirty="0">
-                <a:solidFill>
-                  <a:srgbClr val="00B050"/>
-                </a:solidFill>
-              </a:rPr>
-              <a:t>Case 3</a:t>
-            </a:r>
-            <a:endParaRPr lang="en-US" b="1" dirty="0"/>
-          </a:p>
-          <a:p>
-            <a:r>
-              <a:rPr lang="en-US" b="1" dirty="0"/>
-              <a:t>Can you spot the object creation ?</a:t>
-            </a:r>
-          </a:p>
-          <a:p>
-            <a:pPr marL="0" indent="0">
-              <a:buNone/>
-            </a:pPr>
-            <a:endParaRPr lang="en-US" b="1" dirty="0"/>
-          </a:p>
-          <a:p>
-            <a:pPr marL="0" indent="0">
-              <a:buNone/>
-            </a:pPr>
-            <a:r>
-              <a:rPr lang="en-US" dirty="0"/>
-              <a:t>private static long sum() {</a:t>
-            </a:r>
-          </a:p>
-          <a:p>
-            <a:pPr marL="0" indent="0">
-              <a:buNone/>
-            </a:pPr>
-            <a:r>
-              <a:rPr lang="en-US" dirty="0"/>
-              <a:t> 	</a:t>
-            </a:r>
-            <a:r>
-              <a:rPr lang="en-US" dirty="0">
-                <a:solidFill>
-                  <a:schemeClr val="tx1"/>
-                </a:solidFill>
-              </a:rPr>
-              <a:t>Long</a:t>
-            </a:r>
-            <a:r>
-              <a:rPr lang="en-US" dirty="0">
-                <a:solidFill>
-                  <a:srgbClr val="FF0000"/>
-                </a:solidFill>
-              </a:rPr>
-              <a:t> </a:t>
-            </a:r>
-            <a:r>
-              <a:rPr lang="en-US" dirty="0"/>
-              <a:t>sum = 0L;</a:t>
-            </a:r>
-          </a:p>
-          <a:p>
-            <a:pPr marL="0" indent="0">
-              <a:buNone/>
-            </a:pPr>
-            <a:r>
-              <a:rPr lang="en-US" dirty="0"/>
-              <a:t>	for (long </a:t>
-            </a:r>
-            <a:r>
-              <a:rPr lang="en-US" dirty="0" err="1"/>
-              <a:t>i</a:t>
-            </a:r>
-            <a:r>
-              <a:rPr lang="en-US" dirty="0"/>
-              <a:t> = 0; </a:t>
-            </a:r>
-            <a:r>
-              <a:rPr lang="en-US" dirty="0" err="1"/>
-              <a:t>i</a:t>
-            </a:r>
-            <a:r>
-              <a:rPr lang="en-US" dirty="0"/>
-              <a:t> &lt;= </a:t>
-            </a:r>
-            <a:r>
-              <a:rPr lang="en-US" dirty="0" err="1"/>
-              <a:t>Integer.MAX_VALUE</a:t>
-            </a:r>
-            <a:r>
-              <a:rPr lang="en-US" dirty="0"/>
-              <a:t>; </a:t>
-            </a:r>
-            <a:r>
-              <a:rPr lang="en-US" dirty="0" err="1"/>
-              <a:t>i</a:t>
-            </a:r>
-            <a:r>
-              <a:rPr lang="en-US" dirty="0"/>
-              <a:t>++) {</a:t>
-            </a:r>
-          </a:p>
-          <a:p>
-            <a:pPr marL="0" indent="0">
-              <a:buNone/>
-            </a:pPr>
-            <a:r>
-              <a:rPr lang="en-US" dirty="0"/>
-              <a:t>		sum += </a:t>
-            </a:r>
-            <a:r>
-              <a:rPr lang="en-US" dirty="0" err="1"/>
-              <a:t>i</a:t>
-            </a:r>
-            <a:r>
-              <a:rPr lang="en-US" dirty="0"/>
-              <a:t>;</a:t>
-            </a:r>
-          </a:p>
-          <a:p>
-            <a:pPr marL="0" indent="0">
-              <a:buNone/>
-            </a:pPr>
-            <a:r>
-              <a:rPr lang="en-US" dirty="0"/>
-              <a:t>	}	</a:t>
-            </a:r>
-          </a:p>
-          <a:p>
-            <a:pPr marL="0" indent="0">
-              <a:buNone/>
-            </a:pPr>
-            <a:r>
-              <a:rPr lang="en-US" dirty="0"/>
-              <a:t>	return sum;</a:t>
-            </a:r>
-          </a:p>
-          <a:p>
-            <a:pPr marL="0" indent="0">
-              <a:buNone/>
-            </a:pPr>
-            <a:r>
-              <a:rPr lang="en-US" dirty="0"/>
-              <a:t>}</a:t>
+              <a:rPr lang="en-US" dirty="0"/>
+              <a:t>-- The counterpoint to this item is Item 50 on </a:t>
+            </a:r>
+            <a:r>
+              <a:rPr lang="en-US" i="1" dirty="0"/>
+              <a:t>defensive copying</a:t>
+            </a:r>
+            <a:r>
+              <a:rPr lang="en-US" dirty="0"/>
+              <a:t>. The present item says, “Don’t create a new object when you should reuse an existing one,” while Item 50 says, “Don’t reuse an existing object when you should create a new one.”</a:t>
             </a:r>
           </a:p>
         </p:txBody>
@@ -10054,7 +10238,7 @@
     </p:spTree>
     <p:extLst>
       <p:ext uri="{BB962C8B-B14F-4D97-AF65-F5344CB8AC3E}">
-        <p14:creationId xmlns:p14="http://schemas.microsoft.com/office/powerpoint/2010/main" val="1245047968"/>
+        <p14:creationId xmlns:p14="http://schemas.microsoft.com/office/powerpoint/2010/main" val="2674189673"/>
       </p:ext>
     </p:extLst>
   </p:cSld>
@@ -10083,7 +10267,58 @@
       </p:grpSpPr>
       <p:sp>
         <p:nvSpPr>
-          <p:cNvPr id="3" name="Content Placeholder 2"/>
+          <p:cNvPr id="2" name="Title 1">
+            <a:extLst>
+              <a:ext uri="{FF2B5EF4-FFF2-40B4-BE49-F238E27FC236}">
+                <a16:creationId xmlns:a16="http://schemas.microsoft.com/office/drawing/2014/main" id="{EBC3BBAF-7580-4962-98A0-259EB7BF8A61}"/>
+              </a:ext>
+            </a:extLst>
+          </p:cNvPr>
+          <p:cNvSpPr>
+            <a:spLocks noGrp="1"/>
+          </p:cNvSpPr>
+          <p:nvPr>
+            <p:ph type="title"/>
+          </p:nvPr>
+        </p:nvSpPr>
+        <p:spPr/>
+        <p:txBody>
+          <a:bodyPr>
+            <a:normAutofit/>
+          </a:bodyPr>
+          <a:lstStyle/>
+          <a:p>
+            <a:r>
+              <a:rPr lang="en-US" dirty="0"/>
+              <a:t>Chapter 1 Contd.</a:t>
+            </a:r>
+            <a:br>
+              <a:rPr lang="en-US" sz="8000" dirty="0"/>
+            </a:br>
+            <a:r>
+              <a:rPr lang="en-US" sz="3200" dirty="0"/>
+              <a:t>Item 7</a:t>
+            </a:r>
+            <a:r>
+              <a:rPr lang="en-US" dirty="0"/>
+              <a:t>: </a:t>
+            </a:r>
+            <a:r>
+              <a:rPr lang="en-US" sz="2700" dirty="0"/>
+              <a:t>Eliminate obsolete object references</a:t>
+            </a:r>
+          </a:p>
+        </p:txBody>
+      </p:sp>
+      <p:sp>
+        <p:nvSpPr>
+          <p:cNvPr id="3" name="Content Placeholder 2">
+            <a:extLst>
+              <a:ext uri="{FF2B5EF4-FFF2-40B4-BE49-F238E27FC236}">
+                <a16:creationId xmlns:a16="http://schemas.microsoft.com/office/drawing/2014/main" id="{B489127D-F96B-47F5-ACBD-842C35EE2162}"/>
+              </a:ext>
+            </a:extLst>
+          </p:cNvPr>
           <p:cNvSpPr>
             <a:spLocks noGrp="1"/>
           </p:cNvSpPr>
@@ -10093,210 +10328,79 @@
         </p:nvSpPr>
         <p:spPr>
           <a:xfrm>
-            <a:off x="677334" y="656823"/>
-            <a:ext cx="8596668" cy="5384539"/>
+            <a:off x="677334" y="2063262"/>
+            <a:ext cx="9017652" cy="3786554"/>
           </a:xfrm>
         </p:spPr>
         <p:txBody>
-          <a:bodyPr>
-            <a:normAutofit lnSpcReduction="10000"/>
-          </a:bodyPr>
+          <a:bodyPr/>
           <a:lstStyle/>
           <a:p>
-            <a:pPr marL="0" indent="0">
-              <a:buNone/>
-            </a:pPr>
-            <a:r>
-              <a:rPr lang="en-US" b="1" dirty="0">
-                <a:solidFill>
-                  <a:srgbClr val="00B050"/>
-                </a:solidFill>
-              </a:rPr>
-              <a:t>Case 3</a:t>
-            </a:r>
-            <a:endParaRPr lang="en-US" b="1" dirty="0"/>
-          </a:p>
-          <a:p>
-            <a:r>
-              <a:rPr lang="en-US" b="1" dirty="0"/>
-              <a:t>Can you spot the object creation ?</a:t>
-            </a:r>
-          </a:p>
-          <a:p>
-            <a:pPr marL="0" indent="0">
-              <a:buNone/>
-            </a:pPr>
-            <a:endParaRPr lang="en-US" b="1" dirty="0"/>
-          </a:p>
-          <a:p>
-            <a:pPr marL="0" indent="0">
-              <a:buNone/>
-            </a:pPr>
-            <a:r>
-              <a:rPr lang="en-US" dirty="0"/>
-              <a:t>private static long sum() {</a:t>
-            </a:r>
-          </a:p>
-          <a:p>
-            <a:pPr marL="0" indent="0">
-              <a:buNone/>
-            </a:pPr>
-            <a:r>
-              <a:rPr lang="en-US" dirty="0"/>
-              <a:t> 	</a:t>
-            </a:r>
-            <a:r>
-              <a:rPr lang="en-US" dirty="0">
-                <a:solidFill>
-                  <a:srgbClr val="FF0000"/>
-                </a:solidFill>
-              </a:rPr>
-              <a:t>Long </a:t>
-            </a:r>
-            <a:r>
-              <a:rPr lang="en-US" dirty="0"/>
-              <a:t>sum = 0L;</a:t>
-            </a:r>
-          </a:p>
-          <a:p>
-            <a:pPr marL="0" indent="0">
-              <a:buNone/>
-            </a:pPr>
-            <a:r>
-              <a:rPr lang="en-US" dirty="0"/>
-              <a:t>	for (long </a:t>
-            </a:r>
-            <a:r>
-              <a:rPr lang="en-US" dirty="0" err="1"/>
-              <a:t>i</a:t>
-            </a:r>
-            <a:r>
-              <a:rPr lang="en-US" dirty="0"/>
-              <a:t> = 0; </a:t>
-            </a:r>
-            <a:r>
-              <a:rPr lang="en-US" dirty="0" err="1"/>
-              <a:t>i</a:t>
-            </a:r>
-            <a:r>
-              <a:rPr lang="en-US" dirty="0"/>
-              <a:t> &lt;= </a:t>
-            </a:r>
-            <a:r>
-              <a:rPr lang="en-US" dirty="0" err="1"/>
-              <a:t>Integer.MAX_VALUE</a:t>
-            </a:r>
-            <a:r>
-              <a:rPr lang="en-US" dirty="0"/>
-              <a:t>; </a:t>
-            </a:r>
-            <a:r>
-              <a:rPr lang="en-US" dirty="0" err="1"/>
-              <a:t>i</a:t>
-            </a:r>
-            <a:r>
-              <a:rPr lang="en-US" dirty="0"/>
-              <a:t>++) {</a:t>
-            </a:r>
-          </a:p>
-          <a:p>
-            <a:pPr marL="0" indent="0">
-              <a:buNone/>
-            </a:pPr>
-            <a:r>
-              <a:rPr lang="en-US" dirty="0"/>
-              <a:t>		</a:t>
-            </a:r>
-            <a:r>
-              <a:rPr lang="en-US" dirty="0">
-                <a:solidFill>
-                  <a:srgbClr val="FF0000"/>
-                </a:solidFill>
-              </a:rPr>
-              <a:t>sum += </a:t>
-            </a:r>
-            <a:r>
-              <a:rPr lang="en-US" dirty="0" err="1">
-                <a:solidFill>
-                  <a:srgbClr val="FF0000"/>
-                </a:solidFill>
-              </a:rPr>
-              <a:t>i</a:t>
-            </a:r>
-            <a:r>
-              <a:rPr lang="en-US" dirty="0">
-                <a:solidFill>
-                  <a:srgbClr val="FF0000"/>
-                </a:solidFill>
-              </a:rPr>
-              <a:t>;</a:t>
-            </a:r>
-          </a:p>
-          <a:p>
-            <a:pPr marL="0" indent="0">
-              <a:buNone/>
-            </a:pPr>
-            <a:r>
-              <a:rPr lang="en-US" dirty="0"/>
-              <a:t>	}	</a:t>
-            </a:r>
-          </a:p>
-          <a:p>
-            <a:pPr marL="0" indent="0">
-              <a:buNone/>
-            </a:pPr>
-            <a:r>
-              <a:rPr lang="en-US" dirty="0"/>
-              <a:t>	return sum;</a:t>
-            </a:r>
-          </a:p>
-          <a:p>
-            <a:pPr marL="0" indent="0">
-              <a:buNone/>
-            </a:pPr>
-            <a:r>
-              <a:rPr lang="en-US" dirty="0"/>
-              <a:t>}</a:t>
-            </a:r>
-          </a:p>
-          <a:p>
-            <a:r>
-              <a:rPr lang="en-US" dirty="0"/>
-              <a:t>The variable sum is declared as a Long instead of a long, which means that the program constructs about 2 to the power 31 unnecessary Long instances (roughly one for each time the long </a:t>
-            </a:r>
-            <a:r>
-              <a:rPr lang="en-US" dirty="0" err="1"/>
-              <a:t>i</a:t>
-            </a:r>
-            <a:r>
-              <a:rPr lang="en-US" dirty="0"/>
-              <a:t> is added to the Long sum).</a:t>
-            </a:r>
-          </a:p>
-          <a:p>
-            <a:r>
-              <a:rPr lang="en-US" b="1" dirty="0"/>
-              <a:t>prefer primitives to boxed primitives, and watch out for unintentional </a:t>
-            </a:r>
-            <a:r>
-              <a:rPr lang="en-US" b="1" dirty="0" err="1"/>
-              <a:t>autoboxing</a:t>
-            </a:r>
-            <a:r>
-              <a:rPr lang="en-US" b="1" dirty="0"/>
-              <a:t>.</a:t>
-            </a:r>
-            <a:endParaRPr lang="en-US" dirty="0"/>
-          </a:p>
-          <a:p>
-            <a:endParaRPr lang="en-US" dirty="0"/>
+            <a:r>
+              <a:rPr lang="en-US" dirty="0"/>
+              <a:t>When an Object eligible for garbage collected</a:t>
+            </a:r>
+          </a:p>
+          <a:p>
+            <a:pPr lvl="1"/>
+            <a:r>
+              <a:rPr lang="en-US" dirty="0"/>
+              <a:t>When there is no any references for particular object</a:t>
+            </a:r>
+          </a:p>
+          <a:p>
+            <a:r>
+              <a:rPr lang="en-US" dirty="0"/>
+              <a:t>The ways of making objects eligible for GC</a:t>
+            </a:r>
+          </a:p>
+          <a:p>
+            <a:pPr lvl="1"/>
+            <a:r>
+              <a:rPr lang="en-US" dirty="0"/>
+              <a:t>Nullifying the reference</a:t>
+            </a:r>
+          </a:p>
+          <a:p>
+            <a:pPr lvl="1"/>
+            <a:r>
+              <a:rPr lang="en-US" dirty="0"/>
+              <a:t>Reassigning the reference variable</a:t>
+            </a:r>
+          </a:p>
+          <a:p>
+            <a:pPr lvl="1"/>
+            <a:r>
+              <a:rPr lang="en-US" dirty="0"/>
+              <a:t>Objects created inside methods</a:t>
+            </a:r>
+          </a:p>
+          <a:p>
+            <a:pPr lvl="1"/>
+            <a:r>
+              <a:rPr lang="en-US" dirty="0"/>
+              <a:t>Island of Isolation</a:t>
+            </a:r>
+          </a:p>
+          <a:p>
+            <a:r>
+              <a:rPr lang="en-US" dirty="0"/>
+              <a:t>What is an Obsolete reference</a:t>
+            </a:r>
+          </a:p>
+          <a:p>
+            <a:pPr lvl="1"/>
+            <a:r>
+              <a:rPr lang="en-US" dirty="0"/>
+              <a:t>Unused objects which still having references</a:t>
+            </a:r>
           </a:p>
         </p:txBody>
       </p:sp>
     </p:spTree>
     <p:extLst>
       <p:ext uri="{BB962C8B-B14F-4D97-AF65-F5344CB8AC3E}">
-        <p14:creationId xmlns:p14="http://schemas.microsoft.com/office/powerpoint/2010/main" val="1935986623"/>
+        <p14:creationId xmlns:p14="http://schemas.microsoft.com/office/powerpoint/2010/main" val="1479640395"/>
       </p:ext>
     </p:extLst>
   </p:cSld>
@@ -10325,89 +10429,255 @@
       </p:grpSpPr>
       <p:sp>
         <p:nvSpPr>
-          <p:cNvPr id="3" name="Content Placeholder 2"/>
-          <p:cNvSpPr>
-            <a:spLocks noGrp="1"/>
-          </p:cNvSpPr>
-          <p:nvPr>
-            <p:ph idx="1"/>
-          </p:nvPr>
-        </p:nvSpPr>
-        <p:spPr>
-          <a:xfrm>
-            <a:off x="677334" y="579549"/>
-            <a:ext cx="8596668" cy="5461813"/>
-          </a:xfrm>
-        </p:spPr>
+          <p:cNvPr id="2" name="Title 1">
+            <a:extLst>
+              <a:ext uri="{FF2B5EF4-FFF2-40B4-BE49-F238E27FC236}">
+                <a16:creationId xmlns:a16="http://schemas.microsoft.com/office/drawing/2014/main" id="{DFB9563A-0C45-4D1D-9F59-A1339A313A6B}"/>
+              </a:ext>
+            </a:extLst>
+          </p:cNvPr>
+          <p:cNvSpPr>
+            <a:spLocks noGrp="1"/>
+          </p:cNvSpPr>
+          <p:nvPr>
+            <p:ph type="title"/>
+          </p:nvPr>
+        </p:nvSpPr>
+        <p:spPr/>
         <p:txBody>
           <a:bodyPr/>
           <a:lstStyle/>
           <a:p>
             <a:r>
               <a:rPr lang="en-US" dirty="0"/>
-              <a:t>Item 6 : Summary </a:t>
+              <a:t>Chapter 1 Contd.</a:t>
+            </a:r>
+            <a:br>
+              <a:rPr lang="en-US" b="1" dirty="0"/>
+            </a:br>
+            <a:r>
+              <a:rPr lang="en-US" sz="3200" dirty="0"/>
+              <a:t>Item 8</a:t>
+            </a:r>
+            <a:r>
+              <a:rPr lang="en-US" dirty="0"/>
+              <a:t>: </a:t>
+            </a:r>
+            <a:r>
+              <a:rPr lang="en-US" sz="2800" dirty="0"/>
+              <a:t>Avoid finalizers and cleaners</a:t>
+            </a:r>
+          </a:p>
+        </p:txBody>
+      </p:sp>
+      <p:sp>
+        <p:nvSpPr>
+          <p:cNvPr id="3" name="Content Placeholder 2">
+            <a:extLst>
+              <a:ext uri="{FF2B5EF4-FFF2-40B4-BE49-F238E27FC236}">
+                <a16:creationId xmlns:a16="http://schemas.microsoft.com/office/drawing/2014/main" id="{DBB0B975-B666-491E-819C-B6F907BE7898}"/>
+              </a:ext>
+            </a:extLst>
+          </p:cNvPr>
+          <p:cNvSpPr>
+            <a:spLocks noGrp="1"/>
+          </p:cNvSpPr>
+          <p:nvPr>
+            <p:ph idx="1"/>
+          </p:nvPr>
+        </p:nvSpPr>
+        <p:spPr/>
+        <p:txBody>
+          <a:bodyPr/>
+          <a:lstStyle/>
+          <a:p>
+            <a:r>
+              <a:rPr lang="en-US" dirty="0"/>
+              <a:t>Finalizers are unpredictable, often dangerous, and generally unnecessary</a:t>
+            </a:r>
+          </a:p>
+          <a:p>
+            <a:r>
+              <a:rPr lang="en-US" dirty="0"/>
+              <a:t>Cleaners are less dangerous than finalizers, but still unpredictable, slow, and generally unnecessary</a:t>
+            </a:r>
+          </a:p>
+          <a:p>
+            <a:r>
+              <a:rPr lang="en-US" dirty="0"/>
+              <a:t>Never do anything time-critical in a finalizer or cleaner</a:t>
+            </a:r>
+          </a:p>
+          <a:p>
+            <a:r>
+              <a:rPr lang="en-US" dirty="0"/>
+              <a:t>Never depend on a finalizer or cleaner to update persistent state</a:t>
+            </a:r>
+          </a:p>
+          <a:p>
+            <a:r>
+              <a:rPr lang="en-US" dirty="0"/>
+              <a:t>There is a </a:t>
+            </a:r>
+            <a:r>
+              <a:rPr lang="en-US" i="1" dirty="0"/>
+              <a:t>severe </a:t>
+            </a:r>
+            <a:r>
+              <a:rPr lang="en-US" dirty="0"/>
+              <a:t>performance penalty for using finalizers and cleaners</a:t>
+            </a:r>
+          </a:p>
+          <a:p>
+            <a:r>
+              <a:rPr lang="en-US" dirty="0"/>
+              <a:t>Finalizers have a serious security problem: they open your class up to finalizer attacks</a:t>
+            </a:r>
+          </a:p>
+          <a:p>
+            <a:r>
+              <a:rPr lang="en-US" dirty="0"/>
+              <a:t>Throwing an exception from a constructor should be sufficient to prevent an object from coming into existence; in the presence of finalizers, it is not</a:t>
             </a:r>
           </a:p>
           <a:p>
             <a:endParaRPr lang="en-US" dirty="0"/>
-          </a:p>
-          <a:p>
-            <a:r>
-              <a:rPr lang="en-US" dirty="0"/>
-              <a:t>Reuse objects can be both faster and more stylish.</a:t>
-            </a:r>
-          </a:p>
-          <a:p>
-            <a:r>
-              <a:rPr lang="en-US" b="1" dirty="0" err="1"/>
-              <a:t>String.matches</a:t>
-            </a:r>
-            <a:r>
-              <a:rPr lang="en-US" b="1" dirty="0"/>
-              <a:t> is the easiest way to check if a string matches a regular expression, it’s not suitable for repeated use in performance-critical situations.</a:t>
-            </a:r>
-            <a:endParaRPr lang="en-US" dirty="0"/>
-          </a:p>
-          <a:p>
-            <a:r>
-              <a:rPr lang="en-US" b="1" dirty="0"/>
-              <a:t>prefer primitives to boxed primitives, and watch out for unintentional </a:t>
-            </a:r>
-            <a:r>
-              <a:rPr lang="en-US" b="1" dirty="0" err="1"/>
-              <a:t>autoboxing</a:t>
-            </a:r>
-            <a:r>
-              <a:rPr lang="en-US" b="1" dirty="0"/>
-              <a:t>.</a:t>
-            </a:r>
-          </a:p>
-          <a:p>
-            <a:endParaRPr lang="en-US" dirty="0"/>
-          </a:p>
-          <a:p>
-            <a:pPr marL="0" indent="0">
-              <a:buNone/>
-            </a:pPr>
-            <a:r>
-              <a:rPr lang="en-US" dirty="0"/>
-              <a:t>-- The counterpoint to this item is Item 50 on </a:t>
-            </a:r>
-            <a:r>
-              <a:rPr lang="en-US" i="1" dirty="0"/>
-              <a:t>defensive copying</a:t>
-            </a:r>
-            <a:r>
-              <a:rPr lang="en-US" dirty="0"/>
-              <a:t>. The present item says, “Don’t create a new object when you should reuse an existing one,” while Item 50 says, “Don’t reuse an existing object when you should create a new one.”</a:t>
-            </a:r>
           </a:p>
         </p:txBody>
       </p:sp>
     </p:spTree>
     <p:extLst>
       <p:ext uri="{BB962C8B-B14F-4D97-AF65-F5344CB8AC3E}">
-        <p14:creationId xmlns:p14="http://schemas.microsoft.com/office/powerpoint/2010/main" val="2674189673"/>
+        <p14:creationId xmlns:p14="http://schemas.microsoft.com/office/powerpoint/2010/main" val="3689690244"/>
+      </p:ext>
+    </p:extLst>
+  </p:cSld>
+  <p:clrMapOvr>
+    <a:masterClrMapping/>
+  </p:clrMapOvr>
+</p:sld>
+</file>
+
+<file path=ppt/slides/slide23.xml><?xml version="1.0" encoding="utf-8"?>
+<p:sld xmlns:a="http://schemas.openxmlformats.org/drawingml/2006/main" xmlns:r="http://schemas.openxmlformats.org/officeDocument/2006/relationships" xmlns:p="http://schemas.openxmlformats.org/presentationml/2006/main">
+  <p:cSld>
+    <p:spTree>
+      <p:nvGrpSpPr>
+        <p:cNvPr id="1" name=""/>
+        <p:cNvGrpSpPr/>
+        <p:nvPr/>
+      </p:nvGrpSpPr>
+      <p:grpSpPr>
+        <a:xfrm>
+          <a:off x="0" y="0"/>
+          <a:ext cx="0" cy="0"/>
+          <a:chOff x="0" y="0"/>
+          <a:chExt cx="0" cy="0"/>
+        </a:xfrm>
+      </p:grpSpPr>
+      <p:sp>
+        <p:nvSpPr>
+          <p:cNvPr id="2" name="Title 1">
+            <a:extLst>
+              <a:ext uri="{FF2B5EF4-FFF2-40B4-BE49-F238E27FC236}">
+                <a16:creationId xmlns:a16="http://schemas.microsoft.com/office/drawing/2014/main" id="{DFB9563A-0C45-4D1D-9F59-A1339A313A6B}"/>
+              </a:ext>
+            </a:extLst>
+          </p:cNvPr>
+          <p:cNvSpPr>
+            <a:spLocks noGrp="1"/>
+          </p:cNvSpPr>
+          <p:nvPr>
+            <p:ph type="title"/>
+          </p:nvPr>
+        </p:nvSpPr>
+        <p:spPr/>
+        <p:txBody>
+          <a:bodyPr>
+            <a:normAutofit/>
+          </a:bodyPr>
+          <a:lstStyle/>
+          <a:p>
+            <a:r>
+              <a:rPr lang="en-US" dirty="0"/>
+              <a:t>Chapter 1 Contd.</a:t>
+            </a:r>
+            <a:br>
+              <a:rPr lang="en-US" b="1" dirty="0"/>
+            </a:br>
+            <a:r>
+              <a:rPr lang="en-US" sz="3200" dirty="0"/>
+              <a:t>Item 9</a:t>
+            </a:r>
+            <a:r>
+              <a:rPr lang="en-US" dirty="0"/>
+              <a:t>: </a:t>
+            </a:r>
+            <a:r>
+              <a:rPr lang="en-US" sz="2400" dirty="0"/>
+              <a:t>Prefer try-with-resources to try-finally</a:t>
+            </a:r>
+          </a:p>
+        </p:txBody>
+      </p:sp>
+      <p:sp>
+        <p:nvSpPr>
+          <p:cNvPr id="3" name="Content Placeholder 2">
+            <a:extLst>
+              <a:ext uri="{FF2B5EF4-FFF2-40B4-BE49-F238E27FC236}">
+                <a16:creationId xmlns:a16="http://schemas.microsoft.com/office/drawing/2014/main" id="{DBB0B975-B666-491E-819C-B6F907BE7898}"/>
+              </a:ext>
+            </a:extLst>
+          </p:cNvPr>
+          <p:cNvSpPr>
+            <a:spLocks noGrp="1"/>
+          </p:cNvSpPr>
+          <p:nvPr>
+            <p:ph idx="1"/>
+          </p:nvPr>
+        </p:nvSpPr>
+        <p:spPr/>
+        <p:txBody>
+          <a:bodyPr/>
+          <a:lstStyle/>
+          <a:p>
+            <a:r>
+              <a:rPr lang="en-US" dirty="0"/>
+              <a:t>try-finally - No longer the best way to close resources!</a:t>
+            </a:r>
+          </a:p>
+          <a:p>
+            <a:r>
+              <a:rPr lang="en-US" dirty="0"/>
+              <a:t>try-finally is ugly when used with more than one resource!</a:t>
+            </a:r>
+          </a:p>
+          <a:p>
+            <a:r>
+              <a:rPr lang="en-US" dirty="0"/>
+              <a:t>try-with-resources - the </a:t>
+            </a:r>
+            <a:r>
+              <a:rPr lang="en-US" dirty="0" err="1"/>
+              <a:t>the</a:t>
+            </a:r>
+            <a:r>
+              <a:rPr lang="en-US" dirty="0"/>
+              <a:t> best way to close resources</a:t>
+            </a:r>
+          </a:p>
+          <a:p>
+            <a:r>
+              <a:rPr lang="en-US" dirty="0"/>
+              <a:t>try-with-resources with a catch clause</a:t>
+            </a:r>
+          </a:p>
+        </p:txBody>
+      </p:sp>
+    </p:spTree>
+    <p:extLst>
+      <p:ext uri="{BB962C8B-B14F-4D97-AF65-F5344CB8AC3E}">
+        <p14:creationId xmlns:p14="http://schemas.microsoft.com/office/powerpoint/2010/main" val="2254011037"/>
       </p:ext>
     </p:extLst>
   </p:cSld>
@@ -10589,8 +10859,12 @@
               <a:rPr lang="en-US" sz="4400" dirty="0"/>
             </a:br>
             <a:r>
+              <a:rPr lang="en-US" dirty="0"/>
+              <a:t>Item 1</a:t>
+            </a:r>
+            <a:r>
               <a:rPr lang="en-US" sz="3200" dirty="0"/>
-              <a:t>Item 1: </a:t>
+              <a:t>: </a:t>
             </a:r>
             <a:r>
               <a:rPr lang="en-US" sz="2800" dirty="0"/>
@@ -10749,42 +11023,46 @@
               <a:t>originalList</a:t>
             </a:r>
             <a:r>
+              <a:rPr lang="en-US" dirty="0"/>
+              <a:t>)</a:t>
+            </a:r>
+          </a:p>
+          <a:p>
+            <a:r>
+              <a:rPr lang="en-US" dirty="0"/>
+              <a:t>Constructor creates a new object each time its invoked</a:t>
+            </a:r>
+          </a:p>
+          <a:p>
+            <a:pPr lvl="1"/>
+            <a:r>
+              <a:rPr lang="en-US" dirty="0"/>
+              <a:t>What happens when “new” key word is used - Memory allocations in JVM</a:t>
+            </a:r>
+          </a:p>
+          <a:p>
+            <a:pPr lvl="1"/>
+            <a:r>
+              <a:rPr lang="en-US" dirty="0"/>
+              <a:t>Objects Caching – Boolean Cache, Integer Cache</a:t>
+            </a:r>
+          </a:p>
+          <a:p>
+            <a:r>
+              <a:rPr lang="en-US" dirty="0"/>
+              <a:t>Constructors can’t return any sub type its return type</a:t>
+            </a:r>
+          </a:p>
+          <a:p>
+            <a:r>
+              <a:rPr lang="en-US" dirty="0"/>
+              <a:t>A class having two constructors whose parameter list differ only the order, is a </a:t>
+            </a:r>
+            <a:r>
               <a:rPr lang="en-US"/>
-              <a:t>)</a:t>
+              <a:t>bad idea</a:t>
             </a:r>
             <a:endParaRPr lang="en-US" dirty="0"/>
-          </a:p>
-          <a:p>
-            <a:r>
-              <a:rPr lang="en-US" dirty="0"/>
-              <a:t>Constructor creates a new object each time its invoked</a:t>
-            </a:r>
-          </a:p>
-          <a:p>
-            <a:pPr lvl="1"/>
-            <a:r>
-              <a:rPr lang="en-US" dirty="0"/>
-              <a:t>What happens when “new” key word is used - Memory allocations in JVM</a:t>
-            </a:r>
-          </a:p>
-          <a:p>
-            <a:pPr lvl="1"/>
-            <a:r>
-              <a:rPr lang="en-US" dirty="0"/>
-              <a:t>Objects Caching – Boolean Cache, Integer Cache</a:t>
-            </a:r>
-          </a:p>
-          <a:p>
-            <a:r>
-              <a:rPr lang="en-US" dirty="0"/>
-              <a:t>Constructors can’t return any sub type its return type</a:t>
-            </a:r>
-          </a:p>
-          <a:p>
-            <a:r>
-              <a:rPr lang="en-US" dirty="0"/>
-              <a:t>A class having two constructors whose parameter list differ only the order, is a bad idea.</a:t>
-            </a:r>
           </a:p>
           <a:p>
             <a:r>
@@ -11259,18 +11537,17 @@
               <a:t>: </a:t>
             </a:r>
             <a:r>
-              <a:rPr lang="en-US" sz="2200" b="1" dirty="0"/>
+              <a:rPr lang="en-US" sz="2200" dirty="0"/>
               <a:t>Enforce the singleton property with a private constructor or an </a:t>
             </a:r>
             <a:r>
-              <a:rPr lang="en-US" sz="2200" b="1" dirty="0" err="1"/>
+              <a:rPr lang="en-US" sz="2200" dirty="0" err="1"/>
               <a:t>enum</a:t>
             </a:r>
             <a:r>
-              <a:rPr lang="en-US" sz="2200" b="1" dirty="0"/>
+              <a:rPr lang="en-US" sz="2200" dirty="0"/>
               <a:t> type</a:t>
             </a:r>
-            <a:endParaRPr lang="en-US" sz="2200" dirty="0"/>
           </a:p>
         </p:txBody>
       </p:sp>
@@ -11472,7 +11749,12 @@
             <p:ph type="title"/>
           </p:nvPr>
         </p:nvSpPr>
-        <p:spPr/>
+        <p:spPr>
+          <a:xfrm>
+            <a:off x="677333" y="609600"/>
+            <a:ext cx="8841805" cy="1320800"/>
+          </a:xfrm>
+        </p:spPr>
         <p:txBody>
           <a:bodyPr>
             <a:normAutofit fontScale="90000"/>
@@ -11491,25 +11773,17 @@
               <a:t>Item 4: </a:t>
             </a:r>
             <a:r>
-              <a:rPr lang="en-US" sz="2700" b="1" dirty="0"/>
+              <a:rPr lang="en-US" sz="2700" dirty="0"/>
               <a:t>Enforce </a:t>
             </a:r>
             <a:r>
-              <a:rPr lang="en-US" sz="2700" b="1" dirty="0" err="1"/>
+              <a:rPr lang="en-US" sz="2700" dirty="0" err="1"/>
               <a:t>noninstantiability</a:t>
             </a:r>
             <a:r>
-              <a:rPr lang="en-US" sz="2700" b="1" dirty="0"/>
-              <a:t> with a private</a:t>
-            </a:r>
-            <a:br>
-              <a:rPr lang="en-US" sz="2700" b="1" dirty="0"/>
-            </a:br>
-            <a:r>
-              <a:rPr lang="en-US" sz="2700" b="1" dirty="0"/>
-              <a:t>constructor</a:t>
-            </a:r>
-            <a:endParaRPr lang="en-US" sz="2700" dirty="0"/>
+              <a:rPr lang="en-US" sz="2700" dirty="0"/>
+              <a:t> with a private constructor</a:t>
+            </a:r>
           </a:p>
         </p:txBody>
       </p:sp>
@@ -11626,119 +11900,53 @@
       </p:grpSpPr>
       <p:sp>
         <p:nvSpPr>
-          <p:cNvPr id="2" name="Title 1">
-            <a:extLst>
-              <a:ext uri="{FF2B5EF4-FFF2-40B4-BE49-F238E27FC236}">
-                <a16:creationId xmlns:a16="http://schemas.microsoft.com/office/drawing/2014/main" id="{0646184F-7A07-47A9-BD4C-FDCE8C235FA6}"/>
-              </a:ext>
-            </a:extLst>
-          </p:cNvPr>
-          <p:cNvSpPr>
-            <a:spLocks noGrp="1"/>
-          </p:cNvSpPr>
-          <p:nvPr>
-            <p:ph type="title"/>
+          <p:cNvPr id="2" name="Title 1"/>
+          <p:cNvSpPr>
+            <a:spLocks noGrp="1"/>
+          </p:cNvSpPr>
+          <p:nvPr>
+            <p:ph type="ctrTitle"/>
           </p:nvPr>
         </p:nvSpPr>
         <p:spPr>
           <a:xfrm>
-            <a:off x="677334" y="609600"/>
-            <a:ext cx="8596668" cy="914400"/>
+            <a:off x="1507067" y="386366"/>
+            <a:ext cx="7766936" cy="3664470"/>
           </a:xfrm>
         </p:spPr>
         <p:txBody>
           <a:bodyPr/>
           <a:lstStyle/>
           <a:p>
-            <a:pPr algn="ctr"/>
-            <a:r>
-              <a:rPr lang="en-US" dirty="0"/>
-              <a:t>Static Control Flaw</a:t>
-            </a:r>
-          </a:p>
-        </p:txBody>
-      </p:sp>
-      <p:sp>
-        <p:nvSpPr>
-          <p:cNvPr id="3" name="Content Placeholder 2">
-            <a:extLst>
-              <a:ext uri="{FF2B5EF4-FFF2-40B4-BE49-F238E27FC236}">
-                <a16:creationId xmlns:a16="http://schemas.microsoft.com/office/drawing/2014/main" id="{362D6937-047D-4566-9507-2E4E73A709B3}"/>
-              </a:ext>
-            </a:extLst>
-          </p:cNvPr>
-          <p:cNvSpPr>
-            <a:spLocks noGrp="1"/>
-          </p:cNvSpPr>
-          <p:nvPr>
-            <p:ph idx="1"/>
-          </p:nvPr>
-        </p:nvSpPr>
-        <p:spPr>
-          <a:xfrm>
-            <a:off x="677334" y="1606063"/>
-            <a:ext cx="8596668" cy="4435300"/>
-          </a:xfrm>
-        </p:spPr>
+            <a:r>
+              <a:rPr lang="en-US" b="1"/>
+              <a:t>Item 5: Prefer dependency injection to hardwiring</a:t>
+            </a:r>
+            <a:br>
+              <a:rPr lang="en-US" b="1"/>
+            </a:br>
+            <a:r>
+              <a:rPr lang="en-US" b="1"/>
+              <a:t>resources</a:t>
+            </a:r>
+            <a:endParaRPr lang="en-US" dirty="0"/>
+          </a:p>
+        </p:txBody>
+      </p:sp>
+      <p:sp>
+        <p:nvSpPr>
+          <p:cNvPr id="3" name="Subtitle 2"/>
+          <p:cNvSpPr>
+            <a:spLocks noGrp="1"/>
+          </p:cNvSpPr>
+          <p:nvPr>
+            <p:ph type="subTitle" idx="1"/>
+          </p:nvPr>
+        </p:nvSpPr>
+        <p:spPr/>
         <p:txBody>
           <a:bodyPr/>
           <a:lstStyle/>
-          <a:p>
-            <a:r>
-              <a:rPr lang="en-US" dirty="0"/>
-              <a:t>Whenever an execution of a java class the following sequence of steps will be executed at part of static control flaw</a:t>
-            </a:r>
-          </a:p>
-          <a:p>
-            <a:pPr lvl="1"/>
-            <a:r>
-              <a:rPr lang="en-US" dirty="0"/>
-              <a:t>Identification of static members starting from to bottom of the class</a:t>
-            </a:r>
-          </a:p>
-          <a:p>
-            <a:pPr lvl="1"/>
-            <a:r>
-              <a:rPr lang="en-US" dirty="0"/>
-              <a:t>Execution of static variable assignment and static blocks from top to bottom</a:t>
-            </a:r>
-          </a:p>
-          <a:p>
-            <a:pPr lvl="1"/>
-            <a:r>
-              <a:rPr lang="en-US" dirty="0"/>
-              <a:t>Execution of main method</a:t>
-            </a:r>
-          </a:p>
-          <a:p>
-            <a:r>
-              <a:rPr lang="en-US" dirty="0"/>
-              <a:t>Read Indirectly and Write Only</a:t>
-            </a:r>
-          </a:p>
-          <a:p>
-            <a:pPr lvl="1"/>
-            <a:r>
-              <a:rPr lang="en-US" dirty="0"/>
-              <a:t>Inside a static block if are trying to read a variable that read operation is called Direct read</a:t>
-            </a:r>
-          </a:p>
-          <a:p>
-            <a:pPr lvl="1"/>
-            <a:r>
-              <a:rPr lang="en-US" dirty="0"/>
-              <a:t>If we are calling a method and within that method if we are trying to read a variable that read operation is called Indirect read</a:t>
-            </a:r>
-          </a:p>
-          <a:p>
-            <a:pPr marL="0" indent="0">
-              <a:buNone/>
-            </a:pPr>
-            <a:r>
-              <a:rPr lang="en-US" dirty="0"/>
-              <a:t>	</a:t>
-            </a:r>
-          </a:p>
           <a:p>
             <a:endParaRPr lang="en-US" dirty="0"/>
           </a:p>
@@ -11747,7 +11955,7 @@
     </p:spTree>
     <p:extLst>
       <p:ext uri="{BB962C8B-B14F-4D97-AF65-F5344CB8AC3E}">
-        <p14:creationId xmlns:p14="http://schemas.microsoft.com/office/powerpoint/2010/main" val="820092095"/>
+        <p14:creationId xmlns:p14="http://schemas.microsoft.com/office/powerpoint/2010/main" val="3744982279"/>
       </p:ext>
     </p:extLst>
   </p:cSld>
